--- a/ai ppt.pptx
+++ b/ai ppt.pptx
@@ -6,6 +6,16 @@
   </p:sldMasterIdLst>
   <p:sldIdLst>
     <p:sldId id="256" r:id="rId2"/>
+    <p:sldId id="266" r:id="rId3"/>
+    <p:sldId id="257" r:id="rId4"/>
+    <p:sldId id="258" r:id="rId5"/>
+    <p:sldId id="259" r:id="rId6"/>
+    <p:sldId id="260" r:id="rId7"/>
+    <p:sldId id="261" r:id="rId8"/>
+    <p:sldId id="265" r:id="rId9"/>
+    <p:sldId id="262" r:id="rId10"/>
+    <p:sldId id="263" r:id="rId11"/>
+    <p:sldId id="264" r:id="rId12"/>
   </p:sldIdLst>
   <p:sldSz cx="12192000" cy="6858000"/>
   <p:notesSz cx="6858000" cy="9144000"/>
@@ -112,6 +122,16 @@
 </p:presentation>
 </file>
 
+<file path=ppt/revisionInfo.xml><?xml version="1.0" encoding="utf-8"?>
+<p1510:revInfo xmlns:a="http://schemas.openxmlformats.org/drawingml/2006/main" xmlns:r="http://schemas.openxmlformats.org/officeDocument/2006/relationships" xmlns:p1510="http://schemas.microsoft.com/office/powerpoint/2015/10/main">
+  <p1510:revLst>
+    <p1510:client id="{53DAA89F-D3C8-40B5-9FAE-844C4F192124}" v="99" dt="2023-11-22T10:32:52.893"/>
+    <p1510:client id="{659EE873-011D-4983-E962-3B9FD60EDE5B}" v="372" dt="2023-11-22T10:33:05.074"/>
+    <p1510:client id="{8A597F9D-6479-46ED-DB46-3817912228D7}" v="202" dt="2023-11-22T10:33:25.561"/>
+  </p1510:revLst>
+</p1510:revInfo>
+</file>
+
 <file path=ppt/slideLayouts/slideLayout1.xml><?xml version="1.0" encoding="utf-8"?>
 <p:sldLayout xmlns:a="http://schemas.openxmlformats.org/drawingml/2006/main" xmlns:r="http://schemas.openxmlformats.org/officeDocument/2006/relationships" xmlns:p="http://schemas.openxmlformats.org/presentationml/2006/main" type="title" preserve="1">
   <p:cSld name="Címdia">
@@ -241,7 +261,7 @@
           <a:p>
             <a:fld id="{F5F1901C-D33B-4565-A7E4-5DF903098DB6}" type="datetimeFigureOut">
               <a:rPr lang="hu-HU" smtClean="0"/>
-              <a:t>2023. 11. 08.</a:t>
+              <a:t>2023. 11. 22.</a:t>
             </a:fld>
             <a:endParaRPr lang="hu-HU"/>
           </a:p>
@@ -409,7 +429,7 @@
           <a:p>
             <a:fld id="{F5F1901C-D33B-4565-A7E4-5DF903098DB6}" type="datetimeFigureOut">
               <a:rPr lang="hu-HU" smtClean="0"/>
-              <a:t>2023. 11. 08.</a:t>
+              <a:t>2023. 11. 22.</a:t>
             </a:fld>
             <a:endParaRPr lang="hu-HU"/>
           </a:p>
@@ -587,7 +607,7 @@
           <a:p>
             <a:fld id="{F5F1901C-D33B-4565-A7E4-5DF903098DB6}" type="datetimeFigureOut">
               <a:rPr lang="hu-HU" smtClean="0"/>
-              <a:t>2023. 11. 08.</a:t>
+              <a:t>2023. 11. 22.</a:t>
             </a:fld>
             <a:endParaRPr lang="hu-HU"/>
           </a:p>
@@ -755,7 +775,7 @@
           <a:p>
             <a:fld id="{F5F1901C-D33B-4565-A7E4-5DF903098DB6}" type="datetimeFigureOut">
               <a:rPr lang="hu-HU" smtClean="0"/>
-              <a:t>2023. 11. 08.</a:t>
+              <a:t>2023. 11. 22.</a:t>
             </a:fld>
             <a:endParaRPr lang="hu-HU"/>
           </a:p>
@@ -1000,7 +1020,7 @@
           <a:p>
             <a:fld id="{F5F1901C-D33B-4565-A7E4-5DF903098DB6}" type="datetimeFigureOut">
               <a:rPr lang="hu-HU" smtClean="0"/>
-              <a:t>2023. 11. 08.</a:t>
+              <a:t>2023. 11. 22.</a:t>
             </a:fld>
             <a:endParaRPr lang="hu-HU"/>
           </a:p>
@@ -1229,7 +1249,7 @@
           <a:p>
             <a:fld id="{F5F1901C-D33B-4565-A7E4-5DF903098DB6}" type="datetimeFigureOut">
               <a:rPr lang="hu-HU" smtClean="0"/>
-              <a:t>2023. 11. 08.</a:t>
+              <a:t>2023. 11. 22.</a:t>
             </a:fld>
             <a:endParaRPr lang="hu-HU"/>
           </a:p>
@@ -1593,7 +1613,7 @@
           <a:p>
             <a:fld id="{F5F1901C-D33B-4565-A7E4-5DF903098DB6}" type="datetimeFigureOut">
               <a:rPr lang="hu-HU" smtClean="0"/>
-              <a:t>2023. 11. 08.</a:t>
+              <a:t>2023. 11. 22.</a:t>
             </a:fld>
             <a:endParaRPr lang="hu-HU"/>
           </a:p>
@@ -1710,7 +1730,7 @@
           <a:p>
             <a:fld id="{F5F1901C-D33B-4565-A7E4-5DF903098DB6}" type="datetimeFigureOut">
               <a:rPr lang="hu-HU" smtClean="0"/>
-              <a:t>2023. 11. 08.</a:t>
+              <a:t>2023. 11. 22.</a:t>
             </a:fld>
             <a:endParaRPr lang="hu-HU"/>
           </a:p>
@@ -1805,7 +1825,7 @@
           <a:p>
             <a:fld id="{F5F1901C-D33B-4565-A7E4-5DF903098DB6}" type="datetimeFigureOut">
               <a:rPr lang="hu-HU" smtClean="0"/>
-              <a:t>2023. 11. 08.</a:t>
+              <a:t>2023. 11. 22.</a:t>
             </a:fld>
             <a:endParaRPr lang="hu-HU"/>
           </a:p>
@@ -2080,7 +2100,7 @@
           <a:p>
             <a:fld id="{F5F1901C-D33B-4565-A7E4-5DF903098DB6}" type="datetimeFigureOut">
               <a:rPr lang="hu-HU" smtClean="0"/>
-              <a:t>2023. 11. 08.</a:t>
+              <a:t>2023. 11. 22.</a:t>
             </a:fld>
             <a:endParaRPr lang="hu-HU"/>
           </a:p>
@@ -2332,7 +2352,7 @@
           <a:p>
             <a:fld id="{F5F1901C-D33B-4565-A7E4-5DF903098DB6}" type="datetimeFigureOut">
               <a:rPr lang="hu-HU" smtClean="0"/>
-              <a:t>2023. 11. 08.</a:t>
+              <a:t>2023. 11. 22.</a:t>
             </a:fld>
             <a:endParaRPr lang="hu-HU"/>
           </a:p>
@@ -2543,7 +2563,7 @@
           <a:p>
             <a:fld id="{F5F1901C-D33B-4565-A7E4-5DF903098DB6}" type="datetimeFigureOut">
               <a:rPr lang="hu-HU" smtClean="0"/>
-              <a:t>2023. 11. 08.</a:t>
+              <a:t>2023. 11. 22.</a:t>
             </a:fld>
             <a:endParaRPr lang="hu-HU"/>
           </a:p>
@@ -2934,6 +2954,14 @@
 <file path=ppt/slides/slide1.xml><?xml version="1.0" encoding="utf-8"?>
 <p:sld xmlns:a="http://schemas.openxmlformats.org/drawingml/2006/main" xmlns:r="http://schemas.openxmlformats.org/officeDocument/2006/relationships" xmlns:p="http://schemas.openxmlformats.org/presentationml/2006/main">
   <p:cSld>
+    <p:bg>
+      <p:bgPr>
+        <a:solidFill>
+          <a:srgbClr val="000000"/>
+        </a:solidFill>
+        <a:effectLst/>
+      </p:bgPr>
+    </p:bg>
     <p:spTree>
       <p:nvGrpSpPr>
         <p:cNvPr id="1" name=""/>
@@ -2950,6 +2978,100 @@
       </p:grpSpPr>
       <p:sp>
         <p:nvSpPr>
+          <p:cNvPr id="28" name="Rectangle 27">
+            <a:extLst>
+              <a:ext uri="{FF2B5EF4-FFF2-40B4-BE49-F238E27FC236}">
+                <a16:creationId xmlns:a16="http://schemas.microsoft.com/office/drawing/2014/main" id="{71B2258F-86CA-4D4D-8270-BC05FCDEBFB3}"/>
+              </a:ext>
+              <a:ext uri="{C183D7F6-B498-43B3-948B-1728B52AA6E4}">
+                <adec:decorative xmlns:adec="http://schemas.microsoft.com/office/drawing/2017/decorative" val="1"/>
+              </a:ext>
+            </a:extLst>
+          </p:cNvPr>
+          <p:cNvSpPr>
+            <a:spLocks noGrp="1" noRot="1" noChangeAspect="1" noMove="1" noResize="1" noEditPoints="1" noAdjustHandles="1" noChangeArrowheads="1" noChangeShapeType="1" noTextEdit="1"/>
+          </p:cNvSpPr>
+          <p:nvPr>
+            <p:extLst>
+              <p:ext uri="{386F3935-93C4-4BCD-93E2-E3B085C9AB24}">
+                <p16:designElem xmlns:p16="http://schemas.microsoft.com/office/powerpoint/2015/main" val="1"/>
+              </p:ext>
+            </p:extLst>
+          </p:nvPr>
+        </p:nvSpPr>
+        <p:spPr>
+          <a:xfrm>
+            <a:off x="0" y="0"/>
+            <a:ext cx="12192000" cy="6857999"/>
+          </a:xfrm>
+          <a:prstGeom prst="rect">
+            <a:avLst/>
+          </a:prstGeom>
+          <a:solidFill>
+            <a:srgbClr val="000000"/>
+          </a:solidFill>
+          <a:ln>
+            <a:noFill/>
+          </a:ln>
+        </p:spPr>
+        <p:style>
+          <a:lnRef idx="2">
+            <a:schemeClr val="accent1">
+              <a:shade val="50000"/>
+            </a:schemeClr>
+          </a:lnRef>
+          <a:fillRef idx="1">
+            <a:schemeClr val="accent1"/>
+          </a:fillRef>
+          <a:effectRef idx="0">
+            <a:schemeClr val="accent1"/>
+          </a:effectRef>
+          <a:fontRef idx="minor">
+            <a:schemeClr val="lt1"/>
+          </a:fontRef>
+        </p:style>
+        <p:txBody>
+          <a:bodyPr rtlCol="0" anchor="ctr"/>
+          <a:lstStyle/>
+          <a:p>
+            <a:pPr algn="ctr"/>
+            <a:endParaRPr lang="en-US"/>
+          </a:p>
+        </p:txBody>
+      </p:sp>
+      <p:pic>
+        <p:nvPicPr>
+          <p:cNvPr id="24" name="Picture 23" descr="Nyomtatott áramkör közelről">
+            <a:extLst>
+              <a:ext uri="{FF2B5EF4-FFF2-40B4-BE49-F238E27FC236}">
+                <a16:creationId xmlns:a16="http://schemas.microsoft.com/office/drawing/2014/main" id="{0DBFD476-F280-385E-C6C3-86BDA5CF81A1}"/>
+              </a:ext>
+            </a:extLst>
+          </p:cNvPr>
+          <p:cNvPicPr>
+            <a:picLocks noChangeAspect="1"/>
+          </p:cNvPicPr>
+          <p:nvPr/>
+        </p:nvPicPr>
+        <p:blipFill rotWithShape="1">
+          <a:blip r:embed="rId2">
+            <a:alphaModFix amt="50000"/>
+          </a:blip>
+          <a:srcRect t="10397" r="-2" b="5206"/>
+          <a:stretch/>
+        </p:blipFill>
+        <p:spPr>
+          <a:xfrm>
+            <a:off x="20" y="1"/>
+            <a:ext cx="12191980" cy="6857999"/>
+          </a:xfrm>
+          <a:prstGeom prst="rect">
+            <a:avLst/>
+          </a:prstGeom>
+        </p:spPr>
+      </p:pic>
+      <p:sp>
+        <p:nvSpPr>
           <p:cNvPr id="2" name="Cím 1"/>
           <p:cNvSpPr>
             <a:spLocks noGrp="1"/>
@@ -2958,12 +3080,32 @@
             <p:ph type="ctrTitle"/>
           </p:nvPr>
         </p:nvSpPr>
-        <p:spPr/>
-        <p:txBody>
-          <a:bodyPr/>
-          <a:lstStyle/>
-          <a:p>
-            <a:endParaRPr lang="hu-HU"/>
+        <p:spPr>
+          <a:xfrm>
+            <a:off x="1524000" y="1122362"/>
+            <a:ext cx="9144000" cy="2900518"/>
+          </a:xfrm>
+        </p:spPr>
+        <p:txBody>
+          <a:bodyPr>
+            <a:normAutofit/>
+          </a:bodyPr>
+          <a:lstStyle/>
+          <a:p>
+            <a:r>
+              <a:rPr lang="hu-HU">
+                <a:solidFill>
+                  <a:srgbClr val="FFFFFF"/>
+                </a:solidFill>
+                <a:cs typeface="Calibri Light"/>
+              </a:rPr>
+              <a:t>Mesterséges Inteligencia (AI)</a:t>
+            </a:r>
+            <a:endParaRPr lang="hu-HU">
+              <a:solidFill>
+                <a:srgbClr val="FFFFFF"/>
+              </a:solidFill>
+            </a:endParaRPr>
           </a:p>
         </p:txBody>
       </p:sp>
@@ -2977,12 +3119,27 @@
             <p:ph type="subTitle" idx="1"/>
           </p:nvPr>
         </p:nvSpPr>
-        <p:spPr/>
-        <p:txBody>
-          <a:bodyPr/>
-          <a:lstStyle/>
-          <a:p>
-            <a:endParaRPr lang="hu-HU"/>
+        <p:spPr>
+          <a:xfrm>
+            <a:off x="1524000" y="4159404"/>
+            <a:ext cx="9144000" cy="1098395"/>
+          </a:xfrm>
+        </p:spPr>
+        <p:txBody>
+          <a:bodyPr vert="horz" lIns="91440" tIns="45720" rIns="91440" bIns="45720" rtlCol="0">
+            <a:normAutofit/>
+          </a:bodyPr>
+          <a:lstStyle/>
+          <a:p>
+            <a:r>
+              <a:rPr lang="hu-HU">
+                <a:solidFill>
+                  <a:srgbClr val="FFFFFF"/>
+                </a:solidFill>
+                <a:cs typeface="Calibri"/>
+              </a:rPr>
+              <a:t>Készítette: Szekeres Rafael Alex, Péter Dávid, Varga Szilárd</a:t>
+            </a:r>
           </a:p>
         </p:txBody>
       </p:sp>
@@ -2990,6 +3147,1428 @@
     <p:extLst>
       <p:ext uri="{BB962C8B-B14F-4D97-AF65-F5344CB8AC3E}">
         <p14:creationId xmlns:p14="http://schemas.microsoft.com/office/powerpoint/2010/main" val="4266748471"/>
+      </p:ext>
+    </p:extLst>
+  </p:cSld>
+  <p:clrMapOvr>
+    <a:overrideClrMapping bg1="dk1" tx1="lt1" bg2="dk2" tx2="lt2" accent1="accent1" accent2="accent2" accent3="accent3" accent4="accent4" accent5="accent5" accent6="accent6" hlink="hlink" folHlink="folHlink"/>
+  </p:clrMapOvr>
+  <p:timing>
+    <p:tnLst>
+      <p:par>
+        <p:cTn id="1" dur="indefinite" restart="never" nodeType="tmRoot">
+          <p:childTnLst>
+            <p:seq concurrent="1" nextAc="seek">
+              <p:cTn id="2" dur="indefinite" nodeType="mainSeq">
+                <p:childTnLst>
+                  <p:par>
+                    <p:cTn id="3" fill="hold">
+                      <p:stCondLst>
+                        <p:cond delay="indefinite"/>
+                        <p:cond evt="onBegin" delay="0">
+                          <p:tn val="2"/>
+                        </p:cond>
+                      </p:stCondLst>
+                      <p:childTnLst>
+                        <p:par>
+                          <p:cTn id="4" fill="hold">
+                            <p:stCondLst>
+                              <p:cond delay="0"/>
+                            </p:stCondLst>
+                            <p:childTnLst>
+                              <p:par>
+                                <p:cTn id="5" presetID="10" presetClass="entr" presetSubtype="0" fill="hold" grpId="0" nodeType="withEffect">
+                                  <p:stCondLst>
+                                    <p:cond delay="1500"/>
+                                  </p:stCondLst>
+                                  <p:iterate>
+                                    <p:tmPct val="10000"/>
+                                  </p:iterate>
+                                  <p:childTnLst>
+                                    <p:set>
+                                      <p:cBhvr>
+                                        <p:cTn id="6" dur="1" fill="hold">
+                                          <p:stCondLst>
+                                            <p:cond delay="0"/>
+                                          </p:stCondLst>
+                                        </p:cTn>
+                                        <p:tgtEl>
+                                          <p:spTgt spid="3">
+                                            <p:txEl>
+                                              <p:pRg st="0" end="0"/>
+                                            </p:txEl>
+                                          </p:spTgt>
+                                        </p:tgtEl>
+                                        <p:attrNameLst>
+                                          <p:attrName>style.visibility</p:attrName>
+                                        </p:attrNameLst>
+                                      </p:cBhvr>
+                                      <p:to>
+                                        <p:strVal val="visible"/>
+                                      </p:to>
+                                    </p:set>
+                                    <p:animEffect transition="in" filter="fade">
+                                      <p:cBhvr>
+                                        <p:cTn id="7" dur="700"/>
+                                        <p:tgtEl>
+                                          <p:spTgt spid="3">
+                                            <p:txEl>
+                                              <p:pRg st="0" end="0"/>
+                                            </p:txEl>
+                                          </p:spTgt>
+                                        </p:tgtEl>
+                                      </p:cBhvr>
+                                    </p:animEffect>
+                                  </p:childTnLst>
+                                </p:cTn>
+                              </p:par>
+                              <p:par>
+                                <p:cTn id="8" presetID="10" presetClass="entr" presetSubtype="0" fill="hold" grpId="0" nodeType="withEffect">
+                                  <p:stCondLst>
+                                    <p:cond delay="1000"/>
+                                  </p:stCondLst>
+                                  <p:iterate>
+                                    <p:tmPct val="10000"/>
+                                  </p:iterate>
+                                  <p:childTnLst>
+                                    <p:set>
+                                      <p:cBhvr>
+                                        <p:cTn id="9" dur="1" fill="hold">
+                                          <p:stCondLst>
+                                            <p:cond delay="0"/>
+                                          </p:stCondLst>
+                                        </p:cTn>
+                                        <p:tgtEl>
+                                          <p:spTgt spid="2"/>
+                                        </p:tgtEl>
+                                        <p:attrNameLst>
+                                          <p:attrName>style.visibility</p:attrName>
+                                        </p:attrNameLst>
+                                      </p:cBhvr>
+                                      <p:to>
+                                        <p:strVal val="visible"/>
+                                      </p:to>
+                                    </p:set>
+                                    <p:animEffect transition="in" filter="fade">
+                                      <p:cBhvr>
+                                        <p:cTn id="10" dur="700"/>
+                                        <p:tgtEl>
+                                          <p:spTgt spid="2"/>
+                                        </p:tgtEl>
+                                      </p:cBhvr>
+                                    </p:animEffect>
+                                  </p:childTnLst>
+                                </p:cTn>
+                              </p:par>
+                            </p:childTnLst>
+                          </p:cTn>
+                        </p:par>
+                      </p:childTnLst>
+                    </p:cTn>
+                  </p:par>
+                </p:childTnLst>
+              </p:cTn>
+              <p:prevCondLst>
+                <p:cond evt="onPrev" delay="0">
+                  <p:tgtEl>
+                    <p:sldTgt/>
+                  </p:tgtEl>
+                </p:cond>
+              </p:prevCondLst>
+              <p:nextCondLst>
+                <p:cond evt="onNext" delay="0">
+                  <p:tgtEl>
+                    <p:sldTgt/>
+                  </p:tgtEl>
+                </p:cond>
+              </p:nextCondLst>
+            </p:seq>
+          </p:childTnLst>
+        </p:cTn>
+      </p:par>
+    </p:tnLst>
+    <p:bldLst>
+      <p:bldP spid="2" grpId="0"/>
+      <p:bldP spid="3" grpId="0" build="p"/>
+    </p:bldLst>
+  </p:timing>
+</p:sld>
+</file>
+
+<file path=ppt/slides/slide10.xml><?xml version="1.0" encoding="utf-8"?>
+<p:sld xmlns:a="http://schemas.openxmlformats.org/drawingml/2006/main" xmlns:r="http://schemas.openxmlformats.org/officeDocument/2006/relationships" xmlns:p="http://schemas.openxmlformats.org/presentationml/2006/main">
+  <p:cSld>
+    <p:spTree>
+      <p:nvGrpSpPr>
+        <p:cNvPr id="1" name=""/>
+        <p:cNvGrpSpPr/>
+        <p:nvPr/>
+      </p:nvGrpSpPr>
+      <p:grpSpPr>
+        <a:xfrm>
+          <a:off x="0" y="0"/>
+          <a:ext cx="0" cy="0"/>
+          <a:chOff x="0" y="0"/>
+          <a:chExt cx="0" cy="0"/>
+        </a:xfrm>
+      </p:grpSpPr>
+      <p:sp>
+        <p:nvSpPr>
+          <p:cNvPr id="2" name="Cím 1">
+            <a:extLst>
+              <a:ext uri="{FF2B5EF4-FFF2-40B4-BE49-F238E27FC236}">
+                <a16:creationId xmlns:a16="http://schemas.microsoft.com/office/drawing/2014/main" id="{1065E750-C8B6-341E-D7AB-E1E8B8E31219}"/>
+              </a:ext>
+            </a:extLst>
+          </p:cNvPr>
+          <p:cNvSpPr>
+            <a:spLocks noGrp="1"/>
+          </p:cNvSpPr>
+          <p:nvPr>
+            <p:ph type="title"/>
+          </p:nvPr>
+        </p:nvSpPr>
+        <p:spPr/>
+        <p:txBody>
+          <a:bodyPr>
+            <a:normAutofit/>
+          </a:bodyPr>
+          <a:lstStyle/>
+          <a:p>
+            <a:r>
+              <a:rPr lang="hu-HU">
+                <a:solidFill>
+                  <a:srgbClr val="000000"/>
+                </a:solidFill>
+                <a:ea typeface="+mj-lt"/>
+                <a:cs typeface="+mj-lt"/>
+              </a:rPr>
+              <a:t>Jelenleg hol tart az </a:t>
+            </a:r>
+            <a:r>
+              <a:rPr lang="hu-HU" err="1">
+                <a:solidFill>
+                  <a:srgbClr val="000000"/>
+                </a:solidFill>
+                <a:ea typeface="+mj-lt"/>
+                <a:cs typeface="+mj-lt"/>
+              </a:rPr>
+              <a:t>Al</a:t>
+            </a:r>
+            <a:endParaRPr lang="hu-HU" err="1"/>
+          </a:p>
+        </p:txBody>
+      </p:sp>
+      <p:sp>
+        <p:nvSpPr>
+          <p:cNvPr id="3" name="Tartalom helye 2">
+            <a:extLst>
+              <a:ext uri="{FF2B5EF4-FFF2-40B4-BE49-F238E27FC236}">
+                <a16:creationId xmlns:a16="http://schemas.microsoft.com/office/drawing/2014/main" id="{FD517CF7-E64D-7CF3-268A-ADF530F0D869}"/>
+              </a:ext>
+            </a:extLst>
+          </p:cNvPr>
+          <p:cNvSpPr>
+            <a:spLocks noGrp="1"/>
+          </p:cNvSpPr>
+          <p:nvPr>
+            <p:ph idx="1"/>
+          </p:nvPr>
+        </p:nvSpPr>
+        <p:spPr/>
+        <p:txBody>
+          <a:bodyPr vert="horz" lIns="91440" tIns="45720" rIns="91440" bIns="45720" rtlCol="0" anchor="t">
+            <a:normAutofit/>
+          </a:bodyPr>
+          <a:lstStyle/>
+          <a:p>
+            <a:r>
+              <a:rPr lang="hu-HU" err="1">
+                <a:cs typeface="Calibri"/>
+              </a:rPr>
+              <a:t>ChatGPT</a:t>
+            </a:r>
+            <a:r>
+              <a:rPr lang="hu-HU">
+                <a:cs typeface="Calibri"/>
+              </a:rPr>
+              <a:t>, Kép, hang és videókészítés</a:t>
+            </a:r>
+          </a:p>
+          <a:p>
+            <a:endParaRPr lang="hu-HU">
+              <a:cs typeface="Calibri"/>
+            </a:endParaRPr>
+          </a:p>
+        </p:txBody>
+      </p:sp>
+    </p:spTree>
+    <p:extLst>
+      <p:ext uri="{BB962C8B-B14F-4D97-AF65-F5344CB8AC3E}">
+        <p14:creationId xmlns:p14="http://schemas.microsoft.com/office/powerpoint/2010/main" val="1865153967"/>
+      </p:ext>
+    </p:extLst>
+  </p:cSld>
+  <p:clrMapOvr>
+    <a:masterClrMapping/>
+  </p:clrMapOvr>
+</p:sld>
+</file>
+
+<file path=ppt/slides/slide11.xml><?xml version="1.0" encoding="utf-8"?>
+<p:sld xmlns:a="http://schemas.openxmlformats.org/drawingml/2006/main" xmlns:r="http://schemas.openxmlformats.org/officeDocument/2006/relationships" xmlns:p="http://schemas.openxmlformats.org/presentationml/2006/main">
+  <p:cSld>
+    <p:spTree>
+      <p:nvGrpSpPr>
+        <p:cNvPr id="1" name=""/>
+        <p:cNvGrpSpPr/>
+        <p:nvPr/>
+      </p:nvGrpSpPr>
+      <p:grpSpPr>
+        <a:xfrm>
+          <a:off x="0" y="0"/>
+          <a:ext cx="0" cy="0"/>
+          <a:chOff x="0" y="0"/>
+          <a:chExt cx="0" cy="0"/>
+        </a:xfrm>
+      </p:grpSpPr>
+      <p:sp>
+        <p:nvSpPr>
+          <p:cNvPr id="2" name="Cím 1">
+            <a:extLst>
+              <a:ext uri="{FF2B5EF4-FFF2-40B4-BE49-F238E27FC236}">
+                <a16:creationId xmlns:a16="http://schemas.microsoft.com/office/drawing/2014/main" id="{CC9FE3BF-5D5E-FD78-CF87-1C8635933142}"/>
+              </a:ext>
+            </a:extLst>
+          </p:cNvPr>
+          <p:cNvSpPr>
+            <a:spLocks noGrp="1"/>
+          </p:cNvSpPr>
+          <p:nvPr>
+            <p:ph type="title"/>
+          </p:nvPr>
+        </p:nvSpPr>
+        <p:spPr/>
+        <p:txBody>
+          <a:bodyPr>
+            <a:normAutofit/>
+          </a:bodyPr>
+          <a:lstStyle/>
+          <a:p>
+            <a:r>
+              <a:rPr lang="hu-HU">
+                <a:solidFill>
+                  <a:srgbClr val="000000"/>
+                </a:solidFill>
+                <a:ea typeface="+mj-lt"/>
+                <a:cs typeface="+mj-lt"/>
+              </a:rPr>
+              <a:t>Mit tartogat a jövő</a:t>
+            </a:r>
+            <a:endParaRPr lang="hu-HU"/>
+          </a:p>
+        </p:txBody>
+      </p:sp>
+      <p:sp>
+        <p:nvSpPr>
+          <p:cNvPr id="3" name="Tartalom helye 2">
+            <a:extLst>
+              <a:ext uri="{FF2B5EF4-FFF2-40B4-BE49-F238E27FC236}">
+                <a16:creationId xmlns:a16="http://schemas.microsoft.com/office/drawing/2014/main" id="{E67EA2BE-8D7D-B4E1-EDBC-9FE80444EA29}"/>
+              </a:ext>
+            </a:extLst>
+          </p:cNvPr>
+          <p:cNvSpPr>
+            <a:spLocks noGrp="1"/>
+          </p:cNvSpPr>
+          <p:nvPr>
+            <p:ph idx="1"/>
+          </p:nvPr>
+        </p:nvSpPr>
+        <p:spPr/>
+        <p:txBody>
+          <a:bodyPr vert="horz" lIns="91440" tIns="45720" rIns="91440" bIns="45720" rtlCol="0" anchor="t">
+            <a:normAutofit/>
+          </a:bodyPr>
+          <a:lstStyle/>
+          <a:p>
+            <a:r>
+              <a:rPr lang="hu-HU">
+                <a:cs typeface="Calibri"/>
+              </a:rPr>
+              <a:t>Járművek fejlesztése</a:t>
+            </a:r>
+          </a:p>
+          <a:p>
+            <a:r>
+              <a:rPr lang="hu-HU">
+                <a:cs typeface="Calibri"/>
+              </a:rPr>
+              <a:t>Egészségügy fejlődése</a:t>
+            </a:r>
+          </a:p>
+          <a:p>
+            <a:r>
+              <a:rPr lang="hu-HU">
+                <a:cs typeface="Calibri"/>
+              </a:rPr>
+              <a:t>Oktatási technológiák</a:t>
+            </a:r>
+          </a:p>
+          <a:p>
+            <a:r>
+              <a:rPr lang="hu-HU">
+                <a:cs typeface="Calibri"/>
+              </a:rPr>
+              <a:t>Kutatások segítése</a:t>
+            </a:r>
+          </a:p>
+          <a:p>
+            <a:r>
+              <a:rPr lang="hu-HU">
+                <a:cs typeface="Calibri"/>
+              </a:rPr>
+              <a:t>Önmagát fejleszti</a:t>
+            </a:r>
+          </a:p>
+          <a:p>
+            <a:r>
+              <a:rPr lang="hu-HU">
+                <a:cs typeface="Calibri"/>
+              </a:rPr>
+              <a:t>Veszélyt tartogathat</a:t>
+            </a:r>
+          </a:p>
+          <a:p>
+            <a:endParaRPr lang="hu-HU">
+              <a:cs typeface="Calibri"/>
+            </a:endParaRPr>
+          </a:p>
+        </p:txBody>
+      </p:sp>
+    </p:spTree>
+    <p:extLst>
+      <p:ext uri="{BB962C8B-B14F-4D97-AF65-F5344CB8AC3E}">
+        <p14:creationId xmlns:p14="http://schemas.microsoft.com/office/powerpoint/2010/main" val="2314412172"/>
+      </p:ext>
+    </p:extLst>
+  </p:cSld>
+  <p:clrMapOvr>
+    <a:masterClrMapping/>
+  </p:clrMapOvr>
+</p:sld>
+</file>
+
+<file path=ppt/slides/slide2.xml><?xml version="1.0" encoding="utf-8"?>
+<p:sld xmlns:a="http://schemas.openxmlformats.org/drawingml/2006/main" xmlns:r="http://schemas.openxmlformats.org/officeDocument/2006/relationships" xmlns:p="http://schemas.openxmlformats.org/presentationml/2006/main">
+  <p:cSld>
+    <p:spTree>
+      <p:nvGrpSpPr>
+        <p:cNvPr id="1" name=""/>
+        <p:cNvGrpSpPr/>
+        <p:nvPr/>
+      </p:nvGrpSpPr>
+      <p:grpSpPr>
+        <a:xfrm>
+          <a:off x="0" y="0"/>
+          <a:ext cx="0" cy="0"/>
+          <a:chOff x="0" y="0"/>
+          <a:chExt cx="0" cy="0"/>
+        </a:xfrm>
+      </p:grpSpPr>
+      <p:sp>
+        <p:nvSpPr>
+          <p:cNvPr id="2" name="Cím 1">
+            <a:extLst>
+              <a:ext uri="{FF2B5EF4-FFF2-40B4-BE49-F238E27FC236}">
+                <a16:creationId xmlns:a16="http://schemas.microsoft.com/office/drawing/2014/main" id="{2ED98D5B-5BF9-B87C-8132-9E2095A2A88C}"/>
+              </a:ext>
+            </a:extLst>
+          </p:cNvPr>
+          <p:cNvSpPr>
+            <a:spLocks noGrp="1"/>
+          </p:cNvSpPr>
+          <p:nvPr>
+            <p:ph type="title"/>
+          </p:nvPr>
+        </p:nvSpPr>
+        <p:spPr/>
+        <p:txBody>
+          <a:bodyPr/>
+          <a:lstStyle/>
+          <a:p>
+            <a:r>
+              <a:rPr lang="hu-HU" dirty="0">
+                <a:ea typeface="Calibri Light"/>
+                <a:cs typeface="Calibri Light"/>
+              </a:rPr>
+              <a:t>Fogalma</a:t>
+            </a:r>
+            <a:endParaRPr lang="hu-HU" dirty="0"/>
+          </a:p>
+        </p:txBody>
+      </p:sp>
+      <p:sp>
+        <p:nvSpPr>
+          <p:cNvPr id="3" name="Tartalom helye 2">
+            <a:extLst>
+              <a:ext uri="{FF2B5EF4-FFF2-40B4-BE49-F238E27FC236}">
+                <a16:creationId xmlns:a16="http://schemas.microsoft.com/office/drawing/2014/main" id="{A3FC58E6-EDF5-BD4C-9924-BE622A50AD31}"/>
+              </a:ext>
+            </a:extLst>
+          </p:cNvPr>
+          <p:cNvSpPr>
+            <a:spLocks noGrp="1"/>
+          </p:cNvSpPr>
+          <p:nvPr>
+            <p:ph idx="1"/>
+          </p:nvPr>
+        </p:nvSpPr>
+        <p:spPr/>
+        <p:txBody>
+          <a:bodyPr vert="horz" lIns="91440" tIns="45720" rIns="91440" bIns="45720" rtlCol="0" anchor="t">
+            <a:normAutofit lnSpcReduction="10000"/>
+          </a:bodyPr>
+          <a:lstStyle/>
+          <a:p>
+            <a:r>
+              <a:rPr lang="hu-HU" dirty="0"/>
+              <a:t>A mesterséges intelligencia (MI) a gépek emberhez hasonló képességeit jelenti</a:t>
+            </a:r>
+          </a:p>
+          <a:p>
+            <a:r>
+              <a:rPr lang="hu-HU" dirty="0"/>
+              <a:t>A technika számára lett kitalálva.</a:t>
+            </a:r>
+          </a:p>
+          <a:p>
+            <a:r>
+              <a:rPr lang="hu-HU" dirty="0"/>
+              <a:t>Érzékeli környezetét</a:t>
+            </a:r>
+          </a:p>
+          <a:p>
+            <a:r>
+              <a:rPr lang="hu-HU" dirty="0"/>
+              <a:t>Problémákat old meg, a konkrét cél elérése iránt</a:t>
+            </a:r>
+          </a:p>
+          <a:p>
+            <a:r>
+              <a:rPr lang="hu-HU" dirty="0"/>
+              <a:t> A számítógép nemcsak adatokat fogad hanem fel is dolgozza azokat és reagál rájuk.</a:t>
+            </a:r>
+            <a:endParaRPr lang="hu-HU">
+              <a:ea typeface="Calibri"/>
+              <a:cs typeface="Calibri"/>
+            </a:endParaRPr>
+          </a:p>
+          <a:p>
+            <a:r>
+              <a:rPr lang="hu-HU" dirty="0"/>
+              <a:t>Ezek a rendszerek képesek viselkedésük bizonyos fokú módosítására is, a korábbi lépéseik hatásainak elemzésével és önálló munkával.</a:t>
+            </a:r>
+            <a:br>
+              <a:rPr lang="hu-HU" dirty="0"/>
+            </a:br>
+            <a:endParaRPr lang="hu-HU"/>
+          </a:p>
+          <a:p>
+            <a:endParaRPr lang="hu-HU" dirty="0">
+              <a:ea typeface="Calibri"/>
+              <a:cs typeface="Calibri"/>
+            </a:endParaRPr>
+          </a:p>
+        </p:txBody>
+      </p:sp>
+    </p:spTree>
+    <p:extLst>
+      <p:ext uri="{BB962C8B-B14F-4D97-AF65-F5344CB8AC3E}">
+        <p14:creationId xmlns:p14="http://schemas.microsoft.com/office/powerpoint/2010/main" val="1729986033"/>
+      </p:ext>
+    </p:extLst>
+  </p:cSld>
+  <p:clrMapOvr>
+    <a:masterClrMapping/>
+  </p:clrMapOvr>
+</p:sld>
+</file>
+
+<file path=ppt/slides/slide3.xml><?xml version="1.0" encoding="utf-8"?>
+<p:sld xmlns:a="http://schemas.openxmlformats.org/drawingml/2006/main" xmlns:r="http://schemas.openxmlformats.org/officeDocument/2006/relationships" xmlns:p="http://schemas.openxmlformats.org/presentationml/2006/main">
+  <p:cSld>
+    <p:spTree>
+      <p:nvGrpSpPr>
+        <p:cNvPr id="1" name=""/>
+        <p:cNvGrpSpPr/>
+        <p:nvPr/>
+      </p:nvGrpSpPr>
+      <p:grpSpPr>
+        <a:xfrm>
+          <a:off x="0" y="0"/>
+          <a:ext cx="0" cy="0"/>
+          <a:chOff x="0" y="0"/>
+          <a:chExt cx="0" cy="0"/>
+        </a:xfrm>
+      </p:grpSpPr>
+      <p:sp>
+        <p:nvSpPr>
+          <p:cNvPr id="2" name="Cím 1">
+            <a:extLst>
+              <a:ext uri="{FF2B5EF4-FFF2-40B4-BE49-F238E27FC236}">
+                <a16:creationId xmlns:a16="http://schemas.microsoft.com/office/drawing/2014/main" id="{1CAC03B8-E4A7-44B2-12F7-C65533739920}"/>
+              </a:ext>
+            </a:extLst>
+          </p:cNvPr>
+          <p:cNvSpPr>
+            <a:spLocks noGrp="1"/>
+          </p:cNvSpPr>
+          <p:nvPr>
+            <p:ph type="title"/>
+          </p:nvPr>
+        </p:nvSpPr>
+        <p:spPr/>
+        <p:txBody>
+          <a:bodyPr/>
+          <a:lstStyle/>
+          <a:p>
+            <a:r>
+              <a:rPr lang="hu-HU">
+                <a:cs typeface="Calibri Light"/>
+              </a:rPr>
+              <a:t>Története</a:t>
+            </a:r>
+            <a:endParaRPr lang="hu-HU"/>
+          </a:p>
+        </p:txBody>
+      </p:sp>
+      <p:sp>
+        <p:nvSpPr>
+          <p:cNvPr id="3" name="Tartalom helye 2">
+            <a:extLst>
+              <a:ext uri="{FF2B5EF4-FFF2-40B4-BE49-F238E27FC236}">
+                <a16:creationId xmlns:a16="http://schemas.microsoft.com/office/drawing/2014/main" id="{6C78B42B-0980-C969-8F60-7CB6E48D8043}"/>
+              </a:ext>
+            </a:extLst>
+          </p:cNvPr>
+          <p:cNvSpPr>
+            <a:spLocks noGrp="1"/>
+          </p:cNvSpPr>
+          <p:nvPr>
+            <p:ph idx="1"/>
+          </p:nvPr>
+        </p:nvSpPr>
+        <p:spPr/>
+        <p:txBody>
+          <a:bodyPr vert="horz" lIns="91440" tIns="45720" rIns="91440" bIns="45720" rtlCol="0" anchor="t">
+            <a:normAutofit/>
+          </a:bodyPr>
+          <a:lstStyle/>
+          <a:p>
+            <a:r>
+              <a:rPr lang="hu-HU" dirty="0">
+                <a:ea typeface="Calibri"/>
+                <a:cs typeface="Calibri"/>
+              </a:rPr>
+              <a:t>2022 November 30.-án a </a:t>
+            </a:r>
+            <a:r>
+              <a:rPr lang="hu-HU" dirty="0" err="1">
+                <a:ea typeface="Calibri"/>
+                <a:cs typeface="Calibri"/>
+              </a:rPr>
+              <a:t>ChatGPT</a:t>
+            </a:r>
+            <a:r>
+              <a:rPr lang="hu-HU" dirty="0">
+                <a:ea typeface="Calibri"/>
+                <a:cs typeface="Calibri"/>
+              </a:rPr>
+              <a:t>-vel felkapott lesz</a:t>
+            </a:r>
+          </a:p>
+          <a:p>
+            <a:r>
+              <a:rPr lang="hu-HU" dirty="0">
+                <a:ea typeface="Calibri"/>
+                <a:cs typeface="Calibri"/>
+              </a:rPr>
+              <a:t>Folyamatos fejlesztés</a:t>
+            </a:r>
+          </a:p>
+        </p:txBody>
+      </p:sp>
+    </p:spTree>
+    <p:extLst>
+      <p:ext uri="{BB962C8B-B14F-4D97-AF65-F5344CB8AC3E}">
+        <p14:creationId xmlns:p14="http://schemas.microsoft.com/office/powerpoint/2010/main" val="3652836151"/>
+      </p:ext>
+    </p:extLst>
+  </p:cSld>
+  <p:clrMapOvr>
+    <a:masterClrMapping/>
+  </p:clrMapOvr>
+</p:sld>
+</file>
+
+<file path=ppt/slides/slide4.xml><?xml version="1.0" encoding="utf-8"?>
+<p:sld xmlns:a="http://schemas.openxmlformats.org/drawingml/2006/main" xmlns:r="http://schemas.openxmlformats.org/officeDocument/2006/relationships" xmlns:p="http://schemas.openxmlformats.org/presentationml/2006/main">
+  <p:cSld>
+    <p:spTree>
+      <p:nvGrpSpPr>
+        <p:cNvPr id="1" name=""/>
+        <p:cNvGrpSpPr/>
+        <p:nvPr/>
+      </p:nvGrpSpPr>
+      <p:grpSpPr>
+        <a:xfrm>
+          <a:off x="0" y="0"/>
+          <a:ext cx="0" cy="0"/>
+          <a:chOff x="0" y="0"/>
+          <a:chExt cx="0" cy="0"/>
+        </a:xfrm>
+      </p:grpSpPr>
+      <p:sp>
+        <p:nvSpPr>
+          <p:cNvPr id="2" name="Cím 1">
+            <a:extLst>
+              <a:ext uri="{FF2B5EF4-FFF2-40B4-BE49-F238E27FC236}">
+                <a16:creationId xmlns:a16="http://schemas.microsoft.com/office/drawing/2014/main" id="{DD73444F-A8A4-3699-4E09-08FC1902BADE}"/>
+              </a:ext>
+            </a:extLst>
+          </p:cNvPr>
+          <p:cNvSpPr>
+            <a:spLocks noGrp="1"/>
+          </p:cNvSpPr>
+          <p:nvPr>
+            <p:ph type="title"/>
+          </p:nvPr>
+        </p:nvSpPr>
+        <p:spPr/>
+        <p:txBody>
+          <a:bodyPr>
+            <a:normAutofit/>
+          </a:bodyPr>
+          <a:lstStyle/>
+          <a:p>
+            <a:r>
+              <a:rPr lang="hu-HU">
+                <a:solidFill>
+                  <a:srgbClr val="000000"/>
+                </a:solidFill>
+                <a:ea typeface="+mj-lt"/>
+                <a:cs typeface="+mj-lt"/>
+              </a:rPr>
+              <a:t>Ágens fogalma, típusai</a:t>
+            </a:r>
+            <a:endParaRPr lang="hu-HU"/>
+          </a:p>
+        </p:txBody>
+      </p:sp>
+      <p:sp>
+        <p:nvSpPr>
+          <p:cNvPr id="3" name="Tartalom helye 2">
+            <a:extLst>
+              <a:ext uri="{FF2B5EF4-FFF2-40B4-BE49-F238E27FC236}">
+                <a16:creationId xmlns:a16="http://schemas.microsoft.com/office/drawing/2014/main" id="{46150786-53F3-A23A-39F7-89535F05C2E0}"/>
+              </a:ext>
+            </a:extLst>
+          </p:cNvPr>
+          <p:cNvSpPr>
+            <a:spLocks noGrp="1"/>
+          </p:cNvSpPr>
+          <p:nvPr>
+            <p:ph idx="1"/>
+          </p:nvPr>
+        </p:nvSpPr>
+        <p:spPr/>
+        <p:txBody>
+          <a:bodyPr vert="horz" lIns="91440" tIns="45720" rIns="91440" bIns="45720" rtlCol="0" anchor="t">
+            <a:normAutofit/>
+          </a:bodyPr>
+          <a:lstStyle/>
+          <a:p>
+            <a:r>
+              <a:rPr lang="hu-HU">
+                <a:cs typeface="Calibri"/>
+              </a:rPr>
+              <a:t>Fogalma</a:t>
+            </a:r>
+          </a:p>
+          <a:p>
+            <a:endParaRPr lang="hu-HU">
+              <a:cs typeface="Calibri"/>
+            </a:endParaRPr>
+          </a:p>
+          <a:p>
+            <a:r>
+              <a:rPr lang="hu-HU">
+                <a:cs typeface="Calibri"/>
+              </a:rPr>
+              <a:t>Típusai:</a:t>
+            </a:r>
+          </a:p>
+          <a:p>
+            <a:pPr lvl="1"/>
+            <a:r>
+              <a:rPr lang="hu-HU">
+                <a:cs typeface="Calibri"/>
+              </a:rPr>
+              <a:t>Autonóm</a:t>
+            </a:r>
+          </a:p>
+          <a:p>
+            <a:pPr lvl="1"/>
+            <a:r>
+              <a:rPr lang="hu-HU">
+                <a:cs typeface="Calibri"/>
+              </a:rPr>
+              <a:t>Intelligens</a:t>
+            </a:r>
+          </a:p>
+          <a:p>
+            <a:pPr lvl="1"/>
+            <a:r>
+              <a:rPr lang="hu-HU">
+                <a:cs typeface="Calibri"/>
+              </a:rPr>
+              <a:t>Szociális</a:t>
+            </a:r>
+          </a:p>
+        </p:txBody>
+      </p:sp>
+    </p:spTree>
+    <p:extLst>
+      <p:ext uri="{BB962C8B-B14F-4D97-AF65-F5344CB8AC3E}">
+        <p14:creationId xmlns:p14="http://schemas.microsoft.com/office/powerpoint/2010/main" val="3845223352"/>
+      </p:ext>
+    </p:extLst>
+  </p:cSld>
+  <p:clrMapOvr>
+    <a:masterClrMapping/>
+  </p:clrMapOvr>
+</p:sld>
+</file>
+
+<file path=ppt/slides/slide5.xml><?xml version="1.0" encoding="utf-8"?>
+<p:sld xmlns:a="http://schemas.openxmlformats.org/drawingml/2006/main" xmlns:r="http://schemas.openxmlformats.org/officeDocument/2006/relationships" xmlns:p="http://schemas.openxmlformats.org/presentationml/2006/main">
+  <p:cSld>
+    <p:spTree>
+      <p:nvGrpSpPr>
+        <p:cNvPr id="1" name=""/>
+        <p:cNvGrpSpPr/>
+        <p:nvPr/>
+      </p:nvGrpSpPr>
+      <p:grpSpPr>
+        <a:xfrm>
+          <a:off x="0" y="0"/>
+          <a:ext cx="0" cy="0"/>
+          <a:chOff x="0" y="0"/>
+          <a:chExt cx="0" cy="0"/>
+        </a:xfrm>
+      </p:grpSpPr>
+      <p:sp>
+        <p:nvSpPr>
+          <p:cNvPr id="2" name="Cím 1">
+            <a:extLst>
+              <a:ext uri="{FF2B5EF4-FFF2-40B4-BE49-F238E27FC236}">
+                <a16:creationId xmlns:a16="http://schemas.microsoft.com/office/drawing/2014/main" id="{67F489B6-4E68-E032-7EEC-CE2E8D9C39A4}"/>
+              </a:ext>
+            </a:extLst>
+          </p:cNvPr>
+          <p:cNvSpPr>
+            <a:spLocks noGrp="1"/>
+          </p:cNvSpPr>
+          <p:nvPr>
+            <p:ph type="title"/>
+          </p:nvPr>
+        </p:nvSpPr>
+        <p:spPr/>
+        <p:txBody>
+          <a:bodyPr>
+            <a:normAutofit/>
+          </a:bodyPr>
+          <a:lstStyle/>
+          <a:p>
+            <a:r>
+              <a:rPr lang="hu-HU">
+                <a:solidFill>
+                  <a:srgbClr val="000000"/>
+                </a:solidFill>
+                <a:ea typeface="+mj-lt"/>
+                <a:cs typeface="+mj-lt"/>
+              </a:rPr>
+              <a:t>Neurális hálózatok</a:t>
+            </a:r>
+            <a:endParaRPr lang="hu-HU"/>
+          </a:p>
+        </p:txBody>
+      </p:sp>
+      <p:sp>
+        <p:nvSpPr>
+          <p:cNvPr id="3" name="Tartalom helye 2">
+            <a:extLst>
+              <a:ext uri="{FF2B5EF4-FFF2-40B4-BE49-F238E27FC236}">
+                <a16:creationId xmlns:a16="http://schemas.microsoft.com/office/drawing/2014/main" id="{2D6F0EA0-3F08-84E0-9786-BD9BF2D97A86}"/>
+              </a:ext>
+            </a:extLst>
+          </p:cNvPr>
+          <p:cNvSpPr>
+            <a:spLocks noGrp="1"/>
+          </p:cNvSpPr>
+          <p:nvPr>
+            <p:ph idx="1"/>
+          </p:nvPr>
+        </p:nvSpPr>
+        <p:spPr/>
+        <p:txBody>
+          <a:bodyPr/>
+          <a:lstStyle/>
+          <a:p>
+            <a:endParaRPr lang="hu-HU"/>
+          </a:p>
+        </p:txBody>
+      </p:sp>
+    </p:spTree>
+    <p:extLst>
+      <p:ext uri="{BB962C8B-B14F-4D97-AF65-F5344CB8AC3E}">
+        <p14:creationId xmlns:p14="http://schemas.microsoft.com/office/powerpoint/2010/main" val="823221696"/>
+      </p:ext>
+    </p:extLst>
+  </p:cSld>
+  <p:clrMapOvr>
+    <a:masterClrMapping/>
+  </p:clrMapOvr>
+</p:sld>
+</file>
+
+<file path=ppt/slides/slide6.xml><?xml version="1.0" encoding="utf-8"?>
+<p:sld xmlns:a="http://schemas.openxmlformats.org/drawingml/2006/main" xmlns:r="http://schemas.openxmlformats.org/officeDocument/2006/relationships" xmlns:p="http://schemas.openxmlformats.org/presentationml/2006/main">
+  <p:cSld>
+    <p:spTree>
+      <p:nvGrpSpPr>
+        <p:cNvPr id="1" name=""/>
+        <p:cNvGrpSpPr/>
+        <p:nvPr/>
+      </p:nvGrpSpPr>
+      <p:grpSpPr>
+        <a:xfrm>
+          <a:off x="0" y="0"/>
+          <a:ext cx="0" cy="0"/>
+          <a:chOff x="0" y="0"/>
+          <a:chExt cx="0" cy="0"/>
+        </a:xfrm>
+      </p:grpSpPr>
+      <p:sp>
+        <p:nvSpPr>
+          <p:cNvPr id="2" name="Cím 1">
+            <a:extLst>
+              <a:ext uri="{FF2B5EF4-FFF2-40B4-BE49-F238E27FC236}">
+                <a16:creationId xmlns:a16="http://schemas.microsoft.com/office/drawing/2014/main" id="{23C04024-7974-AD22-2515-BA84BD051933}"/>
+              </a:ext>
+            </a:extLst>
+          </p:cNvPr>
+          <p:cNvSpPr>
+            <a:spLocks noGrp="1"/>
+          </p:cNvSpPr>
+          <p:nvPr>
+            <p:ph type="title"/>
+          </p:nvPr>
+        </p:nvSpPr>
+        <p:spPr/>
+        <p:txBody>
+          <a:bodyPr>
+            <a:normAutofit/>
+          </a:bodyPr>
+          <a:lstStyle/>
+          <a:p>
+            <a:r>
+              <a:rPr lang="hu-HU">
+                <a:solidFill>
+                  <a:srgbClr val="000000"/>
+                </a:solidFill>
+                <a:ea typeface="+mj-lt"/>
+                <a:cs typeface="+mj-lt"/>
+              </a:rPr>
+              <a:t>Gépi tanulás, szintjei (</a:t>
+            </a:r>
+            <a:r>
+              <a:rPr lang="hu-HU" err="1">
+                <a:solidFill>
+                  <a:srgbClr val="000000"/>
+                </a:solidFill>
+                <a:ea typeface="+mj-lt"/>
+                <a:cs typeface="+mj-lt"/>
+              </a:rPr>
+              <a:t>deep</a:t>
+            </a:r>
+            <a:r>
+              <a:rPr lang="hu-HU">
+                <a:solidFill>
+                  <a:srgbClr val="000000"/>
+                </a:solidFill>
+                <a:ea typeface="+mj-lt"/>
+                <a:cs typeface="+mj-lt"/>
+              </a:rPr>
+              <a:t> </a:t>
+            </a:r>
+            <a:r>
+              <a:rPr lang="hu-HU" err="1">
+                <a:solidFill>
+                  <a:srgbClr val="000000"/>
+                </a:solidFill>
+                <a:ea typeface="+mj-lt"/>
+                <a:cs typeface="+mj-lt"/>
+              </a:rPr>
+              <a:t>learning</a:t>
+            </a:r>
+            <a:r>
+              <a:rPr lang="hu-HU">
+                <a:solidFill>
+                  <a:srgbClr val="000000"/>
+                </a:solidFill>
+                <a:ea typeface="+mj-lt"/>
+                <a:cs typeface="+mj-lt"/>
+              </a:rPr>
+              <a:t>)</a:t>
+            </a:r>
+            <a:endParaRPr lang="hu-HU"/>
+          </a:p>
+        </p:txBody>
+      </p:sp>
+      <p:sp>
+        <p:nvSpPr>
+          <p:cNvPr id="3" name="Tartalom helye 2">
+            <a:extLst>
+              <a:ext uri="{FF2B5EF4-FFF2-40B4-BE49-F238E27FC236}">
+                <a16:creationId xmlns:a16="http://schemas.microsoft.com/office/drawing/2014/main" id="{F5B5E136-FFDC-69A2-B7CB-B2E4CAE59CC7}"/>
+              </a:ext>
+            </a:extLst>
+          </p:cNvPr>
+          <p:cNvSpPr>
+            <a:spLocks noGrp="1"/>
+          </p:cNvSpPr>
+          <p:nvPr>
+            <p:ph idx="1"/>
+          </p:nvPr>
+        </p:nvSpPr>
+        <p:spPr/>
+        <p:txBody>
+          <a:bodyPr/>
+          <a:lstStyle/>
+          <a:p>
+            <a:endParaRPr lang="hu-HU"/>
+          </a:p>
+        </p:txBody>
+      </p:sp>
+    </p:spTree>
+    <p:extLst>
+      <p:ext uri="{BB962C8B-B14F-4D97-AF65-F5344CB8AC3E}">
+        <p14:creationId xmlns:p14="http://schemas.microsoft.com/office/powerpoint/2010/main" val="1397895582"/>
+      </p:ext>
+    </p:extLst>
+  </p:cSld>
+  <p:clrMapOvr>
+    <a:masterClrMapping/>
+  </p:clrMapOvr>
+</p:sld>
+</file>
+
+<file path=ppt/slides/slide7.xml><?xml version="1.0" encoding="utf-8"?>
+<p:sld xmlns:a="http://schemas.openxmlformats.org/drawingml/2006/main" xmlns:r="http://schemas.openxmlformats.org/officeDocument/2006/relationships" xmlns:p="http://schemas.openxmlformats.org/presentationml/2006/main">
+  <p:cSld>
+    <p:spTree>
+      <p:nvGrpSpPr>
+        <p:cNvPr id="1" name=""/>
+        <p:cNvGrpSpPr/>
+        <p:nvPr/>
+      </p:nvGrpSpPr>
+      <p:grpSpPr>
+        <a:xfrm>
+          <a:off x="0" y="0"/>
+          <a:ext cx="0" cy="0"/>
+          <a:chOff x="0" y="0"/>
+          <a:chExt cx="0" cy="0"/>
+        </a:xfrm>
+      </p:grpSpPr>
+      <p:sp>
+        <p:nvSpPr>
+          <p:cNvPr id="2" name="Cím 1">
+            <a:extLst>
+              <a:ext uri="{FF2B5EF4-FFF2-40B4-BE49-F238E27FC236}">
+                <a16:creationId xmlns:a16="http://schemas.microsoft.com/office/drawing/2014/main" id="{B8D64A97-20AC-5C17-7257-F12FD9F2EE7A}"/>
+              </a:ext>
+            </a:extLst>
+          </p:cNvPr>
+          <p:cNvSpPr>
+            <a:spLocks noGrp="1"/>
+          </p:cNvSpPr>
+          <p:nvPr>
+            <p:ph type="title"/>
+          </p:nvPr>
+        </p:nvSpPr>
+        <p:spPr/>
+        <p:txBody>
+          <a:bodyPr>
+            <a:normAutofit/>
+          </a:bodyPr>
+          <a:lstStyle/>
+          <a:p>
+            <a:r>
+              <a:rPr lang="hu-HU">
+                <a:solidFill>
+                  <a:srgbClr val="000000"/>
+                </a:solidFill>
+                <a:ea typeface="+mj-lt"/>
+                <a:cs typeface="+mj-lt"/>
+              </a:rPr>
+              <a:t>Mesterséges intelligencia mint program</a:t>
+            </a:r>
+            <a:endParaRPr lang="hu-HU"/>
+          </a:p>
+        </p:txBody>
+      </p:sp>
+      <p:sp>
+        <p:nvSpPr>
+          <p:cNvPr id="3" name="Tartalom helye 2">
+            <a:extLst>
+              <a:ext uri="{FF2B5EF4-FFF2-40B4-BE49-F238E27FC236}">
+                <a16:creationId xmlns:a16="http://schemas.microsoft.com/office/drawing/2014/main" id="{99C9FA57-37C6-228F-6E0C-77D319B2F783}"/>
+              </a:ext>
+            </a:extLst>
+          </p:cNvPr>
+          <p:cNvSpPr>
+            <a:spLocks noGrp="1"/>
+          </p:cNvSpPr>
+          <p:nvPr>
+            <p:ph idx="1"/>
+          </p:nvPr>
+        </p:nvSpPr>
+        <p:spPr/>
+        <p:txBody>
+          <a:bodyPr/>
+          <a:lstStyle/>
+          <a:p>
+            <a:endParaRPr lang="hu-HU"/>
+          </a:p>
+        </p:txBody>
+      </p:sp>
+    </p:spTree>
+    <p:extLst>
+      <p:ext uri="{BB962C8B-B14F-4D97-AF65-F5344CB8AC3E}">
+        <p14:creationId xmlns:p14="http://schemas.microsoft.com/office/powerpoint/2010/main" val="1225649134"/>
+      </p:ext>
+    </p:extLst>
+  </p:cSld>
+  <p:clrMapOvr>
+    <a:masterClrMapping/>
+  </p:clrMapOvr>
+</p:sld>
+</file>
+
+<file path=ppt/slides/slide8.xml><?xml version="1.0" encoding="utf-8"?>
+<p:sld xmlns:a="http://schemas.openxmlformats.org/drawingml/2006/main" xmlns:r="http://schemas.openxmlformats.org/officeDocument/2006/relationships" xmlns:p="http://schemas.openxmlformats.org/presentationml/2006/main">
+  <p:cSld>
+    <p:spTree>
+      <p:nvGrpSpPr>
+        <p:cNvPr id="1" name=""/>
+        <p:cNvGrpSpPr/>
+        <p:nvPr/>
+      </p:nvGrpSpPr>
+      <p:grpSpPr>
+        <a:xfrm>
+          <a:off x="0" y="0"/>
+          <a:ext cx="0" cy="0"/>
+          <a:chOff x="0" y="0"/>
+          <a:chExt cx="0" cy="0"/>
+        </a:xfrm>
+      </p:grpSpPr>
+      <p:sp>
+        <p:nvSpPr>
+          <p:cNvPr id="2" name="Cím 1">
+            <a:extLst>
+              <a:ext uri="{FF2B5EF4-FFF2-40B4-BE49-F238E27FC236}">
+                <a16:creationId xmlns:a16="http://schemas.microsoft.com/office/drawing/2014/main" id="{31286A30-67E1-1448-32E9-04BCCB9B7D28}"/>
+              </a:ext>
+            </a:extLst>
+          </p:cNvPr>
+          <p:cNvSpPr>
+            <a:spLocks noGrp="1"/>
+          </p:cNvSpPr>
+          <p:nvPr>
+            <p:ph type="title"/>
+          </p:nvPr>
+        </p:nvSpPr>
+        <p:spPr/>
+        <p:txBody>
+          <a:bodyPr/>
+          <a:lstStyle/>
+          <a:p>
+            <a:r>
+              <a:rPr lang="hu-HU">
+                <a:solidFill>
+                  <a:srgbClr val="000000"/>
+                </a:solidFill>
+                <a:ea typeface="+mj-lt"/>
+                <a:cs typeface="+mj-lt"/>
+              </a:rPr>
+              <a:t>Hol használják (szakmák, hol fogják</a:t>
+            </a:r>
+            <a:endParaRPr lang="hu-HU"/>
+          </a:p>
+          <a:p>
+            <a:r>
+              <a:rPr lang="hu-HU">
+                <a:solidFill>
+                  <a:srgbClr val="000000"/>
+                </a:solidFill>
+                <a:ea typeface="+mj-lt"/>
+                <a:cs typeface="+mj-lt"/>
+              </a:rPr>
+              <a:t>használni)</a:t>
+            </a:r>
+            <a:endParaRPr lang="hu-HU"/>
+          </a:p>
+          <a:p>
+            <a:endParaRPr lang="hu-HU">
+              <a:cs typeface="Calibri Light"/>
+            </a:endParaRPr>
+          </a:p>
+        </p:txBody>
+      </p:sp>
+      <p:sp>
+        <p:nvSpPr>
+          <p:cNvPr id="3" name="Tartalom helye 2">
+            <a:extLst>
+              <a:ext uri="{FF2B5EF4-FFF2-40B4-BE49-F238E27FC236}">
+                <a16:creationId xmlns:a16="http://schemas.microsoft.com/office/drawing/2014/main" id="{85C627D2-0285-7499-F573-29AB611B7ABE}"/>
+              </a:ext>
+            </a:extLst>
+          </p:cNvPr>
+          <p:cNvSpPr>
+            <a:spLocks noGrp="1"/>
+          </p:cNvSpPr>
+          <p:nvPr>
+            <p:ph idx="1"/>
+          </p:nvPr>
+        </p:nvSpPr>
+        <p:spPr/>
+        <p:txBody>
+          <a:bodyPr vert="horz" lIns="91440" tIns="45720" rIns="91440" bIns="45720" rtlCol="0" anchor="t">
+            <a:normAutofit/>
+          </a:bodyPr>
+          <a:lstStyle/>
+          <a:p>
+            <a:r>
+              <a:rPr lang="hu-HU">
+                <a:cs typeface="Calibri"/>
+              </a:rPr>
+              <a:t>Autógyártók </a:t>
+            </a:r>
+            <a:r>
+              <a:rPr lang="hu-HU" err="1">
+                <a:cs typeface="Calibri"/>
+              </a:rPr>
+              <a:t>pl</a:t>
+            </a:r>
+            <a:r>
+              <a:rPr lang="hu-HU">
+                <a:cs typeface="Calibri"/>
+              </a:rPr>
+              <a:t> Tesla: önvezetés, biztonság</a:t>
+            </a:r>
+          </a:p>
+          <a:p>
+            <a:r>
+              <a:rPr lang="hu-HU">
+                <a:cs typeface="Calibri"/>
+              </a:rPr>
+              <a:t>Egészségügy</a:t>
+            </a:r>
+          </a:p>
+          <a:p>
+            <a:r>
+              <a:rPr lang="hu-HU">
+                <a:solidFill>
+                  <a:srgbClr val="000000"/>
+                </a:solidFill>
+                <a:latin typeface="Calibri"/>
+                <a:cs typeface="Calibri"/>
+              </a:rPr>
+              <a:t>Online vásárlás és hirdetések</a:t>
+            </a:r>
+          </a:p>
+          <a:p>
+            <a:r>
+              <a:rPr lang="hu-HU">
+                <a:solidFill>
+                  <a:srgbClr val="000000"/>
+                </a:solidFill>
+                <a:latin typeface="Calibri"/>
+                <a:cs typeface="Calibri"/>
+              </a:rPr>
+              <a:t>Digitális személyi asszisztensek</a:t>
+            </a:r>
+          </a:p>
+          <a:p>
+            <a:r>
+              <a:rPr lang="hu-HU" err="1">
+                <a:solidFill>
+                  <a:srgbClr val="000000"/>
+                </a:solidFill>
+                <a:latin typeface="Calibri"/>
+                <a:cs typeface="Calibri"/>
+              </a:rPr>
+              <a:t>Kiberbiztonság</a:t>
+            </a:r>
+          </a:p>
+          <a:p>
+            <a:r>
+              <a:rPr lang="hu-HU">
+                <a:solidFill>
+                  <a:srgbClr val="000000"/>
+                </a:solidFill>
+                <a:latin typeface="Calibri"/>
+                <a:cs typeface="Calibri"/>
+              </a:rPr>
+              <a:t>Gyártók termelésének hatékonysága</a:t>
+            </a:r>
+          </a:p>
+          <a:p>
+            <a:endParaRPr lang="hu-HU">
+              <a:solidFill>
+                <a:srgbClr val="000000"/>
+              </a:solidFill>
+              <a:latin typeface="Calibri"/>
+              <a:cs typeface="Calibri"/>
+            </a:endParaRPr>
+          </a:p>
+        </p:txBody>
+      </p:sp>
+    </p:spTree>
+    <p:extLst>
+      <p:ext uri="{BB962C8B-B14F-4D97-AF65-F5344CB8AC3E}">
+        <p14:creationId xmlns:p14="http://schemas.microsoft.com/office/powerpoint/2010/main" val="1400712029"/>
+      </p:ext>
+    </p:extLst>
+  </p:cSld>
+  <p:clrMapOvr>
+    <a:masterClrMapping/>
+  </p:clrMapOvr>
+</p:sld>
+</file>
+
+<file path=ppt/slides/slide9.xml><?xml version="1.0" encoding="utf-8"?>
+<p:sld xmlns:a="http://schemas.openxmlformats.org/drawingml/2006/main" xmlns:r="http://schemas.openxmlformats.org/officeDocument/2006/relationships" xmlns:p="http://schemas.openxmlformats.org/presentationml/2006/main">
+  <p:cSld>
+    <p:spTree>
+      <p:nvGrpSpPr>
+        <p:cNvPr id="1" name=""/>
+        <p:cNvGrpSpPr/>
+        <p:nvPr/>
+      </p:nvGrpSpPr>
+      <p:grpSpPr>
+        <a:xfrm>
+          <a:off x="0" y="0"/>
+          <a:ext cx="0" cy="0"/>
+          <a:chOff x="0" y="0"/>
+          <a:chExt cx="0" cy="0"/>
+        </a:xfrm>
+      </p:grpSpPr>
+      <p:sp>
+        <p:nvSpPr>
+          <p:cNvPr id="2" name="Cím 1">
+            <a:extLst>
+              <a:ext uri="{FF2B5EF4-FFF2-40B4-BE49-F238E27FC236}">
+                <a16:creationId xmlns:a16="http://schemas.microsoft.com/office/drawing/2014/main" id="{96BDF405-26CB-9018-C319-59F7187580C8}"/>
+              </a:ext>
+            </a:extLst>
+          </p:cNvPr>
+          <p:cNvSpPr>
+            <a:spLocks noGrp="1"/>
+          </p:cNvSpPr>
+          <p:nvPr>
+            <p:ph type="title"/>
+          </p:nvPr>
+        </p:nvSpPr>
+        <p:spPr/>
+        <p:txBody>
+          <a:bodyPr>
+            <a:normAutofit/>
+          </a:bodyPr>
+          <a:lstStyle/>
+          <a:p>
+            <a:r>
+              <a:rPr lang="hu-HU">
+                <a:solidFill>
+                  <a:srgbClr val="000000"/>
+                </a:solidFill>
+                <a:ea typeface="+mj-lt"/>
+                <a:cs typeface="+mj-lt"/>
+              </a:rPr>
+              <a:t>Mesterséges intelligencia típusai (</a:t>
+            </a:r>
+            <a:r>
+              <a:rPr lang="hu-HU" err="1">
+                <a:solidFill>
+                  <a:srgbClr val="000000"/>
+                </a:solidFill>
+                <a:ea typeface="+mj-lt"/>
+                <a:cs typeface="+mj-lt"/>
+              </a:rPr>
+              <a:t>Al</a:t>
+            </a:r>
+            <a:r>
+              <a:rPr lang="hu-HU">
+                <a:solidFill>
+                  <a:srgbClr val="000000"/>
+                </a:solidFill>
+                <a:ea typeface="+mj-lt"/>
+                <a:cs typeface="+mj-lt"/>
+              </a:rPr>
+              <a:t> típusok)</a:t>
+            </a:r>
+            <a:endParaRPr lang="hu-HU"/>
+          </a:p>
+        </p:txBody>
+      </p:sp>
+      <p:sp>
+        <p:nvSpPr>
+          <p:cNvPr id="3" name="Tartalom helye 2">
+            <a:extLst>
+              <a:ext uri="{FF2B5EF4-FFF2-40B4-BE49-F238E27FC236}">
+                <a16:creationId xmlns:a16="http://schemas.microsoft.com/office/drawing/2014/main" id="{8DA17F7D-9DCF-CCC6-4866-BA1AD84BFD09}"/>
+              </a:ext>
+            </a:extLst>
+          </p:cNvPr>
+          <p:cNvSpPr>
+            <a:spLocks noGrp="1"/>
+          </p:cNvSpPr>
+          <p:nvPr>
+            <p:ph idx="1"/>
+          </p:nvPr>
+        </p:nvSpPr>
+        <p:spPr/>
+        <p:txBody>
+          <a:bodyPr vert="horz" lIns="91440" tIns="45720" rIns="91440" bIns="45720" rtlCol="0" anchor="t">
+            <a:normAutofit/>
+          </a:bodyPr>
+          <a:lstStyle/>
+          <a:p>
+            <a:r>
+              <a:rPr lang="hu-HU">
+                <a:cs typeface="Calibri"/>
+              </a:rPr>
+              <a:t>Szűk mesterséges intelligencia</a:t>
+            </a:r>
+          </a:p>
+        </p:txBody>
+      </p:sp>
+    </p:spTree>
+    <p:extLst>
+      <p:ext uri="{BB962C8B-B14F-4D97-AF65-F5344CB8AC3E}">
+        <p14:creationId xmlns:p14="http://schemas.microsoft.com/office/powerpoint/2010/main" val="3348972179"/>
       </p:ext>
     </p:extLst>
   </p:cSld>

--- a/ai ppt.pptx
+++ b/ai ppt.pptx
@@ -7,15 +7,17 @@
   <p:sldIdLst>
     <p:sldId id="256" r:id="rId2"/>
     <p:sldId id="266" r:id="rId3"/>
-    <p:sldId id="257" r:id="rId4"/>
-    <p:sldId id="258" r:id="rId5"/>
-    <p:sldId id="259" r:id="rId6"/>
-    <p:sldId id="260" r:id="rId7"/>
-    <p:sldId id="261" r:id="rId8"/>
-    <p:sldId id="265" r:id="rId9"/>
-    <p:sldId id="262" r:id="rId10"/>
-    <p:sldId id="263" r:id="rId11"/>
-    <p:sldId id="264" r:id="rId12"/>
+    <p:sldId id="268" r:id="rId4"/>
+    <p:sldId id="257" r:id="rId5"/>
+    <p:sldId id="267" r:id="rId6"/>
+    <p:sldId id="258" r:id="rId7"/>
+    <p:sldId id="259" r:id="rId8"/>
+    <p:sldId id="260" r:id="rId9"/>
+    <p:sldId id="261" r:id="rId10"/>
+    <p:sldId id="265" r:id="rId11"/>
+    <p:sldId id="262" r:id="rId12"/>
+    <p:sldId id="263" r:id="rId13"/>
+    <p:sldId id="264" r:id="rId14"/>
   </p:sldIdLst>
   <p:sldSz cx="12192000" cy="6858000"/>
   <p:notesSz cx="6858000" cy="9144000"/>
@@ -126,8 +128,11 @@
 <p1510:revInfo xmlns:a="http://schemas.openxmlformats.org/drawingml/2006/main" xmlns:r="http://schemas.openxmlformats.org/officeDocument/2006/relationships" xmlns:p1510="http://schemas.microsoft.com/office/powerpoint/2015/10/main">
   <p1510:revLst>
     <p1510:client id="{53DAA89F-D3C8-40B5-9FAE-844C4F192124}" v="99" dt="2023-11-22T10:32:52.893"/>
+    <p1510:client id="{5E21D0E7-0DF2-4ABC-8AA8-3D0BD60636EB}" v="20" dt="2023-11-29T10:24:42.332"/>
     <p1510:client id="{659EE873-011D-4983-E962-3B9FD60EDE5B}" v="372" dt="2023-11-22T10:33:05.074"/>
     <p1510:client id="{8A597F9D-6479-46ED-DB46-3817912228D7}" v="202" dt="2023-11-22T10:33:25.561"/>
+    <p1510:client id="{E89AF4CE-A411-417B-B430-98706E7D7ECF}" v="137" dt="2023-11-29T10:23:06.587"/>
+    <p1510:client id="{F6E1F345-AD96-7210-6F62-35ABF4251A59}" v="384" dt="2023-11-29T10:25:30.339"/>
   </p1510:revLst>
 </p1510:revInfo>
 </file>
@@ -261,7 +266,7 @@
           <a:p>
             <a:fld id="{F5F1901C-D33B-4565-A7E4-5DF903098DB6}" type="datetimeFigureOut">
               <a:rPr lang="hu-HU" smtClean="0"/>
-              <a:t>2023. 11. 22.</a:t>
+              <a:t>2023. 11. 29.</a:t>
             </a:fld>
             <a:endParaRPr lang="hu-HU"/>
           </a:p>
@@ -429,7 +434,7 @@
           <a:p>
             <a:fld id="{F5F1901C-D33B-4565-A7E4-5DF903098DB6}" type="datetimeFigureOut">
               <a:rPr lang="hu-HU" smtClean="0"/>
-              <a:t>2023. 11. 22.</a:t>
+              <a:t>2023. 11. 29.</a:t>
             </a:fld>
             <a:endParaRPr lang="hu-HU"/>
           </a:p>
@@ -607,7 +612,7 @@
           <a:p>
             <a:fld id="{F5F1901C-D33B-4565-A7E4-5DF903098DB6}" type="datetimeFigureOut">
               <a:rPr lang="hu-HU" smtClean="0"/>
-              <a:t>2023. 11. 22.</a:t>
+              <a:t>2023. 11. 29.</a:t>
             </a:fld>
             <a:endParaRPr lang="hu-HU"/>
           </a:p>
@@ -775,7 +780,7 @@
           <a:p>
             <a:fld id="{F5F1901C-D33B-4565-A7E4-5DF903098DB6}" type="datetimeFigureOut">
               <a:rPr lang="hu-HU" smtClean="0"/>
-              <a:t>2023. 11. 22.</a:t>
+              <a:t>2023. 11. 29.</a:t>
             </a:fld>
             <a:endParaRPr lang="hu-HU"/>
           </a:p>
@@ -1020,7 +1025,7 @@
           <a:p>
             <a:fld id="{F5F1901C-D33B-4565-A7E4-5DF903098DB6}" type="datetimeFigureOut">
               <a:rPr lang="hu-HU" smtClean="0"/>
-              <a:t>2023. 11. 22.</a:t>
+              <a:t>2023. 11. 29.</a:t>
             </a:fld>
             <a:endParaRPr lang="hu-HU"/>
           </a:p>
@@ -1249,7 +1254,7 @@
           <a:p>
             <a:fld id="{F5F1901C-D33B-4565-A7E4-5DF903098DB6}" type="datetimeFigureOut">
               <a:rPr lang="hu-HU" smtClean="0"/>
-              <a:t>2023. 11. 22.</a:t>
+              <a:t>2023. 11. 29.</a:t>
             </a:fld>
             <a:endParaRPr lang="hu-HU"/>
           </a:p>
@@ -1613,7 +1618,7 @@
           <a:p>
             <a:fld id="{F5F1901C-D33B-4565-A7E4-5DF903098DB6}" type="datetimeFigureOut">
               <a:rPr lang="hu-HU" smtClean="0"/>
-              <a:t>2023. 11. 22.</a:t>
+              <a:t>2023. 11. 29.</a:t>
             </a:fld>
             <a:endParaRPr lang="hu-HU"/>
           </a:p>
@@ -1730,7 +1735,7 @@
           <a:p>
             <a:fld id="{F5F1901C-D33B-4565-A7E4-5DF903098DB6}" type="datetimeFigureOut">
               <a:rPr lang="hu-HU" smtClean="0"/>
-              <a:t>2023. 11. 22.</a:t>
+              <a:t>2023. 11. 29.</a:t>
             </a:fld>
             <a:endParaRPr lang="hu-HU"/>
           </a:p>
@@ -1825,7 +1830,7 @@
           <a:p>
             <a:fld id="{F5F1901C-D33B-4565-A7E4-5DF903098DB6}" type="datetimeFigureOut">
               <a:rPr lang="hu-HU" smtClean="0"/>
-              <a:t>2023. 11. 22.</a:t>
+              <a:t>2023. 11. 29.</a:t>
             </a:fld>
             <a:endParaRPr lang="hu-HU"/>
           </a:p>
@@ -2100,7 +2105,7 @@
           <a:p>
             <a:fld id="{F5F1901C-D33B-4565-A7E4-5DF903098DB6}" type="datetimeFigureOut">
               <a:rPr lang="hu-HU" smtClean="0"/>
-              <a:t>2023. 11. 22.</a:t>
+              <a:t>2023. 11. 29.</a:t>
             </a:fld>
             <a:endParaRPr lang="hu-HU"/>
           </a:p>
@@ -2352,7 +2357,7 @@
           <a:p>
             <a:fld id="{F5F1901C-D33B-4565-A7E4-5DF903098DB6}" type="datetimeFigureOut">
               <a:rPr lang="hu-HU" smtClean="0"/>
-              <a:t>2023. 11. 22.</a:t>
+              <a:t>2023. 11. 29.</a:t>
             </a:fld>
             <a:endParaRPr lang="hu-HU"/>
           </a:p>
@@ -2563,7 +2568,7 @@
           <a:p>
             <a:fld id="{F5F1901C-D33B-4565-A7E4-5DF903098DB6}" type="datetimeFigureOut">
               <a:rPr lang="hu-HU" smtClean="0"/>
-              <a:t>2023. 11. 22.</a:t>
+              <a:t>2023. 11. 29.</a:t>
             </a:fld>
             <a:endParaRPr lang="hu-HU"/>
           </a:p>
@@ -3317,7 +3322,7 @@
           <p:cNvPr id="2" name="Cím 1">
             <a:extLst>
               <a:ext uri="{FF2B5EF4-FFF2-40B4-BE49-F238E27FC236}">
-                <a16:creationId xmlns:a16="http://schemas.microsoft.com/office/drawing/2014/main" id="{1065E750-C8B6-341E-D7AB-E1E8B8E31219}"/>
+                <a16:creationId xmlns:a16="http://schemas.microsoft.com/office/drawing/2014/main" id="{31286A30-67E1-1448-32E9-04BCCB9B7D28}"/>
               </a:ext>
             </a:extLst>
           </p:cNvPr>
@@ -3330,9 +3335,7 @@
         </p:nvSpPr>
         <p:spPr/>
         <p:txBody>
-          <a:bodyPr>
-            <a:normAutofit/>
-          </a:bodyPr>
+          <a:bodyPr/>
           <a:lstStyle/>
           <a:p>
             <a:r>
@@ -3343,19 +3346,27 @@
                 <a:ea typeface="+mj-lt"/>
                 <a:cs typeface="+mj-lt"/>
               </a:rPr>
-              <a:t>Jelenleg hol tart az </a:t>
-            </a:r>
-            <a:r>
-              <a:rPr lang="hu-HU" err="1">
+              <a:t>Hol használják (szakmák, hol fogják</a:t>
+            </a:r>
+            <a:endParaRPr lang="hu-HU"/>
+          </a:p>
+          <a:p>
+            <a:r>
+              <a:rPr lang="hu-HU">
                 <a:solidFill>
                   <a:srgbClr val="000000"/>
                 </a:solidFill>
                 <a:ea typeface="+mj-lt"/>
                 <a:cs typeface="+mj-lt"/>
               </a:rPr>
-              <a:t>Al</a:t>
-            </a:r>
-            <a:endParaRPr lang="hu-HU" err="1"/>
+              <a:t>használni)</a:t>
+            </a:r>
+            <a:endParaRPr lang="hu-HU"/>
+          </a:p>
+          <a:p>
+            <a:endParaRPr lang="hu-HU">
+              <a:cs typeface="Calibri Light"/>
+            </a:endParaRPr>
           </a:p>
         </p:txBody>
       </p:sp>
@@ -3364,7 +3375,7 @@
           <p:cNvPr id="3" name="Tartalom helye 2">
             <a:extLst>
               <a:ext uri="{FF2B5EF4-FFF2-40B4-BE49-F238E27FC236}">
-                <a16:creationId xmlns:a16="http://schemas.microsoft.com/office/drawing/2014/main" id="{FD517CF7-E64D-7CF3-268A-ADF530F0D869}"/>
+                <a16:creationId xmlns:a16="http://schemas.microsoft.com/office/drawing/2014/main" id="{85C627D2-0285-7499-F573-29AB611B7ABE}"/>
               </a:ext>
             </a:extLst>
           </p:cNvPr>
@@ -3383,20 +3394,102 @@
           <a:lstStyle/>
           <a:p>
             <a:r>
+              <a:rPr lang="hu-HU">
+                <a:cs typeface="Calibri"/>
+              </a:rPr>
+              <a:t>Autógyártók </a:t>
+            </a:r>
+            <a:r>
               <a:rPr lang="hu-HU" err="1">
                 <a:cs typeface="Calibri"/>
               </a:rPr>
-              <a:t>ChatGPT</a:t>
+              <a:t>pl</a:t>
             </a:r>
             <a:r>
               <a:rPr lang="hu-HU">
                 <a:cs typeface="Calibri"/>
               </a:rPr>
-              <a:t>, Kép, hang és videókészítés</a:t>
-            </a:r>
-          </a:p>
-          <a:p>
+              <a:t> Tesla: önvezetés, biztonság</a:t>
+            </a:r>
+          </a:p>
+          <a:p>
+            <a:r>
+              <a:rPr lang="hu-HU">
+                <a:cs typeface="Calibri"/>
+              </a:rPr>
+              <a:t>Egészségügy</a:t>
+            </a:r>
+          </a:p>
+          <a:p>
+            <a:r>
+              <a:rPr lang="hu-HU">
+                <a:solidFill>
+                  <a:srgbClr val="000000"/>
+                </a:solidFill>
+                <a:latin typeface="Calibri"/>
+                <a:cs typeface="Calibri"/>
+              </a:rPr>
+              <a:t>Online vásárlás és hirdetések</a:t>
+            </a:r>
+          </a:p>
+          <a:p>
+            <a:r>
+              <a:rPr lang="hu-HU">
+                <a:solidFill>
+                  <a:srgbClr val="000000"/>
+                </a:solidFill>
+                <a:latin typeface="Calibri"/>
+                <a:cs typeface="Calibri"/>
+              </a:rPr>
+              <a:t>Digitális személyi asszisztensek</a:t>
+            </a:r>
+          </a:p>
+          <a:p>
+            <a:r>
+              <a:rPr lang="hu-HU" err="1">
+                <a:solidFill>
+                  <a:srgbClr val="000000"/>
+                </a:solidFill>
+                <a:latin typeface="Calibri"/>
+                <a:cs typeface="Calibri"/>
+              </a:rPr>
+              <a:t>Kiberbiztonság</a:t>
+            </a:r>
             <a:endParaRPr lang="hu-HU">
+              <a:solidFill>
+                <a:srgbClr val="000000"/>
+              </a:solidFill>
+              <a:latin typeface="Calibri"/>
+              <a:cs typeface="Calibri"/>
+            </a:endParaRPr>
+          </a:p>
+          <a:p>
+            <a:r>
+              <a:rPr lang="hu-HU">
+                <a:solidFill>
+                  <a:srgbClr val="000000"/>
+                </a:solidFill>
+                <a:latin typeface="Calibri"/>
+                <a:cs typeface="Calibri"/>
+              </a:rPr>
+              <a:t>Gyártók termelésének hatékonysága</a:t>
+            </a:r>
+          </a:p>
+          <a:p>
+            <a:endParaRPr lang="hu-HU">
+              <a:solidFill>
+                <a:srgbClr val="000000"/>
+              </a:solidFill>
+              <a:latin typeface="Calibri"/>
+              <a:cs typeface="Calibri"/>
+            </a:endParaRPr>
+          </a:p>
+          <a:p>
+            <a:endParaRPr lang="hu-HU">
+              <a:solidFill>
+                <a:srgbClr val="000000"/>
+              </a:solidFill>
+              <a:latin typeface="Calibri"/>
               <a:cs typeface="Calibri"/>
             </a:endParaRPr>
           </a:p>
@@ -3405,7 +3498,7 @@
     </p:spTree>
     <p:extLst>
       <p:ext uri="{BB962C8B-B14F-4D97-AF65-F5344CB8AC3E}">
-        <p14:creationId xmlns:p14="http://schemas.microsoft.com/office/powerpoint/2010/main" val="1865153967"/>
+        <p14:creationId xmlns:p14="http://schemas.microsoft.com/office/powerpoint/2010/main" val="1400712029"/>
       </p:ext>
     </p:extLst>
   </p:cSld>
@@ -3437,6 +3530,314 @@
           <p:cNvPr id="2" name="Cím 1">
             <a:extLst>
               <a:ext uri="{FF2B5EF4-FFF2-40B4-BE49-F238E27FC236}">
+                <a16:creationId xmlns:a16="http://schemas.microsoft.com/office/drawing/2014/main" id="{96BDF405-26CB-9018-C319-59F7187580C8}"/>
+              </a:ext>
+            </a:extLst>
+          </p:cNvPr>
+          <p:cNvSpPr>
+            <a:spLocks noGrp="1"/>
+          </p:cNvSpPr>
+          <p:nvPr>
+            <p:ph type="title"/>
+          </p:nvPr>
+        </p:nvSpPr>
+        <p:spPr/>
+        <p:txBody>
+          <a:bodyPr>
+            <a:normAutofit/>
+          </a:bodyPr>
+          <a:lstStyle/>
+          <a:p>
+            <a:r>
+              <a:rPr lang="hu-HU">
+                <a:solidFill>
+                  <a:srgbClr val="000000"/>
+                </a:solidFill>
+                <a:ea typeface="+mj-lt"/>
+                <a:cs typeface="+mj-lt"/>
+              </a:rPr>
+              <a:t>Mesterséges intelligencia típusai (</a:t>
+            </a:r>
+            <a:r>
+              <a:rPr lang="hu-HU" err="1">
+                <a:solidFill>
+                  <a:srgbClr val="000000"/>
+                </a:solidFill>
+                <a:ea typeface="+mj-lt"/>
+                <a:cs typeface="+mj-lt"/>
+              </a:rPr>
+              <a:t>Al</a:t>
+            </a:r>
+            <a:r>
+              <a:rPr lang="hu-HU">
+                <a:solidFill>
+                  <a:srgbClr val="000000"/>
+                </a:solidFill>
+                <a:ea typeface="+mj-lt"/>
+                <a:cs typeface="+mj-lt"/>
+              </a:rPr>
+              <a:t> típusok)</a:t>
+            </a:r>
+            <a:endParaRPr lang="hu-HU"/>
+          </a:p>
+        </p:txBody>
+      </p:sp>
+      <p:sp>
+        <p:nvSpPr>
+          <p:cNvPr id="3" name="Tartalom helye 2">
+            <a:extLst>
+              <a:ext uri="{FF2B5EF4-FFF2-40B4-BE49-F238E27FC236}">
+                <a16:creationId xmlns:a16="http://schemas.microsoft.com/office/drawing/2014/main" id="{8DA17F7D-9DCF-CCC6-4866-BA1AD84BFD09}"/>
+              </a:ext>
+            </a:extLst>
+          </p:cNvPr>
+          <p:cNvSpPr>
+            <a:spLocks noGrp="1"/>
+          </p:cNvSpPr>
+          <p:nvPr>
+            <p:ph idx="1"/>
+          </p:nvPr>
+        </p:nvSpPr>
+        <p:spPr/>
+        <p:txBody>
+          <a:bodyPr vert="horz" lIns="91440" tIns="45720" rIns="91440" bIns="45720" rtlCol="0" anchor="t">
+            <a:normAutofit/>
+          </a:bodyPr>
+          <a:lstStyle/>
+          <a:p>
+            <a:r>
+              <a:rPr lang="hu-HU">
+                <a:cs typeface="Calibri"/>
+              </a:rPr>
+              <a:t>Szűk mesterséges intelligencia</a:t>
+            </a:r>
+          </a:p>
+          <a:p>
+            <a:r>
+              <a:rPr lang="hu-HU">
+                <a:cs typeface="Calibri"/>
+              </a:rPr>
+              <a:t>Széles </a:t>
+            </a:r>
+            <a:r>
+              <a:rPr lang="hu-HU" err="1">
+                <a:cs typeface="Calibri"/>
+              </a:rPr>
+              <a:t>ai</a:t>
+            </a:r>
+          </a:p>
+          <a:p>
+            <a:endParaRPr lang="hu-HU">
+              <a:cs typeface="Calibri"/>
+            </a:endParaRPr>
+          </a:p>
+        </p:txBody>
+      </p:sp>
+    </p:spTree>
+    <p:extLst>
+      <p:ext uri="{BB962C8B-B14F-4D97-AF65-F5344CB8AC3E}">
+        <p14:creationId xmlns:p14="http://schemas.microsoft.com/office/powerpoint/2010/main" val="3348972179"/>
+      </p:ext>
+    </p:extLst>
+  </p:cSld>
+  <p:clrMapOvr>
+    <a:masterClrMapping/>
+  </p:clrMapOvr>
+</p:sld>
+</file>
+
+<file path=ppt/slides/slide12.xml><?xml version="1.0" encoding="utf-8"?>
+<p:sld xmlns:a="http://schemas.openxmlformats.org/drawingml/2006/main" xmlns:r="http://schemas.openxmlformats.org/officeDocument/2006/relationships" xmlns:p="http://schemas.openxmlformats.org/presentationml/2006/main">
+  <p:cSld>
+    <p:spTree>
+      <p:nvGrpSpPr>
+        <p:cNvPr id="1" name=""/>
+        <p:cNvGrpSpPr/>
+        <p:nvPr/>
+      </p:nvGrpSpPr>
+      <p:grpSpPr>
+        <a:xfrm>
+          <a:off x="0" y="0"/>
+          <a:ext cx="0" cy="0"/>
+          <a:chOff x="0" y="0"/>
+          <a:chExt cx="0" cy="0"/>
+        </a:xfrm>
+      </p:grpSpPr>
+      <p:sp>
+        <p:nvSpPr>
+          <p:cNvPr id="2" name="Cím 1">
+            <a:extLst>
+              <a:ext uri="{FF2B5EF4-FFF2-40B4-BE49-F238E27FC236}">
+                <a16:creationId xmlns:a16="http://schemas.microsoft.com/office/drawing/2014/main" id="{1065E750-C8B6-341E-D7AB-E1E8B8E31219}"/>
+              </a:ext>
+            </a:extLst>
+          </p:cNvPr>
+          <p:cNvSpPr>
+            <a:spLocks noGrp="1"/>
+          </p:cNvSpPr>
+          <p:nvPr>
+            <p:ph type="title"/>
+          </p:nvPr>
+        </p:nvSpPr>
+        <p:spPr/>
+        <p:txBody>
+          <a:bodyPr>
+            <a:normAutofit/>
+          </a:bodyPr>
+          <a:lstStyle/>
+          <a:p>
+            <a:r>
+              <a:rPr lang="hu-HU">
+                <a:solidFill>
+                  <a:srgbClr val="000000"/>
+                </a:solidFill>
+                <a:ea typeface="+mj-lt"/>
+                <a:cs typeface="+mj-lt"/>
+              </a:rPr>
+              <a:t>Jelenleg hol tart az </a:t>
+            </a:r>
+            <a:r>
+              <a:rPr lang="hu-HU" err="1">
+                <a:solidFill>
+                  <a:srgbClr val="000000"/>
+                </a:solidFill>
+                <a:ea typeface="+mj-lt"/>
+                <a:cs typeface="+mj-lt"/>
+              </a:rPr>
+              <a:t>Al</a:t>
+            </a:r>
+            <a:endParaRPr lang="hu-HU" err="1"/>
+          </a:p>
+        </p:txBody>
+      </p:sp>
+      <p:sp>
+        <p:nvSpPr>
+          <p:cNvPr id="3" name="Tartalom helye 2">
+            <a:extLst>
+              <a:ext uri="{FF2B5EF4-FFF2-40B4-BE49-F238E27FC236}">
+                <a16:creationId xmlns:a16="http://schemas.microsoft.com/office/drawing/2014/main" id="{FD517CF7-E64D-7CF3-268A-ADF530F0D869}"/>
+              </a:ext>
+            </a:extLst>
+          </p:cNvPr>
+          <p:cNvSpPr>
+            <a:spLocks noGrp="1"/>
+          </p:cNvSpPr>
+          <p:nvPr>
+            <p:ph idx="1"/>
+          </p:nvPr>
+        </p:nvSpPr>
+        <p:spPr/>
+        <p:txBody>
+          <a:bodyPr vert="horz" lIns="91440" tIns="45720" rIns="91440" bIns="45720" rtlCol="0" anchor="t">
+            <a:normAutofit/>
+          </a:bodyPr>
+          <a:lstStyle/>
+          <a:p>
+            <a:r>
+              <a:rPr lang="hu-HU" err="1">
+                <a:cs typeface="Calibri"/>
+              </a:rPr>
+              <a:t>ChatGPT</a:t>
+            </a:r>
+            <a:r>
+              <a:rPr lang="hu-HU">
+                <a:cs typeface="Calibri"/>
+              </a:rPr>
+              <a:t>, Kép, hang és videókészítés</a:t>
+            </a:r>
+          </a:p>
+          <a:p>
+            <a:r>
+              <a:rPr lang="hu-HU">
+                <a:cs typeface="Calibri"/>
+              </a:rPr>
+              <a:t>Egyre inkább része az életünknek</a:t>
+            </a:r>
+          </a:p>
+          <a:p>
+            <a:r>
+              <a:rPr lang="hu-HU">
+                <a:cs typeface="Calibri"/>
+              </a:rPr>
+              <a:t>Gépi és mély tanulás fejlődik</a:t>
+            </a:r>
+          </a:p>
+          <a:p>
+            <a:r>
+              <a:rPr lang="hu-HU">
+                <a:cs typeface="Calibri"/>
+              </a:rPr>
+              <a:t>Egészségügyi diagnosztika</a:t>
+            </a:r>
+          </a:p>
+          <a:p>
+            <a:r>
+              <a:rPr lang="hu-HU">
+                <a:cs typeface="Calibri"/>
+              </a:rPr>
+              <a:t>Önvezető járművek(autó, robot)</a:t>
+            </a:r>
+          </a:p>
+          <a:p>
+            <a:r>
+              <a:rPr lang="hu-HU">
+                <a:cs typeface="Calibri"/>
+              </a:rPr>
+              <a:t>Keresőmotorok, tartalomszűrés</a:t>
+            </a:r>
+          </a:p>
+          <a:p>
+            <a:endParaRPr lang="hu-HU">
+              <a:cs typeface="Calibri"/>
+            </a:endParaRPr>
+          </a:p>
+          <a:p>
+            <a:endParaRPr lang="hu-HU">
+              <a:cs typeface="Calibri"/>
+            </a:endParaRPr>
+          </a:p>
+          <a:p>
+            <a:endParaRPr lang="hu-HU">
+              <a:cs typeface="Calibri"/>
+            </a:endParaRPr>
+          </a:p>
+        </p:txBody>
+      </p:sp>
+    </p:spTree>
+    <p:extLst>
+      <p:ext uri="{BB962C8B-B14F-4D97-AF65-F5344CB8AC3E}">
+        <p14:creationId xmlns:p14="http://schemas.microsoft.com/office/powerpoint/2010/main" val="1865153967"/>
+      </p:ext>
+    </p:extLst>
+  </p:cSld>
+  <p:clrMapOvr>
+    <a:masterClrMapping/>
+  </p:clrMapOvr>
+</p:sld>
+</file>
+
+<file path=ppt/slides/slide13.xml><?xml version="1.0" encoding="utf-8"?>
+<p:sld xmlns:a="http://schemas.openxmlformats.org/drawingml/2006/main" xmlns:r="http://schemas.openxmlformats.org/officeDocument/2006/relationships" xmlns:p="http://schemas.openxmlformats.org/presentationml/2006/main">
+  <p:cSld>
+    <p:spTree>
+      <p:nvGrpSpPr>
+        <p:cNvPr id="1" name=""/>
+        <p:cNvGrpSpPr/>
+        <p:nvPr/>
+      </p:nvGrpSpPr>
+      <p:grpSpPr>
+        <a:xfrm>
+          <a:off x="0" y="0"/>
+          <a:ext cx="0" cy="0"/>
+          <a:chOff x="0" y="0"/>
+          <a:chExt cx="0" cy="0"/>
+        </a:xfrm>
+      </p:grpSpPr>
+      <p:sp>
+        <p:nvSpPr>
+          <p:cNvPr id="2" name="Cím 1">
+            <a:extLst>
+              <a:ext uri="{FF2B5EF4-FFF2-40B4-BE49-F238E27FC236}">
                 <a16:creationId xmlns:a16="http://schemas.microsoft.com/office/drawing/2014/main" id="{CC9FE3BF-5D5E-FD78-CF87-1C8635933142}"/>
               </a:ext>
             </a:extLst>
@@ -3562,6 +3963,14 @@
 <file path=ppt/slides/slide2.xml><?xml version="1.0" encoding="utf-8"?>
 <p:sld xmlns:a="http://schemas.openxmlformats.org/drawingml/2006/main" xmlns:r="http://schemas.openxmlformats.org/officeDocument/2006/relationships" xmlns:p="http://schemas.openxmlformats.org/presentationml/2006/main">
   <p:cSld>
+    <p:bg>
+      <p:bgPr>
+        <a:solidFill>
+          <a:schemeClr val="bg1"/>
+        </a:solidFill>
+        <a:effectLst/>
+      </p:bgPr>
+    </p:bg>
     <p:spTree>
       <p:nvGrpSpPr>
         <p:cNvPr id="1" name=""/>
@@ -3576,6 +3985,162 @@
           <a:chExt cx="0" cy="0"/>
         </a:xfrm>
       </p:grpSpPr>
+      <p:sp useBgFill="1">
+        <p:nvSpPr>
+          <p:cNvPr id="9" name="Slide Background">
+            <a:extLst>
+              <a:ext uri="{FF2B5EF4-FFF2-40B4-BE49-F238E27FC236}">
+                <a16:creationId xmlns:a16="http://schemas.microsoft.com/office/drawing/2014/main" id="{3ECBE1F1-D69B-4AFA-ABD5-8E41720EF6DE}"/>
+              </a:ext>
+              <a:ext uri="{C183D7F6-B498-43B3-948B-1728B52AA6E4}">
+                <adec:decorative xmlns:adec="http://schemas.microsoft.com/office/drawing/2017/decorative" val="1"/>
+              </a:ext>
+            </a:extLst>
+          </p:cNvPr>
+          <p:cNvSpPr>
+            <a:spLocks noGrp="1" noRot="1" noChangeAspect="1" noMove="1" noResize="1" noEditPoints="1" noAdjustHandles="1" noChangeArrowheads="1" noChangeShapeType="1" noTextEdit="1"/>
+          </p:cNvSpPr>
+          <p:nvPr>
+            <p:extLst>
+              <p:ext uri="{386F3935-93C4-4BCD-93E2-E3B085C9AB24}">
+                <p16:designElem xmlns:p16="http://schemas.microsoft.com/office/powerpoint/2015/main" val="1"/>
+              </p:ext>
+            </p:extLst>
+          </p:nvPr>
+        </p:nvSpPr>
+        <p:spPr>
+          <a:xfrm>
+            <a:off x="0" y="0"/>
+            <a:ext cx="12192000" cy="6858000"/>
+          </a:xfrm>
+          <a:prstGeom prst="rect">
+            <a:avLst/>
+          </a:prstGeom>
+          <a:ln>
+            <a:noFill/>
+          </a:ln>
+        </p:spPr>
+        <p:style>
+          <a:lnRef idx="2">
+            <a:schemeClr val="accent1">
+              <a:shade val="50000"/>
+            </a:schemeClr>
+          </a:lnRef>
+          <a:fillRef idx="1">
+            <a:schemeClr val="accent1"/>
+          </a:fillRef>
+          <a:effectRef idx="0">
+            <a:schemeClr val="accent1"/>
+          </a:effectRef>
+          <a:fontRef idx="minor">
+            <a:schemeClr val="lt1"/>
+          </a:fontRef>
+        </p:style>
+        <p:txBody>
+          <a:bodyPr rtlCol="0" anchor="ctr"/>
+          <a:lstStyle/>
+          <a:p>
+            <a:pPr algn="ctr"/>
+            <a:endParaRPr lang="en-US"/>
+          </a:p>
+        </p:txBody>
+      </p:sp>
+      <p:pic>
+        <p:nvPicPr>
+          <p:cNvPr id="5" name="Picture 4" descr="Hegyi úton lefelé száguldó autó alkonyatkor">
+            <a:extLst>
+              <a:ext uri="{FF2B5EF4-FFF2-40B4-BE49-F238E27FC236}">
+                <a16:creationId xmlns:a16="http://schemas.microsoft.com/office/drawing/2014/main" id="{63F6B9E3-58F0-6EF9-6DF8-D305CCD323C9}"/>
+              </a:ext>
+            </a:extLst>
+          </p:cNvPr>
+          <p:cNvPicPr>
+            <a:picLocks noChangeAspect="1"/>
+          </p:cNvPicPr>
+          <p:nvPr/>
+        </p:nvPicPr>
+        <p:blipFill rotWithShape="1">
+          <a:blip r:embed="rId2"/>
+          <a:srcRect l="10665" r="36680" b="3"/>
+          <a:stretch/>
+        </p:blipFill>
+        <p:spPr>
+          <a:xfrm>
+            <a:off x="-1" y="-2"/>
+            <a:ext cx="5410198" cy="6858002"/>
+          </a:xfrm>
+          <a:prstGeom prst="rect">
+            <a:avLst/>
+          </a:prstGeom>
+        </p:spPr>
+      </p:pic>
+      <p:sp useBgFill="1">
+        <p:nvSpPr>
+          <p:cNvPr id="11" name="Rectangle 10">
+            <a:extLst>
+              <a:ext uri="{FF2B5EF4-FFF2-40B4-BE49-F238E27FC236}">
+                <a16:creationId xmlns:a16="http://schemas.microsoft.com/office/drawing/2014/main" id="{603A6265-E10C-4B85-9C20-E75FCAF9CC63}"/>
+              </a:ext>
+              <a:ext uri="{C183D7F6-B498-43B3-948B-1728B52AA6E4}">
+                <adec:decorative xmlns:adec="http://schemas.microsoft.com/office/drawing/2017/decorative" val="1"/>
+              </a:ext>
+            </a:extLst>
+          </p:cNvPr>
+          <p:cNvSpPr>
+            <a:spLocks noGrp="1" noRot="1" noChangeAspect="1" noMove="1" noResize="1" noEditPoints="1" noAdjustHandles="1" noChangeArrowheads="1" noChangeShapeType="1" noTextEdit="1"/>
+          </p:cNvSpPr>
+          <p:nvPr>
+            <p:extLst>
+              <p:ext uri="{386F3935-93C4-4BCD-93E2-E3B085C9AB24}">
+                <p16:designElem xmlns:p16="http://schemas.microsoft.com/office/powerpoint/2015/main" val="1"/>
+              </p:ext>
+            </p:extLst>
+          </p:nvPr>
+        </p:nvSpPr>
+        <p:spPr>
+          <a:xfrm>
+            <a:off x="5410197" y="-1"/>
+            <a:ext cx="6781802" cy="2286000"/>
+          </a:xfrm>
+          <a:prstGeom prst="rect">
+            <a:avLst/>
+          </a:prstGeom>
+          <a:ln>
+            <a:noFill/>
+          </a:ln>
+          <a:effectLst>
+            <a:outerShdw blurRad="355600" dist="152400" sx="95000" sy="95000" algn="t" rotWithShape="0">
+              <a:srgbClr val="000000">
+                <a:alpha val="29000"/>
+              </a:srgbClr>
+            </a:outerShdw>
+          </a:effectLst>
+        </p:spPr>
+        <p:style>
+          <a:lnRef idx="2">
+            <a:schemeClr val="accent1">
+              <a:shade val="50000"/>
+            </a:schemeClr>
+          </a:lnRef>
+          <a:fillRef idx="1">
+            <a:schemeClr val="accent1"/>
+          </a:fillRef>
+          <a:effectRef idx="0">
+            <a:schemeClr val="accent1"/>
+          </a:effectRef>
+          <a:fontRef idx="minor">
+            <a:schemeClr val="lt1"/>
+          </a:fontRef>
+        </p:style>
+        <p:txBody>
+          <a:bodyPr rtlCol="0" anchor="ctr"/>
+          <a:lstStyle/>
+          <a:p>
+            <a:pPr algn="ctr"/>
+            <a:endParaRPr lang="en-US"/>
+          </a:p>
+        </p:txBody>
+      </p:sp>
       <p:sp>
         <p:nvSpPr>
           <p:cNvPr id="2" name="Cím 1">
@@ -3592,19 +4157,26 @@
             <p:ph type="title"/>
           </p:nvPr>
         </p:nvSpPr>
-        <p:spPr/>
-        <p:txBody>
-          <a:bodyPr/>
-          <a:lstStyle/>
-          <a:p>
-            <a:r>
-              <a:rPr lang="hu-HU" dirty="0">
+        <p:spPr>
+          <a:xfrm>
+            <a:off x="6115317" y="405685"/>
+            <a:ext cx="5464968" cy="1559301"/>
+          </a:xfrm>
+        </p:spPr>
+        <p:txBody>
+          <a:bodyPr>
+            <a:normAutofit/>
+          </a:bodyPr>
+          <a:lstStyle/>
+          <a:p>
+            <a:r>
+              <a:rPr lang="hu-HU" sz="4000">
                 <a:ea typeface="Calibri Light"/>
                 <a:cs typeface="Calibri Light"/>
               </a:rPr>
               <a:t>Fogalma</a:t>
             </a:r>
-            <a:endParaRPr lang="hu-HU" dirty="0"/>
+            <a:endParaRPr lang="hu-HU" sz="4000"/>
           </a:p>
         </p:txBody>
       </p:sp>
@@ -3624,58 +4196,63 @@
             <p:ph idx="1"/>
           </p:nvPr>
         </p:nvSpPr>
-        <p:spPr/>
-        <p:txBody>
-          <a:bodyPr vert="horz" lIns="91440" tIns="45720" rIns="91440" bIns="45720" rtlCol="0" anchor="t">
-            <a:normAutofit lnSpcReduction="10000"/>
+        <p:spPr>
+          <a:xfrm>
+            <a:off x="6115317" y="2743200"/>
+            <a:ext cx="5247340" cy="3496878"/>
+          </a:xfrm>
+        </p:spPr>
+        <p:txBody>
+          <a:bodyPr vert="horz" lIns="91440" tIns="45720" rIns="91440" bIns="45720" rtlCol="0" anchor="ctr">
+            <a:normAutofit/>
           </a:bodyPr>
           <a:lstStyle/>
           <a:p>
             <a:r>
-              <a:rPr lang="hu-HU" dirty="0"/>
+              <a:rPr lang="hu-HU" sz="1700"/>
               <a:t>A mesterséges intelligencia (MI) a gépek emberhez hasonló képességeit jelenti</a:t>
             </a:r>
           </a:p>
           <a:p>
             <a:r>
-              <a:rPr lang="hu-HU" dirty="0"/>
+              <a:rPr lang="hu-HU" sz="1700"/>
               <a:t>A technika számára lett kitalálva.</a:t>
             </a:r>
           </a:p>
           <a:p>
             <a:r>
-              <a:rPr lang="hu-HU" dirty="0"/>
+              <a:rPr lang="hu-HU" sz="1700"/>
               <a:t>Érzékeli környezetét</a:t>
             </a:r>
           </a:p>
           <a:p>
             <a:r>
-              <a:rPr lang="hu-HU" dirty="0"/>
+              <a:rPr lang="hu-HU" sz="1700"/>
               <a:t>Problémákat old meg, a konkrét cél elérése iránt</a:t>
             </a:r>
           </a:p>
           <a:p>
             <a:r>
-              <a:rPr lang="hu-HU" dirty="0"/>
+              <a:rPr lang="hu-HU" sz="1700"/>
               <a:t> A számítógép nemcsak adatokat fogad hanem fel is dolgozza azokat és reagál rájuk.</a:t>
             </a:r>
-            <a:endParaRPr lang="hu-HU">
+            <a:endParaRPr lang="hu-HU" sz="1700">
               <a:ea typeface="Calibri"/>
               <a:cs typeface="Calibri"/>
             </a:endParaRPr>
           </a:p>
           <a:p>
             <a:r>
-              <a:rPr lang="hu-HU" dirty="0"/>
+              <a:rPr lang="hu-HU" sz="1700"/>
               <a:t>Ezek a rendszerek képesek viselkedésük bizonyos fokú módosítására is, a korábbi lépéseik hatásainak elemzésével és önálló munkával.</a:t>
             </a:r>
             <a:br>
-              <a:rPr lang="hu-HU" dirty="0"/>
+              <a:rPr lang="hu-HU" sz="1700"/>
             </a:br>
-            <a:endParaRPr lang="hu-HU"/>
-          </a:p>
-          <a:p>
-            <a:endParaRPr lang="hu-HU" dirty="0">
+            <a:endParaRPr lang="hu-HU" sz="1700"/>
+          </a:p>
+          <a:p>
+            <a:endParaRPr lang="hu-HU" sz="1700">
               <a:ea typeface="Calibri"/>
               <a:cs typeface="Calibri"/>
             </a:endParaRPr>
@@ -3698,6 +4275,14 @@
 <file path=ppt/slides/slide3.xml><?xml version="1.0" encoding="utf-8"?>
 <p:sld xmlns:a="http://schemas.openxmlformats.org/drawingml/2006/main" xmlns:r="http://schemas.openxmlformats.org/officeDocument/2006/relationships" xmlns:p="http://schemas.openxmlformats.org/presentationml/2006/main">
   <p:cSld>
+    <p:bg>
+      <p:bgPr>
+        <a:solidFill>
+          <a:schemeClr val="bg1"/>
+        </a:solidFill>
+        <a:effectLst/>
+      </p:bgPr>
+    </p:bg>
     <p:spTree>
       <p:nvGrpSpPr>
         <p:cNvPr id="1" name=""/>
@@ -3712,12 +4297,139 @@
           <a:chExt cx="0" cy="0"/>
         </a:xfrm>
       </p:grpSpPr>
+      <p:sp useBgFill="1">
+        <p:nvSpPr>
+          <p:cNvPr id="9" name="Slide Background">
+            <a:extLst>
+              <a:ext uri="{FF2B5EF4-FFF2-40B4-BE49-F238E27FC236}">
+                <a16:creationId xmlns:a16="http://schemas.microsoft.com/office/drawing/2014/main" id="{B210AC1D-4063-4C6E-9528-FA9C4C0C18E6}"/>
+              </a:ext>
+              <a:ext uri="{C183D7F6-B498-43B3-948B-1728B52AA6E4}">
+                <adec:decorative xmlns:adec="http://schemas.microsoft.com/office/drawing/2017/decorative" val="1"/>
+              </a:ext>
+            </a:extLst>
+          </p:cNvPr>
+          <p:cNvSpPr>
+            <a:spLocks noGrp="1" noRot="1" noChangeAspect="1" noMove="1" noResize="1" noEditPoints="1" noAdjustHandles="1" noChangeArrowheads="1" noChangeShapeType="1" noTextEdit="1"/>
+          </p:cNvSpPr>
+          <p:nvPr>
+            <p:extLst>
+              <p:ext uri="{386F3935-93C4-4BCD-93E2-E3B085C9AB24}">
+                <p16:designElem xmlns:p16="http://schemas.microsoft.com/office/powerpoint/2015/main" val="1"/>
+              </p:ext>
+            </p:extLst>
+          </p:nvPr>
+        </p:nvSpPr>
+        <p:spPr>
+          <a:xfrm>
+            <a:off x="0" y="0"/>
+            <a:ext cx="12192000" cy="6858000"/>
+          </a:xfrm>
+          <a:prstGeom prst="rect">
+            <a:avLst/>
+          </a:prstGeom>
+          <a:ln>
+            <a:noFill/>
+          </a:ln>
+        </p:spPr>
+        <p:style>
+          <a:lnRef idx="2">
+            <a:schemeClr val="accent1">
+              <a:shade val="50000"/>
+            </a:schemeClr>
+          </a:lnRef>
+          <a:fillRef idx="1">
+            <a:schemeClr val="accent1"/>
+          </a:fillRef>
+          <a:effectRef idx="0">
+            <a:schemeClr val="accent1"/>
+          </a:effectRef>
+          <a:fontRef idx="minor">
+            <a:schemeClr val="lt1"/>
+          </a:fontRef>
+        </p:style>
+        <p:txBody>
+          <a:bodyPr rtlCol="0" anchor="ctr"/>
+          <a:lstStyle/>
+          <a:p>
+            <a:pPr algn="ctr"/>
+            <a:endParaRPr lang="en-US"/>
+          </a:p>
+        </p:txBody>
+      </p:sp>
+      <p:sp useBgFill="1">
+        <p:nvSpPr>
+          <p:cNvPr id="11" name="Rectangle 10">
+            <a:extLst>
+              <a:ext uri="{FF2B5EF4-FFF2-40B4-BE49-F238E27FC236}">
+                <a16:creationId xmlns:a16="http://schemas.microsoft.com/office/drawing/2014/main" id="{02F8C595-E68C-4306-AED8-DC7826A0A506}"/>
+              </a:ext>
+              <a:ext uri="{C183D7F6-B498-43B3-948B-1728B52AA6E4}">
+                <adec:decorative xmlns:adec="http://schemas.microsoft.com/office/drawing/2017/decorative" val="1"/>
+              </a:ext>
+            </a:extLst>
+          </p:cNvPr>
+          <p:cNvSpPr>
+            <a:spLocks noGrp="1" noRot="1" noChangeAspect="1" noMove="1" noResize="1" noEditPoints="1" noAdjustHandles="1" noChangeArrowheads="1" noChangeShapeType="1" noTextEdit="1"/>
+          </p:cNvSpPr>
+          <p:nvPr>
+            <p:extLst>
+              <p:ext uri="{386F3935-93C4-4BCD-93E2-E3B085C9AB24}">
+                <p16:designElem xmlns:p16="http://schemas.microsoft.com/office/powerpoint/2015/main" val="1"/>
+              </p:ext>
+            </p:extLst>
+          </p:nvPr>
+        </p:nvSpPr>
+        <p:spPr>
+          <a:xfrm>
+            <a:off x="0" y="0"/>
+            <a:ext cx="11416414" cy="6858000"/>
+          </a:xfrm>
+          <a:prstGeom prst="rect">
+            <a:avLst/>
+          </a:prstGeom>
+          <a:ln>
+            <a:noFill/>
+          </a:ln>
+          <a:effectLst>
+            <a:outerShdw blurRad="889000" dist="406400" dir="21540000" sx="90000" sy="90000" algn="t" rotWithShape="0">
+              <a:srgbClr val="000000">
+                <a:alpha val="20000"/>
+              </a:srgbClr>
+            </a:outerShdw>
+          </a:effectLst>
+        </p:spPr>
+        <p:style>
+          <a:lnRef idx="2">
+            <a:schemeClr val="accent1">
+              <a:shade val="50000"/>
+            </a:schemeClr>
+          </a:lnRef>
+          <a:fillRef idx="1">
+            <a:schemeClr val="accent1"/>
+          </a:fillRef>
+          <a:effectRef idx="0">
+            <a:schemeClr val="accent1"/>
+          </a:effectRef>
+          <a:fontRef idx="minor">
+            <a:schemeClr val="lt1"/>
+          </a:fontRef>
+        </p:style>
+        <p:txBody>
+          <a:bodyPr rtlCol="0" anchor="ctr"/>
+          <a:lstStyle/>
+          <a:p>
+            <a:pPr algn="ctr"/>
+            <a:endParaRPr lang="en-US"/>
+          </a:p>
+        </p:txBody>
+      </p:sp>
       <p:sp>
         <p:nvSpPr>
           <p:cNvPr id="2" name="Cím 1">
             <a:extLst>
               <a:ext uri="{FF2B5EF4-FFF2-40B4-BE49-F238E27FC236}">
-                <a16:creationId xmlns:a16="http://schemas.microsoft.com/office/drawing/2014/main" id="{1CAC03B8-E4A7-44B2-12F7-C65533739920}"/>
+                <a16:creationId xmlns:a16="http://schemas.microsoft.com/office/drawing/2014/main" id="{BD8D2656-4AF1-4CE2-9F4F-1FD763DA7C5E}"/>
               </a:ext>
             </a:extLst>
           </p:cNvPr>
@@ -3728,27 +4440,63 @@
             <p:ph type="title"/>
           </p:nvPr>
         </p:nvSpPr>
-        <p:spPr/>
-        <p:txBody>
-          <a:bodyPr/>
-          <a:lstStyle/>
-          <a:p>
-            <a:r>
-              <a:rPr lang="hu-HU">
+        <p:spPr>
+          <a:xfrm>
+            <a:off x="6803409" y="762001"/>
+            <a:ext cx="4156512" cy="1708244"/>
+          </a:xfrm>
+        </p:spPr>
+        <p:txBody>
+          <a:bodyPr anchor="ctr">
+            <a:normAutofit/>
+          </a:bodyPr>
+          <a:lstStyle/>
+          <a:p>
+            <a:r>
+              <a:rPr lang="hu-HU" sz="4000">
+                <a:ea typeface="Calibri Light"/>
                 <a:cs typeface="Calibri Light"/>
               </a:rPr>
               <a:t>Története</a:t>
             </a:r>
-            <a:endParaRPr lang="hu-HU"/>
-          </a:p>
-        </p:txBody>
-      </p:sp>
+          </a:p>
+        </p:txBody>
+      </p:sp>
+      <p:pic>
+        <p:nvPicPr>
+          <p:cNvPr id="5" name="Picture 4" descr="Rakétakilövés">
+            <a:extLst>
+              <a:ext uri="{FF2B5EF4-FFF2-40B4-BE49-F238E27FC236}">
+                <a16:creationId xmlns:a16="http://schemas.microsoft.com/office/drawing/2014/main" id="{1AF93346-19A6-F376-8D13-3DAEDF0278D4}"/>
+              </a:ext>
+            </a:extLst>
+          </p:cNvPr>
+          <p:cNvPicPr>
+            <a:picLocks noChangeAspect="1"/>
+          </p:cNvPicPr>
+          <p:nvPr/>
+        </p:nvPicPr>
+        <p:blipFill rotWithShape="1">
+          <a:blip r:embed="rId2"/>
+          <a:srcRect l="34703" r="6050" b="-4"/>
+          <a:stretch/>
+        </p:blipFill>
+        <p:spPr>
+          <a:xfrm>
+            <a:off x="-1" y="-2"/>
+            <a:ext cx="6096001" cy="6858002"/>
+          </a:xfrm>
+          <a:prstGeom prst="rect">
+            <a:avLst/>
+          </a:prstGeom>
+        </p:spPr>
+      </p:pic>
       <p:sp>
         <p:nvSpPr>
           <p:cNvPr id="3" name="Tartalom helye 2">
             <a:extLst>
               <a:ext uri="{FF2B5EF4-FFF2-40B4-BE49-F238E27FC236}">
-                <a16:creationId xmlns:a16="http://schemas.microsoft.com/office/drawing/2014/main" id="{6C78B42B-0980-C969-8F60-7CB6E48D8043}"/>
+                <a16:creationId xmlns:a16="http://schemas.microsoft.com/office/drawing/2014/main" id="{F2438D0F-EB67-4AD3-0C22-FC60725B0243}"/>
               </a:ext>
             </a:extLst>
           </p:cNvPr>
@@ -3759,50 +4507,90 @@
             <p:ph idx="1"/>
           </p:nvPr>
         </p:nvSpPr>
-        <p:spPr/>
-        <p:txBody>
-          <a:bodyPr vert="horz" lIns="91440" tIns="45720" rIns="91440" bIns="45720" rtlCol="0" anchor="t">
+        <p:spPr>
+          <a:xfrm>
+            <a:off x="6803409" y="2470245"/>
+            <a:ext cx="4156512" cy="3769835"/>
+          </a:xfrm>
+        </p:spPr>
+        <p:txBody>
+          <a:bodyPr vert="horz" lIns="91440" tIns="45720" rIns="91440" bIns="45720" rtlCol="0" anchor="ctr">
             <a:normAutofit/>
           </a:bodyPr>
           <a:lstStyle/>
           <a:p>
             <a:r>
-              <a:rPr lang="hu-HU" dirty="0">
-                <a:ea typeface="Calibri"/>
-                <a:cs typeface="Calibri"/>
-              </a:rPr>
-              <a:t>2022 November 30.-án a </a:t>
-            </a:r>
-            <a:r>
-              <a:rPr lang="hu-HU" dirty="0" err="1">
-                <a:ea typeface="Calibri"/>
-                <a:cs typeface="Calibri"/>
-              </a:rPr>
-              <a:t>ChatGPT</a:t>
-            </a:r>
-            <a:r>
-              <a:rPr lang="hu-HU" dirty="0">
-                <a:ea typeface="Calibri"/>
-                <a:cs typeface="Calibri"/>
-              </a:rPr>
-              <a:t>-vel felkapott lesz</a:t>
-            </a:r>
-          </a:p>
-          <a:p>
-            <a:r>
-              <a:rPr lang="hu-HU" dirty="0">
-                <a:ea typeface="Calibri"/>
-                <a:cs typeface="Calibri"/>
-              </a:rPr>
-              <a:t>Folyamatos fejlesztés</a:t>
-            </a:r>
+              <a:rPr lang="hu-HU" sz="1400">
+                <a:latin typeface="Calibri"/>
+                <a:ea typeface="+mn-lt"/>
+                <a:cs typeface="+mn-lt"/>
+              </a:rPr>
+              <a:t>Chat alapú szolgáltatással kezdődött a szoftveres része</a:t>
+            </a:r>
+          </a:p>
+          <a:p>
+            <a:r>
+              <a:rPr lang="hu-HU" sz="1400">
+                <a:latin typeface="Calibri"/>
+                <a:ea typeface="+mn-lt"/>
+                <a:cs typeface="+mn-lt"/>
+              </a:rPr>
+              <a:t>A 2010 körül chatbot programozás -----)előre megadott kérdéseket és válaszokat vigyünk fel, és így az ügyfelek, érdeklődők, azonnali válaszokat kaphattak a leggyakrabban ismételt kérdéseikre (automatikus, nem kellett ottlennie a fejlesztőnek.</a:t>
+            </a:r>
+          </a:p>
+          <a:p>
+            <a:r>
+              <a:rPr lang="hu-HU" sz="1400">
+                <a:latin typeface="Calibri"/>
+                <a:ea typeface="+mn-lt"/>
+                <a:cs typeface="+mn-lt"/>
+              </a:rPr>
+              <a:t> Általában webshop vagy egy szolgáltatás kapcsán a garanciával kapcsolatos válaszok, vagy egy fizikai bolt esetében a nyitvatartással kapcsolatos információknál jellemző.</a:t>
+            </a:r>
+            <a:endParaRPr lang="hu-HU" sz="1400">
+              <a:latin typeface="Calibri"/>
+              <a:ea typeface="Calibri"/>
+              <a:cs typeface="Calibri"/>
+            </a:endParaRPr>
+          </a:p>
+          <a:p>
+            <a:r>
+              <a:rPr lang="hu-HU" sz="1400">
+                <a:latin typeface="Calibri"/>
+                <a:ea typeface="+mn-lt"/>
+                <a:cs typeface="+mn-lt"/>
+              </a:rPr>
+              <a:t>Régóta használják  üzleti és gazdasági területen</a:t>
+            </a:r>
+          </a:p>
+          <a:p>
+            <a:r>
+              <a:rPr lang="hu-HU" sz="1400">
+                <a:latin typeface="Calibri"/>
+                <a:ea typeface="+mn-lt"/>
+                <a:cs typeface="+mn-lt"/>
+              </a:rPr>
+              <a:t> Algoritmusok kezd létrehozni ami a  felhasználó számára érdekes lehet</a:t>
+            </a:r>
+            <a:r>
+              <a:rPr lang="hu-HU" sz="1400" b="1">
+                <a:latin typeface="Calibri"/>
+                <a:ea typeface="+mn-lt"/>
+                <a:cs typeface="+mn-lt"/>
+              </a:rPr>
+              <a:t> </a:t>
+            </a:r>
+            <a:endParaRPr lang="hu-HU" sz="1400">
+              <a:ea typeface="Calibri"/>
+              <a:cs typeface="Calibri"/>
+            </a:endParaRPr>
           </a:p>
         </p:txBody>
       </p:sp>
     </p:spTree>
     <p:extLst>
       <p:ext uri="{BB962C8B-B14F-4D97-AF65-F5344CB8AC3E}">
-        <p14:creationId xmlns:p14="http://schemas.microsoft.com/office/powerpoint/2010/main" val="3652836151"/>
+        <p14:creationId xmlns:p14="http://schemas.microsoft.com/office/powerpoint/2010/main" val="1626790911"/>
       </p:ext>
     </p:extLst>
   </p:cSld>
@@ -3834,7 +4622,7 @@
           <p:cNvPr id="2" name="Cím 1">
             <a:extLst>
               <a:ext uri="{FF2B5EF4-FFF2-40B4-BE49-F238E27FC236}">
-                <a16:creationId xmlns:a16="http://schemas.microsoft.com/office/drawing/2014/main" id="{DD73444F-A8A4-3699-4E09-08FC1902BADE}"/>
+                <a16:creationId xmlns:a16="http://schemas.microsoft.com/office/drawing/2014/main" id="{1CAC03B8-E4A7-44B2-12F7-C65533739920}"/>
               </a:ext>
             </a:extLst>
           </p:cNvPr>
@@ -3847,20 +4635,14 @@
         </p:nvSpPr>
         <p:spPr/>
         <p:txBody>
-          <a:bodyPr>
-            <a:normAutofit/>
-          </a:bodyPr>
+          <a:bodyPr/>
           <a:lstStyle/>
           <a:p>
             <a:r>
               <a:rPr lang="hu-HU">
-                <a:solidFill>
-                  <a:srgbClr val="000000"/>
-                </a:solidFill>
-                <a:ea typeface="+mj-lt"/>
-                <a:cs typeface="+mj-lt"/>
-              </a:rPr>
-              <a:t>Ágens fogalma, típusai</a:t>
+                <a:cs typeface="Calibri Light"/>
+              </a:rPr>
+              <a:t>Története</a:t>
             </a:r>
             <a:endParaRPr lang="hu-HU"/>
           </a:p>
@@ -3871,7 +4653,7 @@
           <p:cNvPr id="3" name="Tartalom helye 2">
             <a:extLst>
               <a:ext uri="{FF2B5EF4-FFF2-40B4-BE49-F238E27FC236}">
-                <a16:creationId xmlns:a16="http://schemas.microsoft.com/office/drawing/2014/main" id="{46150786-53F3-A23A-39F7-89535F05C2E0}"/>
+                <a16:creationId xmlns:a16="http://schemas.microsoft.com/office/drawing/2014/main" id="{6C78B42B-0980-C969-8F60-7CB6E48D8043}"/>
               </a:ext>
             </a:extLst>
           </p:cNvPr>
@@ -3889,51 +4671,55 @@
           </a:bodyPr>
           <a:lstStyle/>
           <a:p>
-            <a:r>
-              <a:rPr lang="hu-HU">
+            <a:pPr marL="0" indent="0">
+              <a:buNone/>
+            </a:pPr>
+            <a:r>
+              <a:rPr lang="hu-HU" dirty="0">
+                <a:ea typeface="Calibri"/>
                 <a:cs typeface="Calibri"/>
               </a:rPr>
-              <a:t>Fogalma</a:t>
-            </a:r>
-          </a:p>
-          <a:p>
-            <a:endParaRPr lang="hu-HU">
-              <a:cs typeface="Calibri"/>
-            </a:endParaRPr>
-          </a:p>
-          <a:p>
-            <a:r>
-              <a:rPr lang="hu-HU">
+              <a:t>A chatbotokat felváltja a </a:t>
+            </a:r>
+            <a:r>
+              <a:rPr lang="hu-HU" dirty="0" err="1">
+                <a:ea typeface="Calibri"/>
                 <a:cs typeface="Calibri"/>
               </a:rPr>
-              <a:t>Típusai:</a:t>
-            </a:r>
-          </a:p>
-          <a:p>
-            <a:pPr lvl="1"/>
-            <a:r>
-              <a:rPr lang="hu-HU">
+              <a:t>ChatGPT</a:t>
+            </a:r>
+          </a:p>
+          <a:p>
+            <a:r>
+              <a:rPr lang="hu-HU" dirty="0">
+                <a:ea typeface="Calibri"/>
                 <a:cs typeface="Calibri"/>
               </a:rPr>
-              <a:t>Autonóm</a:t>
-            </a:r>
-          </a:p>
-          <a:p>
-            <a:pPr lvl="1"/>
-            <a:r>
-              <a:rPr lang="hu-HU">
+              <a:t>2022 November 30.-án a </a:t>
+            </a:r>
+            <a:r>
+              <a:rPr lang="hu-HU" dirty="0" err="1">
+                <a:ea typeface="Calibri"/>
                 <a:cs typeface="Calibri"/>
               </a:rPr>
-              <a:t>Intelligens</a:t>
-            </a:r>
-          </a:p>
-          <a:p>
-            <a:pPr lvl="1"/>
-            <a:r>
-              <a:rPr lang="hu-HU">
+              <a:t>ChatGPT</a:t>
+            </a:r>
+            <a:r>
+              <a:rPr lang="hu-HU" dirty="0">
+                <a:ea typeface="Calibri"/>
                 <a:cs typeface="Calibri"/>
               </a:rPr>
-              <a:t>Szociális</a:t>
+              <a:t>-vel felkapott lesz</a:t>
+            </a:r>
+            <a:endParaRPr lang="hu-HU" dirty="0"/>
+          </a:p>
+          <a:p>
+            <a:r>
+              <a:rPr lang="hu-HU" dirty="0">
+                <a:ea typeface="Calibri"/>
+                <a:cs typeface="Calibri"/>
+              </a:rPr>
+              <a:t>Folyamatos fejlesztés</a:t>
             </a:r>
           </a:p>
         </p:txBody>
@@ -3941,7 +4727,7 @@
     </p:spTree>
     <p:extLst>
       <p:ext uri="{BB962C8B-B14F-4D97-AF65-F5344CB8AC3E}">
-        <p14:creationId xmlns:p14="http://schemas.microsoft.com/office/powerpoint/2010/main" val="3845223352"/>
+        <p14:creationId xmlns:p14="http://schemas.microsoft.com/office/powerpoint/2010/main" val="3652836151"/>
       </p:ext>
     </p:extLst>
   </p:cSld>
@@ -3973,7 +4759,7 @@
           <p:cNvPr id="2" name="Cím 1">
             <a:extLst>
               <a:ext uri="{FF2B5EF4-FFF2-40B4-BE49-F238E27FC236}">
-                <a16:creationId xmlns:a16="http://schemas.microsoft.com/office/drawing/2014/main" id="{67F489B6-4E68-E032-7EEC-CE2E8D9C39A4}"/>
+                <a16:creationId xmlns:a16="http://schemas.microsoft.com/office/drawing/2014/main" id="{B2C2C3E1-A2FD-2054-9DDF-C7AFDEAF322F}"/>
               </a:ext>
             </a:extLst>
           </p:cNvPr>
@@ -3986,22 +4772,17 @@
         </p:nvSpPr>
         <p:spPr/>
         <p:txBody>
-          <a:bodyPr>
-            <a:normAutofit/>
-          </a:bodyPr>
-          <a:lstStyle/>
-          <a:p>
-            <a:r>
-              <a:rPr lang="hu-HU">
-                <a:solidFill>
-                  <a:srgbClr val="000000"/>
-                </a:solidFill>
-                <a:ea typeface="+mj-lt"/>
-                <a:cs typeface="+mj-lt"/>
-              </a:rPr>
-              <a:t>Neurális hálózatok</a:t>
-            </a:r>
-            <a:endParaRPr lang="hu-HU"/>
+          <a:bodyPr/>
+          <a:lstStyle/>
+          <a:p>
+            <a:r>
+              <a:rPr lang="hu-HU" dirty="0">
+                <a:ea typeface="Calibri Light"/>
+                <a:cs typeface="Calibri Light"/>
+              </a:rPr>
+              <a:t>Fajtái</a:t>
+            </a:r>
+            <a:endParaRPr lang="hu-HU" dirty="0"/>
           </a:p>
         </p:txBody>
       </p:sp>
@@ -4010,7 +4791,7 @@
           <p:cNvPr id="3" name="Tartalom helye 2">
             <a:extLst>
               <a:ext uri="{FF2B5EF4-FFF2-40B4-BE49-F238E27FC236}">
-                <a16:creationId xmlns:a16="http://schemas.microsoft.com/office/drawing/2014/main" id="{2D6F0EA0-3F08-84E0-9786-BD9BF2D97A86}"/>
+                <a16:creationId xmlns:a16="http://schemas.microsoft.com/office/drawing/2014/main" id="{7528B3B7-6152-694C-7D81-19648528FDFC}"/>
               </a:ext>
             </a:extLst>
           </p:cNvPr>
@@ -4018,22 +4799,100 @@
             <a:spLocks noGrp="1"/>
           </p:cNvSpPr>
           <p:nvPr>
-            <p:ph idx="1"/>
-          </p:nvPr>
-        </p:nvSpPr>
-        <p:spPr/>
-        <p:txBody>
-          <a:bodyPr/>
-          <a:lstStyle/>
-          <a:p>
-            <a:endParaRPr lang="hu-HU"/>
+            <p:ph sz="half" idx="1"/>
+          </p:nvPr>
+        </p:nvSpPr>
+        <p:spPr/>
+        <p:txBody>
+          <a:bodyPr vert="horz" lIns="91440" tIns="45720" rIns="91440" bIns="45720" rtlCol="0" anchor="t">
+            <a:normAutofit/>
+          </a:bodyPr>
+          <a:lstStyle/>
+          <a:p>
+            <a:pPr marL="0" indent="0" algn="ctr">
+              <a:buNone/>
+            </a:pPr>
+            <a:r>
+              <a:rPr lang="hu-HU" dirty="0">
+                <a:ea typeface="Calibri"/>
+                <a:cs typeface="Calibri"/>
+              </a:rPr>
+              <a:t>Hardware alapú</a:t>
+            </a:r>
+          </a:p>
+          <a:p>
+            <a:pPr marL="0" indent="0">
+              <a:buNone/>
+            </a:pPr>
+            <a:r>
+              <a:rPr lang="hu-HU" dirty="0">
+                <a:ea typeface="Calibri"/>
+                <a:cs typeface="Calibri"/>
+              </a:rPr>
+              <a:t>Egy olyan robot, ami úgy gondolkodik mint egy ember,</a:t>
+            </a:r>
+          </a:p>
+          <a:p>
+            <a:pPr marL="457200" indent="-457200"/>
+            <a:endParaRPr lang="hu-HU" dirty="0">
+              <a:ea typeface="Calibri"/>
+              <a:cs typeface="Calibri"/>
+            </a:endParaRPr>
+          </a:p>
+        </p:txBody>
+      </p:sp>
+      <p:sp>
+        <p:nvSpPr>
+          <p:cNvPr id="4" name="Tartalom helye 3">
+            <a:extLst>
+              <a:ext uri="{FF2B5EF4-FFF2-40B4-BE49-F238E27FC236}">
+                <a16:creationId xmlns:a16="http://schemas.microsoft.com/office/drawing/2014/main" id="{9F5BA668-3A22-7398-161E-4B52CD9B5068}"/>
+              </a:ext>
+            </a:extLst>
+          </p:cNvPr>
+          <p:cNvSpPr>
+            <a:spLocks noGrp="1"/>
+          </p:cNvSpPr>
+          <p:nvPr>
+            <p:ph sz="half" idx="2"/>
+          </p:nvPr>
+        </p:nvSpPr>
+        <p:spPr/>
+        <p:txBody>
+          <a:bodyPr vert="horz" lIns="91440" tIns="45720" rIns="91440" bIns="45720" rtlCol="0" anchor="t">
+            <a:normAutofit/>
+          </a:bodyPr>
+          <a:lstStyle/>
+          <a:p>
+            <a:pPr marL="0" indent="0" algn="ctr">
+              <a:buNone/>
+            </a:pPr>
+            <a:r>
+              <a:rPr lang="hu-HU" dirty="0">
+                <a:ea typeface="Calibri"/>
+                <a:cs typeface="Calibri"/>
+              </a:rPr>
+              <a:t>Szoftver alapú</a:t>
+            </a:r>
+          </a:p>
+          <a:p>
+            <a:pPr marL="0" indent="0">
+              <a:buNone/>
+            </a:pPr>
+            <a:r>
+              <a:rPr lang="hu-HU" dirty="0">
+                <a:ea typeface="Calibri"/>
+                <a:cs typeface="Calibri"/>
+              </a:rPr>
+              <a:t>Egy olyan szoftver, ami csak az emberi feladatok elvégzésére képes</a:t>
+            </a:r>
           </a:p>
         </p:txBody>
       </p:sp>
     </p:spTree>
     <p:extLst>
       <p:ext uri="{BB962C8B-B14F-4D97-AF65-F5344CB8AC3E}">
-        <p14:creationId xmlns:p14="http://schemas.microsoft.com/office/powerpoint/2010/main" val="823221696"/>
+        <p14:creationId xmlns:p14="http://schemas.microsoft.com/office/powerpoint/2010/main" val="1041461070"/>
       </p:ext>
     </p:extLst>
   </p:cSld>
@@ -4065,7 +4924,7 @@
           <p:cNvPr id="2" name="Cím 1">
             <a:extLst>
               <a:ext uri="{FF2B5EF4-FFF2-40B4-BE49-F238E27FC236}">
-                <a16:creationId xmlns:a16="http://schemas.microsoft.com/office/drawing/2014/main" id="{23C04024-7974-AD22-2515-BA84BD051933}"/>
+                <a16:creationId xmlns:a16="http://schemas.microsoft.com/office/drawing/2014/main" id="{DD73444F-A8A4-3699-4E09-08FC1902BADE}"/>
               </a:ext>
             </a:extLst>
           </p:cNvPr>
@@ -4091,47 +4950,7 @@
                 <a:ea typeface="+mj-lt"/>
                 <a:cs typeface="+mj-lt"/>
               </a:rPr>
-              <a:t>Gépi tanulás, szintjei (</a:t>
-            </a:r>
-            <a:r>
-              <a:rPr lang="hu-HU" err="1">
-                <a:solidFill>
-                  <a:srgbClr val="000000"/>
-                </a:solidFill>
-                <a:ea typeface="+mj-lt"/>
-                <a:cs typeface="+mj-lt"/>
-              </a:rPr>
-              <a:t>deep</a:t>
-            </a:r>
-            <a:r>
-              <a:rPr lang="hu-HU">
-                <a:solidFill>
-                  <a:srgbClr val="000000"/>
-                </a:solidFill>
-                <a:ea typeface="+mj-lt"/>
-                <a:cs typeface="+mj-lt"/>
-              </a:rPr>
-              <a:t> </a:t>
-            </a:r>
-            <a:r>
-              <a:rPr lang="hu-HU" err="1">
-                <a:solidFill>
-                  <a:srgbClr val="000000"/>
-                </a:solidFill>
-                <a:ea typeface="+mj-lt"/>
-                <a:cs typeface="+mj-lt"/>
-              </a:rPr>
-              <a:t>learning</a:t>
-            </a:r>
-            <a:r>
-              <a:rPr lang="hu-HU">
-                <a:solidFill>
-                  <a:srgbClr val="000000"/>
-                </a:solidFill>
-                <a:ea typeface="+mj-lt"/>
-                <a:cs typeface="+mj-lt"/>
-              </a:rPr>
-              <a:t>)</a:t>
+              <a:t>Ágens fogalma, típusai</a:t>
             </a:r>
             <a:endParaRPr lang="hu-HU"/>
           </a:p>
@@ -4142,7 +4961,7 @@
           <p:cNvPr id="3" name="Tartalom helye 2">
             <a:extLst>
               <a:ext uri="{FF2B5EF4-FFF2-40B4-BE49-F238E27FC236}">
-                <a16:creationId xmlns:a16="http://schemas.microsoft.com/office/drawing/2014/main" id="{F5B5E136-FFDC-69A2-B7CB-B2E4CAE59CC7}"/>
+                <a16:creationId xmlns:a16="http://schemas.microsoft.com/office/drawing/2014/main" id="{46150786-53F3-A23A-39F7-89535F05C2E0}"/>
               </a:ext>
             </a:extLst>
           </p:cNvPr>
@@ -4155,17 +4974,64 @@
         </p:nvSpPr>
         <p:spPr/>
         <p:txBody>
-          <a:bodyPr/>
-          <a:lstStyle/>
-          <a:p>
-            <a:endParaRPr lang="hu-HU"/>
+          <a:bodyPr vert="horz" lIns="91440" tIns="45720" rIns="91440" bIns="45720" rtlCol="0" anchor="t">
+            <a:normAutofit/>
+          </a:bodyPr>
+          <a:lstStyle/>
+          <a:p>
+            <a:r>
+              <a:rPr lang="hu-HU">
+                <a:cs typeface="Calibri"/>
+              </a:rPr>
+              <a:t>Fogalma</a:t>
+            </a:r>
+          </a:p>
+          <a:p>
+            <a:endParaRPr lang="hu-HU">
+              <a:cs typeface="Calibri"/>
+            </a:endParaRPr>
+          </a:p>
+          <a:p>
+            <a:r>
+              <a:rPr lang="hu-HU">
+                <a:cs typeface="Calibri"/>
+              </a:rPr>
+              <a:t>Típusai:</a:t>
+            </a:r>
+          </a:p>
+          <a:p>
+            <a:pPr lvl="1"/>
+            <a:r>
+              <a:rPr lang="hu-HU">
+                <a:cs typeface="Calibri"/>
+              </a:rPr>
+              <a:t>Autonóm</a:t>
+            </a:r>
+          </a:p>
+          <a:p>
+            <a:pPr lvl="1"/>
+            <a:r>
+              <a:rPr lang="hu-HU">
+                <a:cs typeface="Calibri"/>
+              </a:rPr>
+              <a:t>Intelligens</a:t>
+            </a:r>
+          </a:p>
+          <a:p>
+            <a:pPr lvl="1"/>
+            <a:r>
+              <a:rPr lang="hu-HU">
+                <a:cs typeface="Calibri"/>
+              </a:rPr>
+              <a:t>Szociális</a:t>
+            </a:r>
           </a:p>
         </p:txBody>
       </p:sp>
     </p:spTree>
     <p:extLst>
       <p:ext uri="{BB962C8B-B14F-4D97-AF65-F5344CB8AC3E}">
-        <p14:creationId xmlns:p14="http://schemas.microsoft.com/office/powerpoint/2010/main" val="1397895582"/>
+        <p14:creationId xmlns:p14="http://schemas.microsoft.com/office/powerpoint/2010/main" val="3845223352"/>
       </p:ext>
     </p:extLst>
   </p:cSld>
@@ -4197,7 +5063,7 @@
           <p:cNvPr id="2" name="Cím 1">
             <a:extLst>
               <a:ext uri="{FF2B5EF4-FFF2-40B4-BE49-F238E27FC236}">
-                <a16:creationId xmlns:a16="http://schemas.microsoft.com/office/drawing/2014/main" id="{B8D64A97-20AC-5C17-7257-F12FD9F2EE7A}"/>
+                <a16:creationId xmlns:a16="http://schemas.microsoft.com/office/drawing/2014/main" id="{67F489B6-4E68-E032-7EEC-CE2E8D9C39A4}"/>
               </a:ext>
             </a:extLst>
           </p:cNvPr>
@@ -4223,7 +5089,7 @@
                 <a:ea typeface="+mj-lt"/>
                 <a:cs typeface="+mj-lt"/>
               </a:rPr>
-              <a:t>Mesterséges intelligencia mint program</a:t>
+              <a:t>Neurális hálózatok</a:t>
             </a:r>
             <a:endParaRPr lang="hu-HU"/>
           </a:p>
@@ -4234,7 +5100,7 @@
           <p:cNvPr id="3" name="Tartalom helye 2">
             <a:extLst>
               <a:ext uri="{FF2B5EF4-FFF2-40B4-BE49-F238E27FC236}">
-                <a16:creationId xmlns:a16="http://schemas.microsoft.com/office/drawing/2014/main" id="{99C9FA57-37C6-228F-6E0C-77D319B2F783}"/>
+                <a16:creationId xmlns:a16="http://schemas.microsoft.com/office/drawing/2014/main" id="{2D6F0EA0-3F08-84E0-9786-BD9BF2D97A86}"/>
               </a:ext>
             </a:extLst>
           </p:cNvPr>
@@ -4257,7 +5123,7 @@
     </p:spTree>
     <p:extLst>
       <p:ext uri="{BB962C8B-B14F-4D97-AF65-F5344CB8AC3E}">
-        <p14:creationId xmlns:p14="http://schemas.microsoft.com/office/powerpoint/2010/main" val="1225649134"/>
+        <p14:creationId xmlns:p14="http://schemas.microsoft.com/office/powerpoint/2010/main" val="823221696"/>
       </p:ext>
     </p:extLst>
   </p:cSld>
@@ -4289,7 +5155,7 @@
           <p:cNvPr id="2" name="Cím 1">
             <a:extLst>
               <a:ext uri="{FF2B5EF4-FFF2-40B4-BE49-F238E27FC236}">
-                <a16:creationId xmlns:a16="http://schemas.microsoft.com/office/drawing/2014/main" id="{31286A30-67E1-1448-32E9-04BCCB9B7D28}"/>
+                <a16:creationId xmlns:a16="http://schemas.microsoft.com/office/drawing/2014/main" id="{23C04024-7974-AD22-2515-BA84BD051933}"/>
               </a:ext>
             </a:extLst>
           </p:cNvPr>
@@ -4302,7 +5168,9 @@
         </p:nvSpPr>
         <p:spPr/>
         <p:txBody>
-          <a:bodyPr/>
+          <a:bodyPr>
+            <a:normAutofit/>
+          </a:bodyPr>
           <a:lstStyle/>
           <a:p>
             <a:r>
@@ -4313,11 +5181,18 @@
                 <a:ea typeface="+mj-lt"/>
                 <a:cs typeface="+mj-lt"/>
               </a:rPr>
-              <a:t>Hol használják (szakmák, hol fogják</a:t>
-            </a:r>
-            <a:endParaRPr lang="hu-HU"/>
-          </a:p>
-          <a:p>
+              <a:t>Gépi tanulás, szintjei (</a:t>
+            </a:r>
+            <a:r>
+              <a:rPr lang="hu-HU" err="1">
+                <a:solidFill>
+                  <a:srgbClr val="000000"/>
+                </a:solidFill>
+                <a:ea typeface="+mj-lt"/>
+                <a:cs typeface="+mj-lt"/>
+              </a:rPr>
+              <a:t>deep</a:t>
+            </a:r>
             <a:r>
               <a:rPr lang="hu-HU">
                 <a:solidFill>
@@ -4326,130 +5201,69 @@
                 <a:ea typeface="+mj-lt"/>
                 <a:cs typeface="+mj-lt"/>
               </a:rPr>
-              <a:t>használni)</a:t>
-            </a:r>
-            <a:endParaRPr lang="hu-HU"/>
-          </a:p>
-          <a:p>
-            <a:endParaRPr lang="hu-HU">
-              <a:cs typeface="Calibri Light"/>
-            </a:endParaRPr>
-          </a:p>
-        </p:txBody>
-      </p:sp>
-      <p:sp>
-        <p:nvSpPr>
-          <p:cNvPr id="3" name="Tartalom helye 2">
-            <a:extLst>
-              <a:ext uri="{FF2B5EF4-FFF2-40B4-BE49-F238E27FC236}">
-                <a16:creationId xmlns:a16="http://schemas.microsoft.com/office/drawing/2014/main" id="{85C627D2-0285-7499-F573-29AB611B7ABE}"/>
-              </a:ext>
-            </a:extLst>
-          </p:cNvPr>
-          <p:cNvSpPr>
-            <a:spLocks noGrp="1"/>
-          </p:cNvSpPr>
-          <p:nvPr>
-            <p:ph idx="1"/>
-          </p:nvPr>
-        </p:nvSpPr>
-        <p:spPr/>
-        <p:txBody>
-          <a:bodyPr vert="horz" lIns="91440" tIns="45720" rIns="91440" bIns="45720" rtlCol="0" anchor="t">
-            <a:normAutofit/>
-          </a:bodyPr>
-          <a:lstStyle/>
-          <a:p>
-            <a:r>
-              <a:rPr lang="hu-HU">
-                <a:cs typeface="Calibri"/>
-              </a:rPr>
-              <a:t>Autógyártók </a:t>
+              <a:t> </a:t>
             </a:r>
             <a:r>
               <a:rPr lang="hu-HU" err="1">
-                <a:cs typeface="Calibri"/>
-              </a:rPr>
-              <a:t>pl</a:t>
-            </a:r>
-            <a:r>
-              <a:rPr lang="hu-HU">
-                <a:cs typeface="Calibri"/>
-              </a:rPr>
-              <a:t> Tesla: önvezetés, biztonság</a:t>
-            </a:r>
-          </a:p>
-          <a:p>
-            <a:r>
-              <a:rPr lang="hu-HU">
-                <a:cs typeface="Calibri"/>
-              </a:rPr>
-              <a:t>Egészségügy</a:t>
-            </a:r>
-          </a:p>
-          <a:p>
+                <a:solidFill>
+                  <a:srgbClr val="000000"/>
+                </a:solidFill>
+                <a:ea typeface="+mj-lt"/>
+                <a:cs typeface="+mj-lt"/>
+              </a:rPr>
+              <a:t>learning</a:t>
+            </a:r>
             <a:r>
               <a:rPr lang="hu-HU">
                 <a:solidFill>
                   <a:srgbClr val="000000"/>
                 </a:solidFill>
-                <a:latin typeface="Calibri"/>
+                <a:ea typeface="+mj-lt"/>
+                <a:cs typeface="+mj-lt"/>
+              </a:rPr>
+              <a:t>)</a:t>
+            </a:r>
+            <a:endParaRPr lang="hu-HU"/>
+          </a:p>
+        </p:txBody>
+      </p:sp>
+      <p:sp>
+        <p:nvSpPr>
+          <p:cNvPr id="3" name="Tartalom helye 2">
+            <a:extLst>
+              <a:ext uri="{FF2B5EF4-FFF2-40B4-BE49-F238E27FC236}">
+                <a16:creationId xmlns:a16="http://schemas.microsoft.com/office/drawing/2014/main" id="{F5B5E136-FFDC-69A2-B7CB-B2E4CAE59CC7}"/>
+              </a:ext>
+            </a:extLst>
+          </p:cNvPr>
+          <p:cNvSpPr>
+            <a:spLocks noGrp="1"/>
+          </p:cNvSpPr>
+          <p:nvPr>
+            <p:ph idx="1"/>
+          </p:nvPr>
+        </p:nvSpPr>
+        <p:spPr/>
+        <p:txBody>
+          <a:bodyPr vert="horz" lIns="91440" tIns="45720" rIns="91440" bIns="45720" rtlCol="0" anchor="t">
+            <a:normAutofit/>
+          </a:bodyPr>
+          <a:lstStyle/>
+          <a:p>
+            <a:r>
+              <a:rPr lang="hu-HU">
                 <a:cs typeface="Calibri"/>
               </a:rPr>
-              <a:t>Online vásárlás és hirdetések</a:t>
-            </a:r>
-          </a:p>
-          <a:p>
-            <a:r>
-              <a:rPr lang="hu-HU">
-                <a:solidFill>
-                  <a:srgbClr val="000000"/>
-                </a:solidFill>
-                <a:latin typeface="Calibri"/>
-                <a:cs typeface="Calibri"/>
-              </a:rPr>
-              <a:t>Digitális személyi asszisztensek</a:t>
-            </a:r>
-          </a:p>
-          <a:p>
-            <a:r>
-              <a:rPr lang="hu-HU" err="1">
-                <a:solidFill>
-                  <a:srgbClr val="000000"/>
-                </a:solidFill>
-                <a:latin typeface="Calibri"/>
-                <a:cs typeface="Calibri"/>
-              </a:rPr>
-              <a:t>Kiberbiztonság</a:t>
-            </a:r>
-          </a:p>
-          <a:p>
-            <a:r>
-              <a:rPr lang="hu-HU">
-                <a:solidFill>
-                  <a:srgbClr val="000000"/>
-                </a:solidFill>
-                <a:latin typeface="Calibri"/>
-                <a:cs typeface="Calibri"/>
-              </a:rPr>
-              <a:t>Gyártók termelésének hatékonysága</a:t>
-            </a:r>
-          </a:p>
-          <a:p>
-            <a:endParaRPr lang="hu-HU">
-              <a:solidFill>
-                <a:srgbClr val="000000"/>
-              </a:solidFill>
-              <a:latin typeface="Calibri"/>
-              <a:cs typeface="Calibri"/>
-            </a:endParaRPr>
+              <a:t>Logaritmusokkal azonosít</a:t>
+            </a:r>
+            <a:endParaRPr lang="hu-HU"/>
           </a:p>
         </p:txBody>
       </p:sp>
     </p:spTree>
     <p:extLst>
       <p:ext uri="{BB962C8B-B14F-4D97-AF65-F5344CB8AC3E}">
-        <p14:creationId xmlns:p14="http://schemas.microsoft.com/office/powerpoint/2010/main" val="1400712029"/>
+        <p14:creationId xmlns:p14="http://schemas.microsoft.com/office/powerpoint/2010/main" val="1397895582"/>
       </p:ext>
     </p:extLst>
   </p:cSld>
@@ -4481,7 +5295,7 @@
           <p:cNvPr id="2" name="Cím 1">
             <a:extLst>
               <a:ext uri="{FF2B5EF4-FFF2-40B4-BE49-F238E27FC236}">
-                <a16:creationId xmlns:a16="http://schemas.microsoft.com/office/drawing/2014/main" id="{96BDF405-26CB-9018-C319-59F7187580C8}"/>
+                <a16:creationId xmlns:a16="http://schemas.microsoft.com/office/drawing/2014/main" id="{B8D64A97-20AC-5C17-7257-F12FD9F2EE7A}"/>
               </a:ext>
             </a:extLst>
           </p:cNvPr>
@@ -4507,27 +5321,7 @@
                 <a:ea typeface="+mj-lt"/>
                 <a:cs typeface="+mj-lt"/>
               </a:rPr>
-              <a:t>Mesterséges intelligencia típusai (</a:t>
-            </a:r>
-            <a:r>
-              <a:rPr lang="hu-HU" err="1">
-                <a:solidFill>
-                  <a:srgbClr val="000000"/>
-                </a:solidFill>
-                <a:ea typeface="+mj-lt"/>
-                <a:cs typeface="+mj-lt"/>
-              </a:rPr>
-              <a:t>Al</a:t>
-            </a:r>
-            <a:r>
-              <a:rPr lang="hu-HU">
-                <a:solidFill>
-                  <a:srgbClr val="000000"/>
-                </a:solidFill>
-                <a:ea typeface="+mj-lt"/>
-                <a:cs typeface="+mj-lt"/>
-              </a:rPr>
-              <a:t> típusok)</a:t>
+              <a:t>Mesterséges intelligencia mint program</a:t>
             </a:r>
             <a:endParaRPr lang="hu-HU"/>
           </a:p>
@@ -4538,7 +5332,7 @@
           <p:cNvPr id="3" name="Tartalom helye 2">
             <a:extLst>
               <a:ext uri="{FF2B5EF4-FFF2-40B4-BE49-F238E27FC236}">
-                <a16:creationId xmlns:a16="http://schemas.microsoft.com/office/drawing/2014/main" id="{8DA17F7D-9DCF-CCC6-4866-BA1AD84BFD09}"/>
+                <a16:creationId xmlns:a16="http://schemas.microsoft.com/office/drawing/2014/main" id="{99C9FA57-37C6-228F-6E0C-77D319B2F783}"/>
               </a:ext>
             </a:extLst>
           </p:cNvPr>
@@ -4551,24 +5345,17 @@
         </p:nvSpPr>
         <p:spPr/>
         <p:txBody>
-          <a:bodyPr vert="horz" lIns="91440" tIns="45720" rIns="91440" bIns="45720" rtlCol="0" anchor="t">
-            <a:normAutofit/>
-          </a:bodyPr>
-          <a:lstStyle/>
-          <a:p>
-            <a:r>
-              <a:rPr lang="hu-HU">
-                <a:cs typeface="Calibri"/>
-              </a:rPr>
-              <a:t>Szűk mesterséges intelligencia</a:t>
-            </a:r>
+          <a:bodyPr/>
+          <a:lstStyle/>
+          <a:p>
+            <a:endParaRPr lang="hu-HU"/>
           </a:p>
         </p:txBody>
       </p:sp>
     </p:spTree>
     <p:extLst>
       <p:ext uri="{BB962C8B-B14F-4D97-AF65-F5344CB8AC3E}">
-        <p14:creationId xmlns:p14="http://schemas.microsoft.com/office/powerpoint/2010/main" val="3348972179"/>
+        <p14:creationId xmlns:p14="http://schemas.microsoft.com/office/powerpoint/2010/main" val="1225649134"/>
       </p:ext>
     </p:extLst>
   </p:cSld>

--- a/ai ppt.pptx
+++ b/ai ppt.pptx
@@ -15,8 +15,8 @@
     <p:sldId id="259" r:id="rId9"/>
     <p:sldId id="270" r:id="rId10"/>
     <p:sldId id="261" r:id="rId11"/>
-    <p:sldId id="265" r:id="rId12"/>
-    <p:sldId id="262" r:id="rId13"/>
+    <p:sldId id="262" r:id="rId12"/>
+    <p:sldId id="265" r:id="rId13"/>
     <p:sldId id="263" r:id="rId14"/>
     <p:sldId id="264" r:id="rId15"/>
   </p:sldIdLst>
@@ -128,13 +128,9 @@
 <file path=ppt/revisionInfo.xml><?xml version="1.0" encoding="utf-8"?>
 <p1510:revInfo xmlns:a="http://schemas.openxmlformats.org/drawingml/2006/main" xmlns:r="http://schemas.openxmlformats.org/officeDocument/2006/relationships" xmlns:p1510="http://schemas.microsoft.com/office/powerpoint/2015/10/main">
   <p1510:revLst>
-    <p1510:client id="{3B6A15DB-E9F1-8862-051B-AF2714FCED5A}" v="47" dt="2023-11-30T08:29:01.694"/>
-    <p1510:client id="{4B71E844-B736-5AFE-3926-618B70BBA97D}" v="370" dt="2023-11-30T08:35:36.875"/>
     <p1510:client id="{5111FB61-CA82-7F4E-A6FD-D584D691B186}" v="8" dt="2023-11-30T08:22:13.170"/>
-    <p1510:client id="{5E21D0E7-0DF2-4ABC-8AA8-3D0BD60636EB}" v="20" dt="2023-11-29T10:24:42.332"/>
-    <p1510:client id="{A9EADD01-E7EE-464E-B753-A86EA210AB49}" v="246" dt="2023-11-30T08:31:06.046"/>
-    <p1510:client id="{E89AF4CE-A411-417B-B430-98706E7D7ECF}" v="137" dt="2023-11-29T10:23:06.587"/>
-    <p1510:client id="{F6E1F345-AD96-7210-6F62-35ABF4251A59}" v="384" dt="2023-11-29T10:25:30.339"/>
+    <p1510:client id="{B9CAA9D8-5A54-4910-B53E-6DE308ED206B}" v="6" dt="2023-12-06T10:10:12.700"/>
+    <p1510:client id="{BF139F21-3227-4AF9-9B6F-B2DAF7BA58CD}" v="47" dt="2023-12-06T10:04:45.951"/>
   </p1510:revLst>
 </p1510:revInfo>
 </file>
@@ -268,7 +264,7 @@
           <a:p>
             <a:fld id="{F5F1901C-D33B-4565-A7E4-5DF903098DB6}" type="datetimeFigureOut">
               <a:rPr lang="hu-HU" smtClean="0"/>
-              <a:t>2023. 11. 29.</a:t>
+              <a:t>2023. 12. 06.</a:t>
             </a:fld>
             <a:endParaRPr lang="hu-HU"/>
           </a:p>
@@ -436,7 +432,7 @@
           <a:p>
             <a:fld id="{F5F1901C-D33B-4565-A7E4-5DF903098DB6}" type="datetimeFigureOut">
               <a:rPr lang="hu-HU" smtClean="0"/>
-              <a:t>2023. 11. 29.</a:t>
+              <a:t>2023. 12. 06.</a:t>
             </a:fld>
             <a:endParaRPr lang="hu-HU"/>
           </a:p>
@@ -614,7 +610,7 @@
           <a:p>
             <a:fld id="{F5F1901C-D33B-4565-A7E4-5DF903098DB6}" type="datetimeFigureOut">
               <a:rPr lang="hu-HU" smtClean="0"/>
-              <a:t>2023. 11. 29.</a:t>
+              <a:t>2023. 12. 06.</a:t>
             </a:fld>
             <a:endParaRPr lang="hu-HU"/>
           </a:p>
@@ -782,7 +778,7 @@
           <a:p>
             <a:fld id="{F5F1901C-D33B-4565-A7E4-5DF903098DB6}" type="datetimeFigureOut">
               <a:rPr lang="hu-HU" smtClean="0"/>
-              <a:t>2023. 11. 29.</a:t>
+              <a:t>2023. 12. 06.</a:t>
             </a:fld>
             <a:endParaRPr lang="hu-HU"/>
           </a:p>
@@ -1027,7 +1023,7 @@
           <a:p>
             <a:fld id="{F5F1901C-D33B-4565-A7E4-5DF903098DB6}" type="datetimeFigureOut">
               <a:rPr lang="hu-HU" smtClean="0"/>
-              <a:t>2023. 11. 29.</a:t>
+              <a:t>2023. 12. 06.</a:t>
             </a:fld>
             <a:endParaRPr lang="hu-HU"/>
           </a:p>
@@ -1256,7 +1252,7 @@
           <a:p>
             <a:fld id="{F5F1901C-D33B-4565-A7E4-5DF903098DB6}" type="datetimeFigureOut">
               <a:rPr lang="hu-HU" smtClean="0"/>
-              <a:t>2023. 11. 29.</a:t>
+              <a:t>2023. 12. 06.</a:t>
             </a:fld>
             <a:endParaRPr lang="hu-HU"/>
           </a:p>
@@ -1620,7 +1616,7 @@
           <a:p>
             <a:fld id="{F5F1901C-D33B-4565-A7E4-5DF903098DB6}" type="datetimeFigureOut">
               <a:rPr lang="hu-HU" smtClean="0"/>
-              <a:t>2023. 11. 29.</a:t>
+              <a:t>2023. 12. 06.</a:t>
             </a:fld>
             <a:endParaRPr lang="hu-HU"/>
           </a:p>
@@ -1737,7 +1733,7 @@
           <a:p>
             <a:fld id="{F5F1901C-D33B-4565-A7E4-5DF903098DB6}" type="datetimeFigureOut">
               <a:rPr lang="hu-HU" smtClean="0"/>
-              <a:t>2023. 11. 29.</a:t>
+              <a:t>2023. 12. 06.</a:t>
             </a:fld>
             <a:endParaRPr lang="hu-HU"/>
           </a:p>
@@ -1832,7 +1828,7 @@
           <a:p>
             <a:fld id="{F5F1901C-D33B-4565-A7E4-5DF903098DB6}" type="datetimeFigureOut">
               <a:rPr lang="hu-HU" smtClean="0"/>
-              <a:t>2023. 11. 29.</a:t>
+              <a:t>2023. 12. 06.</a:t>
             </a:fld>
             <a:endParaRPr lang="hu-HU"/>
           </a:p>
@@ -2107,7 +2103,7 @@
           <a:p>
             <a:fld id="{F5F1901C-D33B-4565-A7E4-5DF903098DB6}" type="datetimeFigureOut">
               <a:rPr lang="hu-HU" smtClean="0"/>
-              <a:t>2023. 11. 29.</a:t>
+              <a:t>2023. 12. 06.</a:t>
             </a:fld>
             <a:endParaRPr lang="hu-HU"/>
           </a:p>
@@ -2359,7 +2355,7 @@
           <a:p>
             <a:fld id="{F5F1901C-D33B-4565-A7E4-5DF903098DB6}" type="datetimeFigureOut">
               <a:rPr lang="hu-HU" smtClean="0"/>
-              <a:t>2023. 11. 29.</a:t>
+              <a:t>2023. 12. 06.</a:t>
             </a:fld>
             <a:endParaRPr lang="hu-HU"/>
           </a:p>
@@ -2570,7 +2566,7 @@
           <a:p>
             <a:fld id="{F5F1901C-D33B-4565-A7E4-5DF903098DB6}" type="datetimeFigureOut">
               <a:rPr lang="hu-HU" smtClean="0"/>
-              <a:t>2023. 11. 29.</a:t>
+              <a:t>2023. 12. 06.</a:t>
             </a:fld>
             <a:endParaRPr lang="hu-HU"/>
           </a:p>
@@ -3455,7 +3451,7 @@
           </a:xfrm>
         </p:spPr>
         <p:txBody>
-          <a:bodyPr vert="horz" lIns="91440" tIns="45720" rIns="91440" bIns="45720" rtlCol="0">
+          <a:bodyPr vert="horz" lIns="91440" tIns="45720" rIns="91440" bIns="45720" rtlCol="0" anchor="t">
             <a:normAutofit/>
           </a:bodyPr>
           <a:lstStyle/>
@@ -3468,8 +3464,9 @@
                 <a:solidFill>
                   <a:schemeClr val="bg1"/>
                 </a:solidFill>
+                <a:cs typeface="Calibri"/>
               </a:rPr>
-              <a:t>g</a:t>
+              <a:t>G</a:t>
             </a:r>
           </a:p>
         </p:txBody>
@@ -10105,440 +10102,88 @@
   <p:clrMapOvr>
     <a:masterClrMapping/>
   </p:clrMapOvr>
+  <p:timing>
+    <p:tnLst>
+      <p:par>
+        <p:cTn id="1" dur="indefinite" restart="never" nodeType="tmRoot">
+          <p:childTnLst>
+            <p:seq concurrent="1" nextAc="seek">
+              <p:cTn id="2" dur="indefinite" nodeType="mainSeq">
+                <p:childTnLst>
+                  <p:par>
+                    <p:cTn id="3" fill="hold">
+                      <p:stCondLst>
+                        <p:cond delay="indefinite"/>
+                      </p:stCondLst>
+                      <p:childTnLst>
+                        <p:par>
+                          <p:cTn id="4" fill="hold">
+                            <p:stCondLst>
+                              <p:cond delay="0"/>
+                            </p:stCondLst>
+                            <p:childTnLst>
+                              <p:par>
+                                <p:cTn id="5" presetID="1" presetClass="entr" presetSubtype="0" fill="hold" grpId="0" nodeType="clickEffect">
+                                  <p:stCondLst>
+                                    <p:cond delay="0"/>
+                                  </p:stCondLst>
+                                  <p:childTnLst>
+                                    <p:set>
+                                      <p:cBhvr>
+                                        <p:cTn id="6" dur="1" fill="hold">
+                                          <p:stCondLst>
+                                            <p:cond delay="0"/>
+                                          </p:stCondLst>
+                                        </p:cTn>
+                                        <p:tgtEl>
+                                          <p:spTgt spid="2"/>
+                                        </p:tgtEl>
+                                        <p:attrNameLst>
+                                          <p:attrName>style.visibility</p:attrName>
+                                        </p:attrNameLst>
+                                      </p:cBhvr>
+                                      <p:to>
+                                        <p:strVal val="visible"/>
+                                      </p:to>
+                                    </p:set>
+                                  </p:childTnLst>
+                                </p:cTn>
+                              </p:par>
+                            </p:childTnLst>
+                          </p:cTn>
+                        </p:par>
+                      </p:childTnLst>
+                    </p:cTn>
+                  </p:par>
+                </p:childTnLst>
+              </p:cTn>
+              <p:prevCondLst>
+                <p:cond evt="onPrev" delay="0">
+                  <p:tgtEl>
+                    <p:sldTgt/>
+                  </p:tgtEl>
+                </p:cond>
+              </p:prevCondLst>
+              <p:nextCondLst>
+                <p:cond evt="onNext" delay="0">
+                  <p:tgtEl>
+                    <p:sldTgt/>
+                  </p:tgtEl>
+                </p:cond>
+              </p:nextCondLst>
+            </p:seq>
+          </p:childTnLst>
+        </p:cTn>
+      </p:par>
+    </p:tnLst>
+    <p:bldLst>
+      <p:bldP spid="2" grpId="0"/>
+    </p:bldLst>
+  </p:timing>
 </p:sld>
 </file>
 
 <file path=ppt/slides/slide11.xml><?xml version="1.0" encoding="utf-8"?>
-<p:sld xmlns:a="http://schemas.openxmlformats.org/drawingml/2006/main" xmlns:r="http://schemas.openxmlformats.org/officeDocument/2006/relationships" xmlns:p="http://schemas.openxmlformats.org/presentationml/2006/main">
-  <p:cSld>
-    <p:bg>
-      <p:bgPr>
-        <a:solidFill>
-          <a:schemeClr val="bg1"/>
-        </a:solidFill>
-        <a:effectLst/>
-      </p:bgPr>
-    </p:bg>
-    <p:spTree>
-      <p:nvGrpSpPr>
-        <p:cNvPr id="1" name=""/>
-        <p:cNvGrpSpPr/>
-        <p:nvPr/>
-      </p:nvGrpSpPr>
-      <p:grpSpPr>
-        <a:xfrm>
-          <a:off x="0" y="0"/>
-          <a:ext cx="0" cy="0"/>
-          <a:chOff x="0" y="0"/>
-          <a:chExt cx="0" cy="0"/>
-        </a:xfrm>
-      </p:grpSpPr>
-      <p:sp>
-        <p:nvSpPr>
-          <p:cNvPr id="9" name="Rectangle 8">
-            <a:extLst>
-              <a:ext uri="{FF2B5EF4-FFF2-40B4-BE49-F238E27FC236}">
-                <a16:creationId xmlns:a16="http://schemas.microsoft.com/office/drawing/2014/main" id="{E8A8EAB8-D2FF-444D-B34B-7D32F106AD0E}"/>
-              </a:ext>
-              <a:ext uri="{C183D7F6-B498-43B3-948B-1728B52AA6E4}">
-                <adec:decorative xmlns:adec="http://schemas.microsoft.com/office/drawing/2017/decorative" val="1"/>
-              </a:ext>
-            </a:extLst>
-          </p:cNvPr>
-          <p:cNvSpPr>
-            <a:spLocks noGrp="1" noRot="1" noChangeAspect="1" noMove="1" noResize="1" noEditPoints="1" noAdjustHandles="1" noChangeArrowheads="1" noChangeShapeType="1" noTextEdit="1"/>
-          </p:cNvSpPr>
-          <p:nvPr>
-            <p:extLst>
-              <p:ext uri="{386F3935-93C4-4BCD-93E2-E3B085C9AB24}">
-                <p16:designElem xmlns:p16="http://schemas.microsoft.com/office/powerpoint/2015/main" val="1"/>
-              </p:ext>
-            </p:extLst>
-          </p:nvPr>
-        </p:nvSpPr>
-        <p:spPr>
-          <a:xfrm>
-            <a:off x="0" y="0"/>
-            <a:ext cx="12192000" cy="6858000"/>
-          </a:xfrm>
-          <a:prstGeom prst="rect">
-            <a:avLst/>
-          </a:prstGeom>
-          <a:solidFill>
-            <a:schemeClr val="tx1">
-              <a:lumMod val="95000"/>
-              <a:lumOff val="5000"/>
-            </a:schemeClr>
-          </a:solidFill>
-          <a:ln>
-            <a:noFill/>
-          </a:ln>
-        </p:spPr>
-        <p:style>
-          <a:lnRef idx="2">
-            <a:schemeClr val="accent1">
-              <a:shade val="50000"/>
-            </a:schemeClr>
-          </a:lnRef>
-          <a:fillRef idx="1">
-            <a:schemeClr val="accent1"/>
-          </a:fillRef>
-          <a:effectRef idx="0">
-            <a:schemeClr val="accent1"/>
-          </a:effectRef>
-          <a:fontRef idx="minor">
-            <a:schemeClr val="lt1"/>
-          </a:fontRef>
-        </p:style>
-        <p:txBody>
-          <a:bodyPr rtlCol="0" anchor="ctr"/>
-          <a:lstStyle/>
-          <a:p>
-            <a:pPr algn="ctr"/>
-            <a:endParaRPr lang="en-US" dirty="0">
-              <a:solidFill>
-                <a:schemeClr val="bg1"/>
-              </a:solidFill>
-            </a:endParaRPr>
-          </a:p>
-        </p:txBody>
-      </p:sp>
-      <p:sp>
-        <p:nvSpPr>
-          <p:cNvPr id="2" name="Cím 1">
-            <a:extLst>
-              <a:ext uri="{FF2B5EF4-FFF2-40B4-BE49-F238E27FC236}">
-                <a16:creationId xmlns:a16="http://schemas.microsoft.com/office/drawing/2014/main" id="{31286A30-67E1-1448-32E9-04BCCB9B7D28}"/>
-              </a:ext>
-            </a:extLst>
-          </p:cNvPr>
-          <p:cNvSpPr>
-            <a:spLocks noGrp="1"/>
-          </p:cNvSpPr>
-          <p:nvPr>
-            <p:ph type="title"/>
-          </p:nvPr>
-        </p:nvSpPr>
-        <p:spPr>
-          <a:xfrm>
-            <a:off x="838200" y="448721"/>
-            <a:ext cx="4707671" cy="1225650"/>
-          </a:xfrm>
-        </p:spPr>
-        <p:txBody>
-          <a:bodyPr anchor="b">
-            <a:normAutofit/>
-          </a:bodyPr>
-          <a:lstStyle/>
-          <a:p>
-            <a:r>
-              <a:rPr lang="hu-HU" sz="2700">
-                <a:solidFill>
-                  <a:schemeClr val="bg1"/>
-                </a:solidFill>
-                <a:ea typeface="+mj-lt"/>
-                <a:cs typeface="+mj-lt"/>
-              </a:rPr>
-              <a:t>Hol használják (szakmák, hol fogják</a:t>
-            </a:r>
-            <a:endParaRPr lang="hu-HU" sz="2700">
-              <a:solidFill>
-                <a:schemeClr val="bg1"/>
-              </a:solidFill>
-            </a:endParaRPr>
-          </a:p>
-          <a:p>
-            <a:r>
-              <a:rPr lang="hu-HU" sz="2700">
-                <a:solidFill>
-                  <a:schemeClr val="bg1"/>
-                </a:solidFill>
-                <a:ea typeface="+mj-lt"/>
-                <a:cs typeface="+mj-lt"/>
-              </a:rPr>
-              <a:t>használni)</a:t>
-            </a:r>
-            <a:endParaRPr lang="hu-HU" sz="2700">
-              <a:solidFill>
-                <a:schemeClr val="bg1"/>
-              </a:solidFill>
-            </a:endParaRPr>
-          </a:p>
-          <a:p>
-            <a:endParaRPr lang="hu-HU" sz="2700">
-              <a:solidFill>
-                <a:schemeClr val="bg1"/>
-              </a:solidFill>
-              <a:cs typeface="Calibri Light"/>
-            </a:endParaRPr>
-          </a:p>
-        </p:txBody>
-      </p:sp>
-      <p:cxnSp>
-        <p:nvCxnSpPr>
-          <p:cNvPr id="11" name="Straight Connector 10">
-            <a:extLst>
-              <a:ext uri="{FF2B5EF4-FFF2-40B4-BE49-F238E27FC236}">
-                <a16:creationId xmlns:a16="http://schemas.microsoft.com/office/drawing/2014/main" id="{EEA38897-7BA3-4408-8083-3235339C4A60}"/>
-              </a:ext>
-              <a:ext uri="{C183D7F6-B498-43B3-948B-1728B52AA6E4}">
-                <adec:decorative xmlns:adec="http://schemas.microsoft.com/office/drawing/2017/decorative" val="1"/>
-              </a:ext>
-            </a:extLst>
-          </p:cNvPr>
-          <p:cNvCxnSpPr>
-            <a:cxnSpLocks noGrp="1" noRot="1" noChangeAspect="1" noMove="1" noResize="1" noEditPoints="1" noAdjustHandles="1" noChangeArrowheads="1" noChangeShapeType="1"/>
-          </p:cNvCxnSpPr>
-          <p:nvPr>
-            <p:extLst>
-              <p:ext uri="{386F3935-93C4-4BCD-93E2-E3B085C9AB24}">
-                <p16:designElem xmlns:p16="http://schemas.microsoft.com/office/powerpoint/2015/main" val="1"/>
-              </p:ext>
-            </p:extLst>
-          </p:nvPr>
-        </p:nvCxnSpPr>
-        <p:spPr>
-          <a:xfrm flipH="1">
-            <a:off x="831873" y="1749756"/>
-            <a:ext cx="4718304" cy="0"/>
-          </a:xfrm>
-          <a:prstGeom prst="line">
-            <a:avLst/>
-          </a:prstGeom>
-          <a:ln w="12700">
-            <a:solidFill>
-              <a:schemeClr val="accent2"/>
-            </a:solidFill>
-          </a:ln>
-        </p:spPr>
-        <p:style>
-          <a:lnRef idx="1">
-            <a:schemeClr val="accent1"/>
-          </a:lnRef>
-          <a:fillRef idx="0">
-            <a:schemeClr val="accent1"/>
-          </a:fillRef>
-          <a:effectRef idx="0">
-            <a:schemeClr val="accent1"/>
-          </a:effectRef>
-          <a:fontRef idx="minor">
-            <a:schemeClr val="tx1"/>
-          </a:fontRef>
-        </p:style>
-      </p:cxnSp>
-      <p:sp>
-        <p:nvSpPr>
-          <p:cNvPr id="3" name="Tartalom helye 2">
-            <a:extLst>
-              <a:ext uri="{FF2B5EF4-FFF2-40B4-BE49-F238E27FC236}">
-                <a16:creationId xmlns:a16="http://schemas.microsoft.com/office/drawing/2014/main" id="{85C627D2-0285-7499-F573-29AB611B7ABE}"/>
-              </a:ext>
-            </a:extLst>
-          </p:cNvPr>
-          <p:cNvSpPr>
-            <a:spLocks noGrp="1"/>
-          </p:cNvSpPr>
-          <p:nvPr>
-            <p:ph idx="1"/>
-          </p:nvPr>
-        </p:nvSpPr>
-        <p:spPr>
-          <a:xfrm>
-            <a:off x="897769" y="1909192"/>
-            <a:ext cx="4586513" cy="3647710"/>
-          </a:xfrm>
-        </p:spPr>
-        <p:txBody>
-          <a:bodyPr vert="horz" lIns="91440" tIns="45720" rIns="91440" bIns="45720" rtlCol="0">
-            <a:normAutofit/>
-          </a:bodyPr>
-          <a:lstStyle/>
-          <a:p>
-            <a:r>
-              <a:rPr lang="hu-HU" sz="2000">
-                <a:solidFill>
-                  <a:schemeClr val="bg1"/>
-                </a:solidFill>
-                <a:cs typeface="Calibri"/>
-              </a:rPr>
-              <a:t>Autógyártók pl Tesla: önvezetés, biztonság</a:t>
-            </a:r>
-          </a:p>
-          <a:p>
-            <a:r>
-              <a:rPr lang="hu-HU" sz="2000">
-                <a:solidFill>
-                  <a:schemeClr val="bg1"/>
-                </a:solidFill>
-                <a:cs typeface="Calibri"/>
-              </a:rPr>
-              <a:t>Egészségügy</a:t>
-            </a:r>
-          </a:p>
-          <a:p>
-            <a:r>
-              <a:rPr lang="hu-HU" sz="2000">
-                <a:solidFill>
-                  <a:schemeClr val="bg1"/>
-                </a:solidFill>
-                <a:latin typeface="Calibri"/>
-                <a:cs typeface="Calibri"/>
-              </a:rPr>
-              <a:t>Online vásárlás és hirdetések</a:t>
-            </a:r>
-          </a:p>
-          <a:p>
-            <a:r>
-              <a:rPr lang="hu-HU" sz="2000">
-                <a:solidFill>
-                  <a:schemeClr val="bg1"/>
-                </a:solidFill>
-                <a:latin typeface="Calibri"/>
-                <a:cs typeface="Calibri"/>
-              </a:rPr>
-              <a:t>Digitális személyi asszisztensek</a:t>
-            </a:r>
-          </a:p>
-          <a:p>
-            <a:r>
-              <a:rPr lang="hu-HU" sz="2000">
-                <a:solidFill>
-                  <a:schemeClr val="bg1"/>
-                </a:solidFill>
-                <a:latin typeface="Calibri"/>
-                <a:cs typeface="Calibri"/>
-              </a:rPr>
-              <a:t>Kiberbiztonság</a:t>
-            </a:r>
-          </a:p>
-          <a:p>
-            <a:r>
-              <a:rPr lang="hu-HU" sz="2000">
-                <a:solidFill>
-                  <a:schemeClr val="bg1"/>
-                </a:solidFill>
-                <a:latin typeface="Calibri"/>
-                <a:cs typeface="Calibri"/>
-              </a:rPr>
-              <a:t>Gyártók termelésének hatékonysága</a:t>
-            </a:r>
-          </a:p>
-          <a:p>
-            <a:endParaRPr lang="hu-HU" sz="2000">
-              <a:solidFill>
-                <a:schemeClr val="bg1"/>
-              </a:solidFill>
-              <a:latin typeface="Calibri"/>
-              <a:cs typeface="Calibri"/>
-            </a:endParaRPr>
-          </a:p>
-          <a:p>
-            <a:endParaRPr lang="hu-HU" sz="2000">
-              <a:solidFill>
-                <a:schemeClr val="bg1"/>
-              </a:solidFill>
-              <a:latin typeface="Calibri"/>
-              <a:cs typeface="Calibri"/>
-            </a:endParaRPr>
-          </a:p>
-        </p:txBody>
-      </p:sp>
-      <p:cxnSp>
-        <p:nvCxnSpPr>
-          <p:cNvPr id="13" name="Straight Connector 12">
-            <a:extLst>
-              <a:ext uri="{FF2B5EF4-FFF2-40B4-BE49-F238E27FC236}">
-                <a16:creationId xmlns:a16="http://schemas.microsoft.com/office/drawing/2014/main" id="{F11AD06B-AB20-4097-8606-5DA00DBACE88}"/>
-              </a:ext>
-              <a:ext uri="{C183D7F6-B498-43B3-948B-1728B52AA6E4}">
-                <adec:decorative xmlns:adec="http://schemas.microsoft.com/office/drawing/2017/decorative" val="1"/>
-              </a:ext>
-            </a:extLst>
-          </p:cNvPr>
-          <p:cNvCxnSpPr>
-            <a:cxnSpLocks noGrp="1" noRot="1" noChangeAspect="1" noMove="1" noResize="1" noEditPoints="1" noAdjustHandles="1" noChangeArrowheads="1" noChangeShapeType="1"/>
-          </p:cNvCxnSpPr>
-          <p:nvPr>
-            <p:extLst>
-              <p:ext uri="{386F3935-93C4-4BCD-93E2-E3B085C9AB24}">
-                <p16:designElem xmlns:p16="http://schemas.microsoft.com/office/powerpoint/2015/main" val="1"/>
-              </p:ext>
-            </p:extLst>
-          </p:nvPr>
-        </p:nvCxnSpPr>
-        <p:spPr>
-          <a:xfrm flipH="1">
-            <a:off x="834027" y="5707672"/>
-            <a:ext cx="4713997" cy="0"/>
-          </a:xfrm>
-          <a:prstGeom prst="line">
-            <a:avLst/>
-          </a:prstGeom>
-          <a:ln w="12700">
-            <a:solidFill>
-              <a:schemeClr val="accent2"/>
-            </a:solidFill>
-          </a:ln>
-        </p:spPr>
-        <p:style>
-          <a:lnRef idx="1">
-            <a:schemeClr val="accent1"/>
-          </a:lnRef>
-          <a:fillRef idx="0">
-            <a:schemeClr val="accent1"/>
-          </a:fillRef>
-          <a:effectRef idx="0">
-            <a:schemeClr val="accent1"/>
-          </a:effectRef>
-          <a:fontRef idx="minor">
-            <a:schemeClr val="tx1"/>
-          </a:fontRef>
-        </p:style>
-      </p:cxnSp>
-      <p:pic>
-        <p:nvPicPr>
-          <p:cNvPr id="4" name="Kép 3" descr="A számítógépek menthetik meg az emberiséget a betegségektől? Mutatjuk a  legújabb eredményeket! - Portfolio.hu">
-            <a:extLst>
-              <a:ext uri="{FF2B5EF4-FFF2-40B4-BE49-F238E27FC236}">
-                <a16:creationId xmlns:a16="http://schemas.microsoft.com/office/drawing/2014/main" id="{9D731A13-39E7-4AF2-AB5C-5445BA370CA2}"/>
-              </a:ext>
-            </a:extLst>
-          </p:cNvPr>
-          <p:cNvPicPr>
-            <a:picLocks noChangeAspect="1"/>
-          </p:cNvPicPr>
-          <p:nvPr/>
-        </p:nvPicPr>
-        <p:blipFill>
-          <a:blip r:embed="rId2"/>
-          <a:stretch>
-            <a:fillRect/>
-          </a:stretch>
-        </p:blipFill>
-        <p:spPr>
-          <a:xfrm>
-            <a:off x="6525453" y="1835284"/>
-            <a:ext cx="5666547" cy="3187432"/>
-          </a:xfrm>
-          <a:prstGeom prst="rect">
-            <a:avLst/>
-          </a:prstGeom>
-        </p:spPr>
-      </p:pic>
-    </p:spTree>
-    <p:extLst>
-      <p:ext uri="{BB962C8B-B14F-4D97-AF65-F5344CB8AC3E}">
-        <p14:creationId xmlns:p14="http://schemas.microsoft.com/office/powerpoint/2010/main" val="1400712029"/>
-      </p:ext>
-    </p:extLst>
-  </p:cSld>
-  <p:clrMapOvr>
-    <a:masterClrMapping/>
-  </p:clrMapOvr>
-</p:sld>
-</file>
-
-<file path=ppt/slides/slide12.xml><?xml version="1.0" encoding="utf-8"?>
 <p:sld xmlns:a="http://schemas.openxmlformats.org/drawingml/2006/main" xmlns:r="http://schemas.openxmlformats.org/officeDocument/2006/relationships" xmlns:p="http://schemas.openxmlformats.org/presentationml/2006/main">
   <p:cSld>
     <p:bg>
@@ -14637,6 +14282,909 @@
   <p:clrMapOvr>
     <a:masterClrMapping/>
   </p:clrMapOvr>
+  <p:timing>
+    <p:tnLst>
+      <p:par>
+        <p:cTn id="1" dur="indefinite" restart="never" nodeType="tmRoot">
+          <p:childTnLst>
+            <p:seq concurrent="1" nextAc="seek">
+              <p:cTn id="2" dur="indefinite" nodeType="mainSeq">
+                <p:childTnLst>
+                  <p:par>
+                    <p:cTn id="3" fill="hold">
+                      <p:stCondLst>
+                        <p:cond delay="indefinite"/>
+                      </p:stCondLst>
+                      <p:childTnLst>
+                        <p:par>
+                          <p:cTn id="4" fill="hold">
+                            <p:stCondLst>
+                              <p:cond delay="0"/>
+                            </p:stCondLst>
+                            <p:childTnLst>
+                              <p:par>
+                                <p:cTn id="5" presetID="1" presetClass="entr" presetSubtype="0" fill="hold" grpId="0" nodeType="clickEffect">
+                                  <p:stCondLst>
+                                    <p:cond delay="0"/>
+                                  </p:stCondLst>
+                                  <p:childTnLst>
+                                    <p:set>
+                                      <p:cBhvr>
+                                        <p:cTn id="6" dur="1" fill="hold">
+                                          <p:stCondLst>
+                                            <p:cond delay="0"/>
+                                          </p:stCondLst>
+                                        </p:cTn>
+                                        <p:tgtEl>
+                                          <p:spTgt spid="2"/>
+                                        </p:tgtEl>
+                                        <p:attrNameLst>
+                                          <p:attrName>style.visibility</p:attrName>
+                                        </p:attrNameLst>
+                                      </p:cBhvr>
+                                      <p:to>
+                                        <p:strVal val="visible"/>
+                                      </p:to>
+                                    </p:set>
+                                  </p:childTnLst>
+                                </p:cTn>
+                              </p:par>
+                            </p:childTnLst>
+                          </p:cTn>
+                        </p:par>
+                      </p:childTnLst>
+                    </p:cTn>
+                  </p:par>
+                  <p:par>
+                    <p:cTn id="7" fill="hold">
+                      <p:stCondLst>
+                        <p:cond delay="indefinite"/>
+                      </p:stCondLst>
+                      <p:childTnLst>
+                        <p:par>
+                          <p:cTn id="8" fill="hold">
+                            <p:stCondLst>
+                              <p:cond delay="0"/>
+                            </p:stCondLst>
+                            <p:childTnLst>
+                              <p:par>
+                                <p:cTn id="9" presetID="1" presetClass="entr" presetSubtype="0" fill="hold" grpId="0" nodeType="clickEffect">
+                                  <p:stCondLst>
+                                    <p:cond delay="0"/>
+                                  </p:stCondLst>
+                                  <p:childTnLst>
+                                    <p:set>
+                                      <p:cBhvr>
+                                        <p:cTn id="10" dur="1" fill="hold">
+                                          <p:stCondLst>
+                                            <p:cond delay="0"/>
+                                          </p:stCondLst>
+                                        </p:cTn>
+                                        <p:tgtEl>
+                                          <p:spTgt spid="3">
+                                            <p:txEl>
+                                              <p:pRg st="0" end="0"/>
+                                            </p:txEl>
+                                          </p:spTgt>
+                                        </p:tgtEl>
+                                        <p:attrNameLst>
+                                          <p:attrName>style.visibility</p:attrName>
+                                        </p:attrNameLst>
+                                      </p:cBhvr>
+                                      <p:to>
+                                        <p:strVal val="visible"/>
+                                      </p:to>
+                                    </p:set>
+                                  </p:childTnLst>
+                                </p:cTn>
+                              </p:par>
+                              <p:par>
+                                <p:cTn id="11" presetID="1" presetClass="entr" presetSubtype="0" fill="hold" grpId="0" nodeType="withEffect">
+                                  <p:stCondLst>
+                                    <p:cond delay="0"/>
+                                  </p:stCondLst>
+                                  <p:childTnLst>
+                                    <p:set>
+                                      <p:cBhvr>
+                                        <p:cTn id="12" dur="1" fill="hold">
+                                          <p:stCondLst>
+                                            <p:cond delay="0"/>
+                                          </p:stCondLst>
+                                        </p:cTn>
+                                        <p:tgtEl>
+                                          <p:spTgt spid="3">
+                                            <p:txEl>
+                                              <p:pRg st="1" end="1"/>
+                                            </p:txEl>
+                                          </p:spTgt>
+                                        </p:tgtEl>
+                                        <p:attrNameLst>
+                                          <p:attrName>style.visibility</p:attrName>
+                                        </p:attrNameLst>
+                                      </p:cBhvr>
+                                      <p:to>
+                                        <p:strVal val="visible"/>
+                                      </p:to>
+                                    </p:set>
+                                  </p:childTnLst>
+                                </p:cTn>
+                              </p:par>
+                              <p:par>
+                                <p:cTn id="13" presetID="1" presetClass="entr" presetSubtype="0" fill="hold" grpId="0" nodeType="withEffect">
+                                  <p:stCondLst>
+                                    <p:cond delay="0"/>
+                                  </p:stCondLst>
+                                  <p:childTnLst>
+                                    <p:set>
+                                      <p:cBhvr>
+                                        <p:cTn id="14" dur="1" fill="hold">
+                                          <p:stCondLst>
+                                            <p:cond delay="0"/>
+                                          </p:stCondLst>
+                                        </p:cTn>
+                                        <p:tgtEl>
+                                          <p:spTgt spid="3">
+                                            <p:txEl>
+                                              <p:pRg st="2" end="2"/>
+                                            </p:txEl>
+                                          </p:spTgt>
+                                        </p:tgtEl>
+                                        <p:attrNameLst>
+                                          <p:attrName>style.visibility</p:attrName>
+                                        </p:attrNameLst>
+                                      </p:cBhvr>
+                                      <p:to>
+                                        <p:strVal val="visible"/>
+                                      </p:to>
+                                    </p:set>
+                                  </p:childTnLst>
+                                </p:cTn>
+                              </p:par>
+                            </p:childTnLst>
+                          </p:cTn>
+                        </p:par>
+                      </p:childTnLst>
+                    </p:cTn>
+                  </p:par>
+                </p:childTnLst>
+              </p:cTn>
+              <p:prevCondLst>
+                <p:cond evt="onPrev" delay="0">
+                  <p:tgtEl>
+                    <p:sldTgt/>
+                  </p:tgtEl>
+                </p:cond>
+              </p:prevCondLst>
+              <p:nextCondLst>
+                <p:cond evt="onNext" delay="0">
+                  <p:tgtEl>
+                    <p:sldTgt/>
+                  </p:tgtEl>
+                </p:cond>
+              </p:nextCondLst>
+            </p:seq>
+          </p:childTnLst>
+        </p:cTn>
+      </p:par>
+    </p:tnLst>
+    <p:bldLst>
+      <p:bldP spid="2" grpId="0"/>
+      <p:bldP spid="3" grpId="0" build="allAtOnce"/>
+    </p:bldLst>
+  </p:timing>
+</p:sld>
+</file>
+
+<file path=ppt/slides/slide12.xml><?xml version="1.0" encoding="utf-8"?>
+<p:sld xmlns:a="http://schemas.openxmlformats.org/drawingml/2006/main" xmlns:r="http://schemas.openxmlformats.org/officeDocument/2006/relationships" xmlns:p="http://schemas.openxmlformats.org/presentationml/2006/main">
+  <p:cSld>
+    <p:bg>
+      <p:bgPr>
+        <a:solidFill>
+          <a:schemeClr val="bg1"/>
+        </a:solidFill>
+        <a:effectLst/>
+      </p:bgPr>
+    </p:bg>
+    <p:spTree>
+      <p:nvGrpSpPr>
+        <p:cNvPr id="1" name=""/>
+        <p:cNvGrpSpPr/>
+        <p:nvPr/>
+      </p:nvGrpSpPr>
+      <p:grpSpPr>
+        <a:xfrm>
+          <a:off x="0" y="0"/>
+          <a:ext cx="0" cy="0"/>
+          <a:chOff x="0" y="0"/>
+          <a:chExt cx="0" cy="0"/>
+        </a:xfrm>
+      </p:grpSpPr>
+      <p:sp>
+        <p:nvSpPr>
+          <p:cNvPr id="9" name="Rectangle 8">
+            <a:extLst>
+              <a:ext uri="{FF2B5EF4-FFF2-40B4-BE49-F238E27FC236}">
+                <a16:creationId xmlns:a16="http://schemas.microsoft.com/office/drawing/2014/main" id="{E8A8EAB8-D2FF-444D-B34B-7D32F106AD0E}"/>
+              </a:ext>
+              <a:ext uri="{C183D7F6-B498-43B3-948B-1728B52AA6E4}">
+                <adec:decorative xmlns:adec="http://schemas.microsoft.com/office/drawing/2017/decorative" val="1"/>
+              </a:ext>
+            </a:extLst>
+          </p:cNvPr>
+          <p:cNvSpPr>
+            <a:spLocks noGrp="1" noRot="1" noChangeAspect="1" noMove="1" noResize="1" noEditPoints="1" noAdjustHandles="1" noChangeArrowheads="1" noChangeShapeType="1" noTextEdit="1"/>
+          </p:cNvSpPr>
+          <p:nvPr>
+            <p:extLst>
+              <p:ext uri="{386F3935-93C4-4BCD-93E2-E3B085C9AB24}">
+                <p16:designElem xmlns:p16="http://schemas.microsoft.com/office/powerpoint/2015/main" val="1"/>
+              </p:ext>
+            </p:extLst>
+          </p:nvPr>
+        </p:nvSpPr>
+        <p:spPr>
+          <a:xfrm>
+            <a:off x="0" y="0"/>
+            <a:ext cx="12192000" cy="6858000"/>
+          </a:xfrm>
+          <a:prstGeom prst="rect">
+            <a:avLst/>
+          </a:prstGeom>
+          <a:solidFill>
+            <a:schemeClr val="tx1">
+              <a:lumMod val="95000"/>
+              <a:lumOff val="5000"/>
+            </a:schemeClr>
+          </a:solidFill>
+          <a:ln>
+            <a:noFill/>
+          </a:ln>
+        </p:spPr>
+        <p:style>
+          <a:lnRef idx="2">
+            <a:schemeClr val="accent1">
+              <a:shade val="50000"/>
+            </a:schemeClr>
+          </a:lnRef>
+          <a:fillRef idx="1">
+            <a:schemeClr val="accent1"/>
+          </a:fillRef>
+          <a:effectRef idx="0">
+            <a:schemeClr val="accent1"/>
+          </a:effectRef>
+          <a:fontRef idx="minor">
+            <a:schemeClr val="lt1"/>
+          </a:fontRef>
+        </p:style>
+        <p:txBody>
+          <a:bodyPr rtlCol="0" anchor="ctr"/>
+          <a:lstStyle/>
+          <a:p>
+            <a:pPr algn="ctr"/>
+            <a:endParaRPr lang="en-US">
+              <a:solidFill>
+                <a:schemeClr val="bg1"/>
+              </a:solidFill>
+            </a:endParaRPr>
+          </a:p>
+        </p:txBody>
+      </p:sp>
+      <p:sp>
+        <p:nvSpPr>
+          <p:cNvPr id="2" name="Cím 1">
+            <a:extLst>
+              <a:ext uri="{FF2B5EF4-FFF2-40B4-BE49-F238E27FC236}">
+                <a16:creationId xmlns:a16="http://schemas.microsoft.com/office/drawing/2014/main" id="{31286A30-67E1-1448-32E9-04BCCB9B7D28}"/>
+              </a:ext>
+            </a:extLst>
+          </p:cNvPr>
+          <p:cNvSpPr>
+            <a:spLocks noGrp="1"/>
+          </p:cNvSpPr>
+          <p:nvPr>
+            <p:ph type="title"/>
+          </p:nvPr>
+        </p:nvSpPr>
+        <p:spPr>
+          <a:xfrm>
+            <a:off x="838200" y="448721"/>
+            <a:ext cx="4707671" cy="1225650"/>
+          </a:xfrm>
+        </p:spPr>
+        <p:txBody>
+          <a:bodyPr anchor="b">
+            <a:normAutofit/>
+          </a:bodyPr>
+          <a:lstStyle/>
+          <a:p>
+            <a:r>
+              <a:rPr lang="hu-HU" sz="2700">
+                <a:solidFill>
+                  <a:schemeClr val="bg1"/>
+                </a:solidFill>
+                <a:ea typeface="+mj-lt"/>
+                <a:cs typeface="+mj-lt"/>
+              </a:rPr>
+              <a:t>Hol használják (szakmák, hol fogják</a:t>
+            </a:r>
+            <a:endParaRPr lang="hu-HU" sz="2700">
+              <a:solidFill>
+                <a:schemeClr val="bg1"/>
+              </a:solidFill>
+            </a:endParaRPr>
+          </a:p>
+          <a:p>
+            <a:r>
+              <a:rPr lang="hu-HU" sz="2700">
+                <a:solidFill>
+                  <a:schemeClr val="bg1"/>
+                </a:solidFill>
+                <a:ea typeface="+mj-lt"/>
+                <a:cs typeface="+mj-lt"/>
+              </a:rPr>
+              <a:t>használni)</a:t>
+            </a:r>
+            <a:endParaRPr lang="hu-HU" sz="2700">
+              <a:solidFill>
+                <a:schemeClr val="bg1"/>
+              </a:solidFill>
+            </a:endParaRPr>
+          </a:p>
+          <a:p>
+            <a:endParaRPr lang="hu-HU" sz="2700">
+              <a:solidFill>
+                <a:schemeClr val="bg1"/>
+              </a:solidFill>
+              <a:cs typeface="Calibri Light"/>
+            </a:endParaRPr>
+          </a:p>
+        </p:txBody>
+      </p:sp>
+      <p:cxnSp>
+        <p:nvCxnSpPr>
+          <p:cNvPr id="11" name="Straight Connector 10">
+            <a:extLst>
+              <a:ext uri="{FF2B5EF4-FFF2-40B4-BE49-F238E27FC236}">
+                <a16:creationId xmlns:a16="http://schemas.microsoft.com/office/drawing/2014/main" id="{EEA38897-7BA3-4408-8083-3235339C4A60}"/>
+              </a:ext>
+              <a:ext uri="{C183D7F6-B498-43B3-948B-1728B52AA6E4}">
+                <adec:decorative xmlns:adec="http://schemas.microsoft.com/office/drawing/2017/decorative" val="1"/>
+              </a:ext>
+            </a:extLst>
+          </p:cNvPr>
+          <p:cNvCxnSpPr>
+            <a:cxnSpLocks noGrp="1" noRot="1" noChangeAspect="1" noMove="1" noResize="1" noEditPoints="1" noAdjustHandles="1" noChangeArrowheads="1" noChangeShapeType="1"/>
+          </p:cNvCxnSpPr>
+          <p:nvPr>
+            <p:extLst>
+              <p:ext uri="{386F3935-93C4-4BCD-93E2-E3B085C9AB24}">
+                <p16:designElem xmlns:p16="http://schemas.microsoft.com/office/powerpoint/2015/main" val="1"/>
+              </p:ext>
+            </p:extLst>
+          </p:nvPr>
+        </p:nvCxnSpPr>
+        <p:spPr>
+          <a:xfrm flipH="1">
+            <a:off x="831873" y="1749756"/>
+            <a:ext cx="4718304" cy="0"/>
+          </a:xfrm>
+          <a:prstGeom prst="line">
+            <a:avLst/>
+          </a:prstGeom>
+          <a:ln w="12700">
+            <a:solidFill>
+              <a:schemeClr val="accent2"/>
+            </a:solidFill>
+          </a:ln>
+        </p:spPr>
+        <p:style>
+          <a:lnRef idx="1">
+            <a:schemeClr val="accent1"/>
+          </a:lnRef>
+          <a:fillRef idx="0">
+            <a:schemeClr val="accent1"/>
+          </a:fillRef>
+          <a:effectRef idx="0">
+            <a:schemeClr val="accent1"/>
+          </a:effectRef>
+          <a:fontRef idx="minor">
+            <a:schemeClr val="tx1"/>
+          </a:fontRef>
+        </p:style>
+      </p:cxnSp>
+      <p:sp>
+        <p:nvSpPr>
+          <p:cNvPr id="3" name="Tartalom helye 2">
+            <a:extLst>
+              <a:ext uri="{FF2B5EF4-FFF2-40B4-BE49-F238E27FC236}">
+                <a16:creationId xmlns:a16="http://schemas.microsoft.com/office/drawing/2014/main" id="{85C627D2-0285-7499-F573-29AB611B7ABE}"/>
+              </a:ext>
+            </a:extLst>
+          </p:cNvPr>
+          <p:cNvSpPr>
+            <a:spLocks noGrp="1"/>
+          </p:cNvSpPr>
+          <p:nvPr>
+            <p:ph idx="1"/>
+          </p:nvPr>
+        </p:nvSpPr>
+        <p:spPr>
+          <a:xfrm>
+            <a:off x="897769" y="1909192"/>
+            <a:ext cx="4586513" cy="3647710"/>
+          </a:xfrm>
+        </p:spPr>
+        <p:txBody>
+          <a:bodyPr vert="horz" lIns="91440" tIns="45720" rIns="91440" bIns="45720" rtlCol="0">
+            <a:normAutofit/>
+          </a:bodyPr>
+          <a:lstStyle/>
+          <a:p>
+            <a:r>
+              <a:rPr lang="hu-HU" sz="2000">
+                <a:solidFill>
+                  <a:schemeClr val="bg1"/>
+                </a:solidFill>
+                <a:cs typeface="Calibri"/>
+              </a:rPr>
+              <a:t>Autógyártók pl Tesla: önvezetés, biztonság</a:t>
+            </a:r>
+          </a:p>
+          <a:p>
+            <a:r>
+              <a:rPr lang="hu-HU" sz="2000">
+                <a:solidFill>
+                  <a:schemeClr val="bg1"/>
+                </a:solidFill>
+                <a:cs typeface="Calibri"/>
+              </a:rPr>
+              <a:t>Egészségügy</a:t>
+            </a:r>
+          </a:p>
+          <a:p>
+            <a:r>
+              <a:rPr lang="hu-HU" sz="2000">
+                <a:solidFill>
+                  <a:schemeClr val="bg1"/>
+                </a:solidFill>
+                <a:latin typeface="Calibri"/>
+                <a:cs typeface="Calibri"/>
+              </a:rPr>
+              <a:t>Online vásárlás és hirdetések</a:t>
+            </a:r>
+          </a:p>
+          <a:p>
+            <a:r>
+              <a:rPr lang="hu-HU" sz="2000">
+                <a:solidFill>
+                  <a:schemeClr val="bg1"/>
+                </a:solidFill>
+                <a:latin typeface="Calibri"/>
+                <a:cs typeface="Calibri"/>
+              </a:rPr>
+              <a:t>Digitális személyi asszisztensek</a:t>
+            </a:r>
+          </a:p>
+          <a:p>
+            <a:r>
+              <a:rPr lang="hu-HU" sz="2000">
+                <a:solidFill>
+                  <a:schemeClr val="bg1"/>
+                </a:solidFill>
+                <a:latin typeface="Calibri"/>
+                <a:cs typeface="Calibri"/>
+              </a:rPr>
+              <a:t>Kiberbiztonság</a:t>
+            </a:r>
+          </a:p>
+          <a:p>
+            <a:r>
+              <a:rPr lang="hu-HU" sz="2000">
+                <a:solidFill>
+                  <a:schemeClr val="bg1"/>
+                </a:solidFill>
+                <a:latin typeface="Calibri"/>
+                <a:cs typeface="Calibri"/>
+              </a:rPr>
+              <a:t>Gyártók termelésének hatékonysága</a:t>
+            </a:r>
+          </a:p>
+          <a:p>
+            <a:endParaRPr lang="hu-HU" sz="2000">
+              <a:solidFill>
+                <a:schemeClr val="bg1"/>
+              </a:solidFill>
+              <a:latin typeface="Calibri"/>
+              <a:cs typeface="Calibri"/>
+            </a:endParaRPr>
+          </a:p>
+          <a:p>
+            <a:endParaRPr lang="hu-HU" sz="2000">
+              <a:solidFill>
+                <a:schemeClr val="bg1"/>
+              </a:solidFill>
+              <a:latin typeface="Calibri"/>
+              <a:cs typeface="Calibri"/>
+            </a:endParaRPr>
+          </a:p>
+        </p:txBody>
+      </p:sp>
+      <p:cxnSp>
+        <p:nvCxnSpPr>
+          <p:cNvPr id="13" name="Straight Connector 12">
+            <a:extLst>
+              <a:ext uri="{FF2B5EF4-FFF2-40B4-BE49-F238E27FC236}">
+                <a16:creationId xmlns:a16="http://schemas.microsoft.com/office/drawing/2014/main" id="{F11AD06B-AB20-4097-8606-5DA00DBACE88}"/>
+              </a:ext>
+              <a:ext uri="{C183D7F6-B498-43B3-948B-1728B52AA6E4}">
+                <adec:decorative xmlns:adec="http://schemas.microsoft.com/office/drawing/2017/decorative" val="1"/>
+              </a:ext>
+            </a:extLst>
+          </p:cNvPr>
+          <p:cNvCxnSpPr>
+            <a:cxnSpLocks noGrp="1" noRot="1" noChangeAspect="1" noMove="1" noResize="1" noEditPoints="1" noAdjustHandles="1" noChangeArrowheads="1" noChangeShapeType="1"/>
+          </p:cNvCxnSpPr>
+          <p:nvPr>
+            <p:extLst>
+              <p:ext uri="{386F3935-93C4-4BCD-93E2-E3B085C9AB24}">
+                <p16:designElem xmlns:p16="http://schemas.microsoft.com/office/powerpoint/2015/main" val="1"/>
+              </p:ext>
+            </p:extLst>
+          </p:nvPr>
+        </p:nvCxnSpPr>
+        <p:spPr>
+          <a:xfrm flipH="1">
+            <a:off x="834027" y="5707672"/>
+            <a:ext cx="4713997" cy="0"/>
+          </a:xfrm>
+          <a:prstGeom prst="line">
+            <a:avLst/>
+          </a:prstGeom>
+          <a:ln w="12700">
+            <a:solidFill>
+              <a:schemeClr val="accent2"/>
+            </a:solidFill>
+          </a:ln>
+        </p:spPr>
+        <p:style>
+          <a:lnRef idx="1">
+            <a:schemeClr val="accent1"/>
+          </a:lnRef>
+          <a:fillRef idx="0">
+            <a:schemeClr val="accent1"/>
+          </a:fillRef>
+          <a:effectRef idx="0">
+            <a:schemeClr val="accent1"/>
+          </a:effectRef>
+          <a:fontRef idx="minor">
+            <a:schemeClr val="tx1"/>
+          </a:fontRef>
+        </p:style>
+      </p:cxnSp>
+      <p:pic>
+        <p:nvPicPr>
+          <p:cNvPr id="4" name="Kép 3" descr="A számítógépek menthetik meg az emberiséget a betegségektől? Mutatjuk a  legújabb eredményeket! - Portfolio.hu">
+            <a:extLst>
+              <a:ext uri="{FF2B5EF4-FFF2-40B4-BE49-F238E27FC236}">
+                <a16:creationId xmlns:a16="http://schemas.microsoft.com/office/drawing/2014/main" id="{9D731A13-39E7-4AF2-AB5C-5445BA370CA2}"/>
+              </a:ext>
+            </a:extLst>
+          </p:cNvPr>
+          <p:cNvPicPr>
+            <a:picLocks noChangeAspect="1"/>
+          </p:cNvPicPr>
+          <p:nvPr/>
+        </p:nvPicPr>
+        <p:blipFill>
+          <a:blip r:embed="rId2"/>
+          <a:stretch>
+            <a:fillRect/>
+          </a:stretch>
+        </p:blipFill>
+        <p:spPr>
+          <a:xfrm>
+            <a:off x="6525453" y="1835284"/>
+            <a:ext cx="5666547" cy="3187432"/>
+          </a:xfrm>
+          <a:prstGeom prst="rect">
+            <a:avLst/>
+          </a:prstGeom>
+        </p:spPr>
+      </p:pic>
+    </p:spTree>
+    <p:extLst>
+      <p:ext uri="{BB962C8B-B14F-4D97-AF65-F5344CB8AC3E}">
+        <p14:creationId xmlns:p14="http://schemas.microsoft.com/office/powerpoint/2010/main" val="1400712029"/>
+      </p:ext>
+    </p:extLst>
+  </p:cSld>
+  <p:clrMapOvr>
+    <a:masterClrMapping/>
+  </p:clrMapOvr>
+  <p:timing>
+    <p:tnLst>
+      <p:par>
+        <p:cTn id="1" dur="indefinite" restart="never" nodeType="tmRoot">
+          <p:childTnLst>
+            <p:seq concurrent="1" nextAc="seek">
+              <p:cTn id="2" dur="indefinite" nodeType="mainSeq">
+                <p:childTnLst>
+                  <p:par>
+                    <p:cTn id="3" fill="hold">
+                      <p:stCondLst>
+                        <p:cond delay="indefinite"/>
+                      </p:stCondLst>
+                      <p:childTnLst>
+                        <p:par>
+                          <p:cTn id="4" fill="hold">
+                            <p:stCondLst>
+                              <p:cond delay="0"/>
+                            </p:stCondLst>
+                            <p:childTnLst>
+                              <p:par>
+                                <p:cTn id="5" presetID="1" presetClass="entr" presetSubtype="0" fill="hold" grpId="0" nodeType="clickEffect">
+                                  <p:stCondLst>
+                                    <p:cond delay="0"/>
+                                  </p:stCondLst>
+                                  <p:childTnLst>
+                                    <p:set>
+                                      <p:cBhvr>
+                                        <p:cTn id="6" dur="1" fill="hold">
+                                          <p:stCondLst>
+                                            <p:cond delay="0"/>
+                                          </p:stCondLst>
+                                        </p:cTn>
+                                        <p:tgtEl>
+                                          <p:spTgt spid="2"/>
+                                        </p:tgtEl>
+                                        <p:attrNameLst>
+                                          <p:attrName>style.visibility</p:attrName>
+                                        </p:attrNameLst>
+                                      </p:cBhvr>
+                                      <p:to>
+                                        <p:strVal val="visible"/>
+                                      </p:to>
+                                    </p:set>
+                                  </p:childTnLst>
+                                </p:cTn>
+                              </p:par>
+                            </p:childTnLst>
+                          </p:cTn>
+                        </p:par>
+                      </p:childTnLst>
+                    </p:cTn>
+                  </p:par>
+                  <p:par>
+                    <p:cTn id="7" fill="hold">
+                      <p:stCondLst>
+                        <p:cond delay="indefinite"/>
+                      </p:stCondLst>
+                      <p:childTnLst>
+                        <p:par>
+                          <p:cTn id="8" fill="hold">
+                            <p:stCondLst>
+                              <p:cond delay="0"/>
+                            </p:stCondLst>
+                            <p:childTnLst>
+                              <p:par>
+                                <p:cTn id="9" presetID="1" presetClass="entr" presetSubtype="0" fill="hold" grpId="0" nodeType="clickEffect">
+                                  <p:stCondLst>
+                                    <p:cond delay="0"/>
+                                  </p:stCondLst>
+                                  <p:childTnLst>
+                                    <p:set>
+                                      <p:cBhvr>
+                                        <p:cTn id="10" dur="1" fill="hold">
+                                          <p:stCondLst>
+                                            <p:cond delay="0"/>
+                                          </p:stCondLst>
+                                        </p:cTn>
+                                        <p:tgtEl>
+                                          <p:spTgt spid="3">
+                                            <p:txEl>
+                                              <p:pRg st="0" end="0"/>
+                                            </p:txEl>
+                                          </p:spTgt>
+                                        </p:tgtEl>
+                                        <p:attrNameLst>
+                                          <p:attrName>style.visibility</p:attrName>
+                                        </p:attrNameLst>
+                                      </p:cBhvr>
+                                      <p:to>
+                                        <p:strVal val="visible"/>
+                                      </p:to>
+                                    </p:set>
+                                  </p:childTnLst>
+                                </p:cTn>
+                              </p:par>
+                              <p:par>
+                                <p:cTn id="11" presetID="1" presetClass="entr" presetSubtype="0" fill="hold" grpId="0" nodeType="withEffect">
+                                  <p:stCondLst>
+                                    <p:cond delay="0"/>
+                                  </p:stCondLst>
+                                  <p:childTnLst>
+                                    <p:set>
+                                      <p:cBhvr>
+                                        <p:cTn id="12" dur="1" fill="hold">
+                                          <p:stCondLst>
+                                            <p:cond delay="0"/>
+                                          </p:stCondLst>
+                                        </p:cTn>
+                                        <p:tgtEl>
+                                          <p:spTgt spid="3">
+                                            <p:txEl>
+                                              <p:pRg st="1" end="1"/>
+                                            </p:txEl>
+                                          </p:spTgt>
+                                        </p:tgtEl>
+                                        <p:attrNameLst>
+                                          <p:attrName>style.visibility</p:attrName>
+                                        </p:attrNameLst>
+                                      </p:cBhvr>
+                                      <p:to>
+                                        <p:strVal val="visible"/>
+                                      </p:to>
+                                    </p:set>
+                                  </p:childTnLst>
+                                </p:cTn>
+                              </p:par>
+                              <p:par>
+                                <p:cTn id="13" presetID="1" presetClass="entr" presetSubtype="0" fill="hold" grpId="0" nodeType="withEffect">
+                                  <p:stCondLst>
+                                    <p:cond delay="0"/>
+                                  </p:stCondLst>
+                                  <p:childTnLst>
+                                    <p:set>
+                                      <p:cBhvr>
+                                        <p:cTn id="14" dur="1" fill="hold">
+                                          <p:stCondLst>
+                                            <p:cond delay="0"/>
+                                          </p:stCondLst>
+                                        </p:cTn>
+                                        <p:tgtEl>
+                                          <p:spTgt spid="3">
+                                            <p:txEl>
+                                              <p:pRg st="2" end="2"/>
+                                            </p:txEl>
+                                          </p:spTgt>
+                                        </p:tgtEl>
+                                        <p:attrNameLst>
+                                          <p:attrName>style.visibility</p:attrName>
+                                        </p:attrNameLst>
+                                      </p:cBhvr>
+                                      <p:to>
+                                        <p:strVal val="visible"/>
+                                      </p:to>
+                                    </p:set>
+                                  </p:childTnLst>
+                                </p:cTn>
+                              </p:par>
+                              <p:par>
+                                <p:cTn id="15" presetID="1" presetClass="entr" presetSubtype="0" fill="hold" grpId="0" nodeType="withEffect">
+                                  <p:stCondLst>
+                                    <p:cond delay="0"/>
+                                  </p:stCondLst>
+                                  <p:childTnLst>
+                                    <p:set>
+                                      <p:cBhvr>
+                                        <p:cTn id="16" dur="1" fill="hold">
+                                          <p:stCondLst>
+                                            <p:cond delay="0"/>
+                                          </p:stCondLst>
+                                        </p:cTn>
+                                        <p:tgtEl>
+                                          <p:spTgt spid="3">
+                                            <p:txEl>
+                                              <p:pRg st="3" end="3"/>
+                                            </p:txEl>
+                                          </p:spTgt>
+                                        </p:tgtEl>
+                                        <p:attrNameLst>
+                                          <p:attrName>style.visibility</p:attrName>
+                                        </p:attrNameLst>
+                                      </p:cBhvr>
+                                      <p:to>
+                                        <p:strVal val="visible"/>
+                                      </p:to>
+                                    </p:set>
+                                  </p:childTnLst>
+                                </p:cTn>
+                              </p:par>
+                              <p:par>
+                                <p:cTn id="17" presetID="1" presetClass="entr" presetSubtype="0" fill="hold" grpId="0" nodeType="withEffect">
+                                  <p:stCondLst>
+                                    <p:cond delay="0"/>
+                                  </p:stCondLst>
+                                  <p:childTnLst>
+                                    <p:set>
+                                      <p:cBhvr>
+                                        <p:cTn id="18" dur="1" fill="hold">
+                                          <p:stCondLst>
+                                            <p:cond delay="0"/>
+                                          </p:stCondLst>
+                                        </p:cTn>
+                                        <p:tgtEl>
+                                          <p:spTgt spid="3">
+                                            <p:txEl>
+                                              <p:pRg st="4" end="4"/>
+                                            </p:txEl>
+                                          </p:spTgt>
+                                        </p:tgtEl>
+                                        <p:attrNameLst>
+                                          <p:attrName>style.visibility</p:attrName>
+                                        </p:attrNameLst>
+                                      </p:cBhvr>
+                                      <p:to>
+                                        <p:strVal val="visible"/>
+                                      </p:to>
+                                    </p:set>
+                                  </p:childTnLst>
+                                </p:cTn>
+                              </p:par>
+                              <p:par>
+                                <p:cTn id="19" presetID="1" presetClass="entr" presetSubtype="0" fill="hold" grpId="0" nodeType="withEffect">
+                                  <p:stCondLst>
+                                    <p:cond delay="0"/>
+                                  </p:stCondLst>
+                                  <p:childTnLst>
+                                    <p:set>
+                                      <p:cBhvr>
+                                        <p:cTn id="20" dur="1" fill="hold">
+                                          <p:stCondLst>
+                                            <p:cond delay="0"/>
+                                          </p:stCondLst>
+                                        </p:cTn>
+                                        <p:tgtEl>
+                                          <p:spTgt spid="3">
+                                            <p:txEl>
+                                              <p:pRg st="5" end="5"/>
+                                            </p:txEl>
+                                          </p:spTgt>
+                                        </p:tgtEl>
+                                        <p:attrNameLst>
+                                          <p:attrName>style.visibility</p:attrName>
+                                        </p:attrNameLst>
+                                      </p:cBhvr>
+                                      <p:to>
+                                        <p:strVal val="visible"/>
+                                      </p:to>
+                                    </p:set>
+                                  </p:childTnLst>
+                                </p:cTn>
+                              </p:par>
+                            </p:childTnLst>
+                          </p:cTn>
+                        </p:par>
+                      </p:childTnLst>
+                    </p:cTn>
+                  </p:par>
+                </p:childTnLst>
+              </p:cTn>
+              <p:prevCondLst>
+                <p:cond evt="onPrev" delay="0">
+                  <p:tgtEl>
+                    <p:sldTgt/>
+                  </p:tgtEl>
+                </p:cond>
+              </p:prevCondLst>
+              <p:nextCondLst>
+                <p:cond evt="onNext" delay="0">
+                  <p:tgtEl>
+                    <p:sldTgt/>
+                  </p:tgtEl>
+                </p:cond>
+              </p:nextCondLst>
+            </p:seq>
+          </p:childTnLst>
+        </p:cTn>
+      </p:par>
+    </p:tnLst>
+    <p:bldLst>
+      <p:bldP spid="2" grpId="0"/>
+      <p:bldP spid="3" grpId="0" build="allAtOnce"/>
+    </p:bldLst>
+  </p:timing>
 </p:sld>
 </file>
 
@@ -15058,6 +15606,289 @@
   <p:clrMapOvr>
     <a:masterClrMapping/>
   </p:clrMapOvr>
+  <p:timing>
+    <p:tnLst>
+      <p:par>
+        <p:cTn id="1" dur="indefinite" restart="never" nodeType="tmRoot">
+          <p:childTnLst>
+            <p:seq concurrent="1" nextAc="seek">
+              <p:cTn id="2" dur="indefinite" nodeType="mainSeq">
+                <p:childTnLst>
+                  <p:par>
+                    <p:cTn id="3" fill="hold">
+                      <p:stCondLst>
+                        <p:cond delay="indefinite"/>
+                      </p:stCondLst>
+                      <p:childTnLst>
+                        <p:par>
+                          <p:cTn id="4" fill="hold">
+                            <p:stCondLst>
+                              <p:cond delay="0"/>
+                            </p:stCondLst>
+                            <p:childTnLst>
+                              <p:par>
+                                <p:cTn id="5" presetID="1" presetClass="entr" presetSubtype="0" fill="hold" grpId="0" nodeType="clickEffect">
+                                  <p:stCondLst>
+                                    <p:cond delay="0"/>
+                                  </p:stCondLst>
+                                  <p:childTnLst>
+                                    <p:set>
+                                      <p:cBhvr>
+                                        <p:cTn id="6" dur="1" fill="hold">
+                                          <p:stCondLst>
+                                            <p:cond delay="0"/>
+                                          </p:stCondLst>
+                                        </p:cTn>
+                                        <p:tgtEl>
+                                          <p:spTgt spid="2"/>
+                                        </p:tgtEl>
+                                        <p:attrNameLst>
+                                          <p:attrName>style.visibility</p:attrName>
+                                        </p:attrNameLst>
+                                      </p:cBhvr>
+                                      <p:to>
+                                        <p:strVal val="visible"/>
+                                      </p:to>
+                                    </p:set>
+                                  </p:childTnLst>
+                                </p:cTn>
+                              </p:par>
+                            </p:childTnLst>
+                          </p:cTn>
+                        </p:par>
+                      </p:childTnLst>
+                    </p:cTn>
+                  </p:par>
+                  <p:par>
+                    <p:cTn id="7" fill="hold">
+                      <p:stCondLst>
+                        <p:cond delay="indefinite"/>
+                      </p:stCondLst>
+                      <p:childTnLst>
+                        <p:par>
+                          <p:cTn id="8" fill="hold">
+                            <p:stCondLst>
+                              <p:cond delay="0"/>
+                            </p:stCondLst>
+                            <p:childTnLst>
+                              <p:par>
+                                <p:cTn id="9" presetID="1" presetClass="entr" presetSubtype="0" fill="hold" grpId="0" nodeType="clickEffect">
+                                  <p:stCondLst>
+                                    <p:cond delay="0"/>
+                                  </p:stCondLst>
+                                  <p:childTnLst>
+                                    <p:set>
+                                      <p:cBhvr>
+                                        <p:cTn id="10" dur="1" fill="hold">
+                                          <p:stCondLst>
+                                            <p:cond delay="0"/>
+                                          </p:stCondLst>
+                                        </p:cTn>
+                                        <p:tgtEl>
+                                          <p:spTgt spid="3">
+                                            <p:txEl>
+                                              <p:pRg st="0" end="0"/>
+                                            </p:txEl>
+                                          </p:spTgt>
+                                        </p:tgtEl>
+                                        <p:attrNameLst>
+                                          <p:attrName>style.visibility</p:attrName>
+                                        </p:attrNameLst>
+                                      </p:cBhvr>
+                                      <p:to>
+                                        <p:strVal val="visible"/>
+                                      </p:to>
+                                    </p:set>
+                                  </p:childTnLst>
+                                </p:cTn>
+                              </p:par>
+                              <p:par>
+                                <p:cTn id="11" presetID="1" presetClass="entr" presetSubtype="0" fill="hold" grpId="0" nodeType="withEffect">
+                                  <p:stCondLst>
+                                    <p:cond delay="0"/>
+                                  </p:stCondLst>
+                                  <p:childTnLst>
+                                    <p:set>
+                                      <p:cBhvr>
+                                        <p:cTn id="12" dur="1" fill="hold">
+                                          <p:stCondLst>
+                                            <p:cond delay="0"/>
+                                          </p:stCondLst>
+                                        </p:cTn>
+                                        <p:tgtEl>
+                                          <p:spTgt spid="3">
+                                            <p:txEl>
+                                              <p:pRg st="1" end="1"/>
+                                            </p:txEl>
+                                          </p:spTgt>
+                                        </p:tgtEl>
+                                        <p:attrNameLst>
+                                          <p:attrName>style.visibility</p:attrName>
+                                        </p:attrNameLst>
+                                      </p:cBhvr>
+                                      <p:to>
+                                        <p:strVal val="visible"/>
+                                      </p:to>
+                                    </p:set>
+                                  </p:childTnLst>
+                                </p:cTn>
+                              </p:par>
+                              <p:par>
+                                <p:cTn id="13" presetID="1" presetClass="entr" presetSubtype="0" fill="hold" grpId="0" nodeType="withEffect">
+                                  <p:stCondLst>
+                                    <p:cond delay="0"/>
+                                  </p:stCondLst>
+                                  <p:childTnLst>
+                                    <p:set>
+                                      <p:cBhvr>
+                                        <p:cTn id="14" dur="1" fill="hold">
+                                          <p:stCondLst>
+                                            <p:cond delay="0"/>
+                                          </p:stCondLst>
+                                        </p:cTn>
+                                        <p:tgtEl>
+                                          <p:spTgt spid="3">
+                                            <p:txEl>
+                                              <p:pRg st="2" end="2"/>
+                                            </p:txEl>
+                                          </p:spTgt>
+                                        </p:tgtEl>
+                                        <p:attrNameLst>
+                                          <p:attrName>style.visibility</p:attrName>
+                                        </p:attrNameLst>
+                                      </p:cBhvr>
+                                      <p:to>
+                                        <p:strVal val="visible"/>
+                                      </p:to>
+                                    </p:set>
+                                  </p:childTnLst>
+                                </p:cTn>
+                              </p:par>
+                              <p:par>
+                                <p:cTn id="15" presetID="1" presetClass="entr" presetSubtype="0" fill="hold" grpId="0" nodeType="withEffect">
+                                  <p:stCondLst>
+                                    <p:cond delay="0"/>
+                                  </p:stCondLst>
+                                  <p:childTnLst>
+                                    <p:set>
+                                      <p:cBhvr>
+                                        <p:cTn id="16" dur="1" fill="hold">
+                                          <p:stCondLst>
+                                            <p:cond delay="0"/>
+                                          </p:stCondLst>
+                                        </p:cTn>
+                                        <p:tgtEl>
+                                          <p:spTgt spid="3">
+                                            <p:txEl>
+                                              <p:pRg st="3" end="3"/>
+                                            </p:txEl>
+                                          </p:spTgt>
+                                        </p:tgtEl>
+                                        <p:attrNameLst>
+                                          <p:attrName>style.visibility</p:attrName>
+                                        </p:attrNameLst>
+                                      </p:cBhvr>
+                                      <p:to>
+                                        <p:strVal val="visible"/>
+                                      </p:to>
+                                    </p:set>
+                                  </p:childTnLst>
+                                </p:cTn>
+                              </p:par>
+                              <p:par>
+                                <p:cTn id="17" presetID="1" presetClass="entr" presetSubtype="0" fill="hold" grpId="0" nodeType="withEffect">
+                                  <p:stCondLst>
+                                    <p:cond delay="0"/>
+                                  </p:stCondLst>
+                                  <p:childTnLst>
+                                    <p:set>
+                                      <p:cBhvr>
+                                        <p:cTn id="18" dur="1" fill="hold">
+                                          <p:stCondLst>
+                                            <p:cond delay="0"/>
+                                          </p:stCondLst>
+                                        </p:cTn>
+                                        <p:tgtEl>
+                                          <p:spTgt spid="3">
+                                            <p:txEl>
+                                              <p:pRg st="4" end="4"/>
+                                            </p:txEl>
+                                          </p:spTgt>
+                                        </p:tgtEl>
+                                        <p:attrNameLst>
+                                          <p:attrName>style.visibility</p:attrName>
+                                        </p:attrNameLst>
+                                      </p:cBhvr>
+                                      <p:to>
+                                        <p:strVal val="visible"/>
+                                      </p:to>
+                                    </p:set>
+                                  </p:childTnLst>
+                                </p:cTn>
+                              </p:par>
+                              <p:par>
+                                <p:cTn id="19" presetID="1" presetClass="entr" presetSubtype="0" fill="hold" grpId="0" nodeType="withEffect">
+                                  <p:stCondLst>
+                                    <p:cond delay="0"/>
+                                  </p:stCondLst>
+                                  <p:childTnLst>
+                                    <p:set>
+                                      <p:cBhvr>
+                                        <p:cTn id="20" dur="1" fill="hold">
+                                          <p:stCondLst>
+                                            <p:cond delay="0"/>
+                                          </p:stCondLst>
+                                        </p:cTn>
+                                        <p:tgtEl>
+                                          <p:spTgt spid="3">
+                                            <p:txEl>
+                                              <p:pRg st="5" end="5"/>
+                                            </p:txEl>
+                                          </p:spTgt>
+                                        </p:tgtEl>
+                                        <p:attrNameLst>
+                                          <p:attrName>style.visibility</p:attrName>
+                                        </p:attrNameLst>
+                                      </p:cBhvr>
+                                      <p:to>
+                                        <p:strVal val="visible"/>
+                                      </p:to>
+                                    </p:set>
+                                  </p:childTnLst>
+                                </p:cTn>
+                              </p:par>
+                            </p:childTnLst>
+                          </p:cTn>
+                        </p:par>
+                      </p:childTnLst>
+                    </p:cTn>
+                  </p:par>
+                </p:childTnLst>
+              </p:cTn>
+              <p:prevCondLst>
+                <p:cond evt="onPrev" delay="0">
+                  <p:tgtEl>
+                    <p:sldTgt/>
+                  </p:tgtEl>
+                </p:cond>
+              </p:prevCondLst>
+              <p:nextCondLst>
+                <p:cond evt="onNext" delay="0">
+                  <p:tgtEl>
+                    <p:sldTgt/>
+                  </p:tgtEl>
+                </p:cond>
+              </p:nextCondLst>
+            </p:seq>
+          </p:childTnLst>
+        </p:cTn>
+      </p:par>
+    </p:tnLst>
+    <p:bldLst>
+      <p:bldP spid="2" grpId="0"/>
+      <p:bldP spid="3" grpId="0" build="allAtOnce"/>
+    </p:bldLst>
+  </p:timing>
 </p:sld>
 </file>
 
@@ -15257,7 +16088,7 @@
           <a:lstStyle/>
           <a:p>
             <a:pPr algn="ctr"/>
-            <a:endParaRPr lang="en-US" dirty="0"/>
+            <a:endParaRPr lang="en-US"/>
           </a:p>
         </p:txBody>
       </p:sp>
@@ -15290,7 +16121,7 @@
           <a:lstStyle/>
           <a:p>
             <a:r>
-              <a:rPr lang="hu-HU" sz="2800" dirty="0">
+              <a:rPr lang="hu-HU" sz="2800">
                 <a:solidFill>
                   <a:schemeClr val="bg1"/>
                 </a:solidFill>
@@ -15299,7 +16130,7 @@
               </a:rPr>
               <a:t>Mit tartogat a jövő?</a:t>
             </a:r>
-            <a:endParaRPr lang="hu-HU" sz="2800" dirty="0">
+            <a:endParaRPr lang="hu-HU" sz="2800">
               <a:solidFill>
                 <a:schemeClr val="bg1"/>
               </a:solidFill>
@@ -15583,6 +16414,289 @@
   <p:clrMapOvr>
     <a:masterClrMapping/>
   </p:clrMapOvr>
+  <p:timing>
+    <p:tnLst>
+      <p:par>
+        <p:cTn id="1" dur="indefinite" restart="never" nodeType="tmRoot">
+          <p:childTnLst>
+            <p:seq concurrent="1" nextAc="seek">
+              <p:cTn id="2" dur="indefinite" nodeType="mainSeq">
+                <p:childTnLst>
+                  <p:par>
+                    <p:cTn id="3" fill="hold">
+                      <p:stCondLst>
+                        <p:cond delay="indefinite"/>
+                      </p:stCondLst>
+                      <p:childTnLst>
+                        <p:par>
+                          <p:cTn id="4" fill="hold">
+                            <p:stCondLst>
+                              <p:cond delay="0"/>
+                            </p:stCondLst>
+                            <p:childTnLst>
+                              <p:par>
+                                <p:cTn id="5" presetID="1" presetClass="entr" presetSubtype="0" fill="hold" grpId="0" nodeType="clickEffect">
+                                  <p:stCondLst>
+                                    <p:cond delay="0"/>
+                                  </p:stCondLst>
+                                  <p:childTnLst>
+                                    <p:set>
+                                      <p:cBhvr>
+                                        <p:cTn id="6" dur="1" fill="hold">
+                                          <p:stCondLst>
+                                            <p:cond delay="0"/>
+                                          </p:stCondLst>
+                                        </p:cTn>
+                                        <p:tgtEl>
+                                          <p:spTgt spid="2"/>
+                                        </p:tgtEl>
+                                        <p:attrNameLst>
+                                          <p:attrName>style.visibility</p:attrName>
+                                        </p:attrNameLst>
+                                      </p:cBhvr>
+                                      <p:to>
+                                        <p:strVal val="visible"/>
+                                      </p:to>
+                                    </p:set>
+                                  </p:childTnLst>
+                                </p:cTn>
+                              </p:par>
+                            </p:childTnLst>
+                          </p:cTn>
+                        </p:par>
+                      </p:childTnLst>
+                    </p:cTn>
+                  </p:par>
+                  <p:par>
+                    <p:cTn id="7" fill="hold">
+                      <p:stCondLst>
+                        <p:cond delay="indefinite"/>
+                      </p:stCondLst>
+                      <p:childTnLst>
+                        <p:par>
+                          <p:cTn id="8" fill="hold">
+                            <p:stCondLst>
+                              <p:cond delay="0"/>
+                            </p:stCondLst>
+                            <p:childTnLst>
+                              <p:par>
+                                <p:cTn id="9" presetID="1" presetClass="entr" presetSubtype="0" fill="hold" grpId="0" nodeType="clickEffect">
+                                  <p:stCondLst>
+                                    <p:cond delay="0"/>
+                                  </p:stCondLst>
+                                  <p:childTnLst>
+                                    <p:set>
+                                      <p:cBhvr>
+                                        <p:cTn id="10" dur="1" fill="hold">
+                                          <p:stCondLst>
+                                            <p:cond delay="0"/>
+                                          </p:stCondLst>
+                                        </p:cTn>
+                                        <p:tgtEl>
+                                          <p:spTgt spid="3">
+                                            <p:txEl>
+                                              <p:pRg st="0" end="0"/>
+                                            </p:txEl>
+                                          </p:spTgt>
+                                        </p:tgtEl>
+                                        <p:attrNameLst>
+                                          <p:attrName>style.visibility</p:attrName>
+                                        </p:attrNameLst>
+                                      </p:cBhvr>
+                                      <p:to>
+                                        <p:strVal val="visible"/>
+                                      </p:to>
+                                    </p:set>
+                                  </p:childTnLst>
+                                </p:cTn>
+                              </p:par>
+                              <p:par>
+                                <p:cTn id="11" presetID="1" presetClass="entr" presetSubtype="0" fill="hold" grpId="0" nodeType="withEffect">
+                                  <p:stCondLst>
+                                    <p:cond delay="0"/>
+                                  </p:stCondLst>
+                                  <p:childTnLst>
+                                    <p:set>
+                                      <p:cBhvr>
+                                        <p:cTn id="12" dur="1" fill="hold">
+                                          <p:stCondLst>
+                                            <p:cond delay="0"/>
+                                          </p:stCondLst>
+                                        </p:cTn>
+                                        <p:tgtEl>
+                                          <p:spTgt spid="3">
+                                            <p:txEl>
+                                              <p:pRg st="1" end="1"/>
+                                            </p:txEl>
+                                          </p:spTgt>
+                                        </p:tgtEl>
+                                        <p:attrNameLst>
+                                          <p:attrName>style.visibility</p:attrName>
+                                        </p:attrNameLst>
+                                      </p:cBhvr>
+                                      <p:to>
+                                        <p:strVal val="visible"/>
+                                      </p:to>
+                                    </p:set>
+                                  </p:childTnLst>
+                                </p:cTn>
+                              </p:par>
+                              <p:par>
+                                <p:cTn id="13" presetID="1" presetClass="entr" presetSubtype="0" fill="hold" grpId="0" nodeType="withEffect">
+                                  <p:stCondLst>
+                                    <p:cond delay="0"/>
+                                  </p:stCondLst>
+                                  <p:childTnLst>
+                                    <p:set>
+                                      <p:cBhvr>
+                                        <p:cTn id="14" dur="1" fill="hold">
+                                          <p:stCondLst>
+                                            <p:cond delay="0"/>
+                                          </p:stCondLst>
+                                        </p:cTn>
+                                        <p:tgtEl>
+                                          <p:spTgt spid="3">
+                                            <p:txEl>
+                                              <p:pRg st="2" end="2"/>
+                                            </p:txEl>
+                                          </p:spTgt>
+                                        </p:tgtEl>
+                                        <p:attrNameLst>
+                                          <p:attrName>style.visibility</p:attrName>
+                                        </p:attrNameLst>
+                                      </p:cBhvr>
+                                      <p:to>
+                                        <p:strVal val="visible"/>
+                                      </p:to>
+                                    </p:set>
+                                  </p:childTnLst>
+                                </p:cTn>
+                              </p:par>
+                              <p:par>
+                                <p:cTn id="15" presetID="1" presetClass="entr" presetSubtype="0" fill="hold" grpId="0" nodeType="withEffect">
+                                  <p:stCondLst>
+                                    <p:cond delay="0"/>
+                                  </p:stCondLst>
+                                  <p:childTnLst>
+                                    <p:set>
+                                      <p:cBhvr>
+                                        <p:cTn id="16" dur="1" fill="hold">
+                                          <p:stCondLst>
+                                            <p:cond delay="0"/>
+                                          </p:stCondLst>
+                                        </p:cTn>
+                                        <p:tgtEl>
+                                          <p:spTgt spid="3">
+                                            <p:txEl>
+                                              <p:pRg st="3" end="3"/>
+                                            </p:txEl>
+                                          </p:spTgt>
+                                        </p:tgtEl>
+                                        <p:attrNameLst>
+                                          <p:attrName>style.visibility</p:attrName>
+                                        </p:attrNameLst>
+                                      </p:cBhvr>
+                                      <p:to>
+                                        <p:strVal val="visible"/>
+                                      </p:to>
+                                    </p:set>
+                                  </p:childTnLst>
+                                </p:cTn>
+                              </p:par>
+                              <p:par>
+                                <p:cTn id="17" presetID="1" presetClass="entr" presetSubtype="0" fill="hold" grpId="0" nodeType="withEffect">
+                                  <p:stCondLst>
+                                    <p:cond delay="0"/>
+                                  </p:stCondLst>
+                                  <p:childTnLst>
+                                    <p:set>
+                                      <p:cBhvr>
+                                        <p:cTn id="18" dur="1" fill="hold">
+                                          <p:stCondLst>
+                                            <p:cond delay="0"/>
+                                          </p:stCondLst>
+                                        </p:cTn>
+                                        <p:tgtEl>
+                                          <p:spTgt spid="3">
+                                            <p:txEl>
+                                              <p:pRg st="4" end="4"/>
+                                            </p:txEl>
+                                          </p:spTgt>
+                                        </p:tgtEl>
+                                        <p:attrNameLst>
+                                          <p:attrName>style.visibility</p:attrName>
+                                        </p:attrNameLst>
+                                      </p:cBhvr>
+                                      <p:to>
+                                        <p:strVal val="visible"/>
+                                      </p:to>
+                                    </p:set>
+                                  </p:childTnLst>
+                                </p:cTn>
+                              </p:par>
+                              <p:par>
+                                <p:cTn id="19" presetID="1" presetClass="entr" presetSubtype="0" fill="hold" grpId="0" nodeType="withEffect">
+                                  <p:stCondLst>
+                                    <p:cond delay="0"/>
+                                  </p:stCondLst>
+                                  <p:childTnLst>
+                                    <p:set>
+                                      <p:cBhvr>
+                                        <p:cTn id="20" dur="1" fill="hold">
+                                          <p:stCondLst>
+                                            <p:cond delay="0"/>
+                                          </p:stCondLst>
+                                        </p:cTn>
+                                        <p:tgtEl>
+                                          <p:spTgt spid="3">
+                                            <p:txEl>
+                                              <p:pRg st="5" end="5"/>
+                                            </p:txEl>
+                                          </p:spTgt>
+                                        </p:tgtEl>
+                                        <p:attrNameLst>
+                                          <p:attrName>style.visibility</p:attrName>
+                                        </p:attrNameLst>
+                                      </p:cBhvr>
+                                      <p:to>
+                                        <p:strVal val="visible"/>
+                                      </p:to>
+                                    </p:set>
+                                  </p:childTnLst>
+                                </p:cTn>
+                              </p:par>
+                            </p:childTnLst>
+                          </p:cTn>
+                        </p:par>
+                      </p:childTnLst>
+                    </p:cTn>
+                  </p:par>
+                </p:childTnLst>
+              </p:cTn>
+              <p:prevCondLst>
+                <p:cond evt="onPrev" delay="0">
+                  <p:tgtEl>
+                    <p:sldTgt/>
+                  </p:tgtEl>
+                </p:cond>
+              </p:prevCondLst>
+              <p:nextCondLst>
+                <p:cond evt="onNext" delay="0">
+                  <p:tgtEl>
+                    <p:sldTgt/>
+                  </p:tgtEl>
+                </p:cond>
+              </p:nextCondLst>
+            </p:seq>
+          </p:childTnLst>
+        </p:cTn>
+      </p:par>
+    </p:tnLst>
+    <p:bldLst>
+      <p:bldP spid="2" grpId="0"/>
+      <p:bldP spid="3" grpId="0" build="allAtOnce"/>
+    </p:bldLst>
+  </p:timing>
 </p:sld>
 </file>
 
@@ -15895,6 +17009,289 @@
   <p:clrMapOvr>
     <a:masterClrMapping/>
   </p:clrMapOvr>
+  <p:timing>
+    <p:tnLst>
+      <p:par>
+        <p:cTn id="1" dur="indefinite" restart="never" nodeType="tmRoot">
+          <p:childTnLst>
+            <p:seq concurrent="1" nextAc="seek">
+              <p:cTn id="2" dur="indefinite" nodeType="mainSeq">
+                <p:childTnLst>
+                  <p:par>
+                    <p:cTn id="3" fill="hold">
+                      <p:stCondLst>
+                        <p:cond delay="indefinite"/>
+                      </p:stCondLst>
+                      <p:childTnLst>
+                        <p:par>
+                          <p:cTn id="4" fill="hold">
+                            <p:stCondLst>
+                              <p:cond delay="0"/>
+                            </p:stCondLst>
+                            <p:childTnLst>
+                              <p:par>
+                                <p:cTn id="5" presetID="1" presetClass="entr" presetSubtype="0" fill="hold" grpId="0" nodeType="clickEffect">
+                                  <p:stCondLst>
+                                    <p:cond delay="0"/>
+                                  </p:stCondLst>
+                                  <p:childTnLst>
+                                    <p:set>
+                                      <p:cBhvr>
+                                        <p:cTn id="6" dur="1" fill="hold">
+                                          <p:stCondLst>
+                                            <p:cond delay="0"/>
+                                          </p:stCondLst>
+                                        </p:cTn>
+                                        <p:tgtEl>
+                                          <p:spTgt spid="2"/>
+                                        </p:tgtEl>
+                                        <p:attrNameLst>
+                                          <p:attrName>style.visibility</p:attrName>
+                                        </p:attrNameLst>
+                                      </p:cBhvr>
+                                      <p:to>
+                                        <p:strVal val="visible"/>
+                                      </p:to>
+                                    </p:set>
+                                  </p:childTnLst>
+                                </p:cTn>
+                              </p:par>
+                            </p:childTnLst>
+                          </p:cTn>
+                        </p:par>
+                      </p:childTnLst>
+                    </p:cTn>
+                  </p:par>
+                  <p:par>
+                    <p:cTn id="7" fill="hold">
+                      <p:stCondLst>
+                        <p:cond delay="indefinite"/>
+                      </p:stCondLst>
+                      <p:childTnLst>
+                        <p:par>
+                          <p:cTn id="8" fill="hold">
+                            <p:stCondLst>
+                              <p:cond delay="0"/>
+                            </p:stCondLst>
+                            <p:childTnLst>
+                              <p:par>
+                                <p:cTn id="9" presetID="1" presetClass="entr" presetSubtype="0" fill="hold" grpId="0" nodeType="clickEffect">
+                                  <p:stCondLst>
+                                    <p:cond delay="0"/>
+                                  </p:stCondLst>
+                                  <p:childTnLst>
+                                    <p:set>
+                                      <p:cBhvr>
+                                        <p:cTn id="10" dur="1" fill="hold">
+                                          <p:stCondLst>
+                                            <p:cond delay="0"/>
+                                          </p:stCondLst>
+                                        </p:cTn>
+                                        <p:tgtEl>
+                                          <p:spTgt spid="3">
+                                            <p:txEl>
+                                              <p:pRg st="0" end="0"/>
+                                            </p:txEl>
+                                          </p:spTgt>
+                                        </p:tgtEl>
+                                        <p:attrNameLst>
+                                          <p:attrName>style.visibility</p:attrName>
+                                        </p:attrNameLst>
+                                      </p:cBhvr>
+                                      <p:to>
+                                        <p:strVal val="visible"/>
+                                      </p:to>
+                                    </p:set>
+                                  </p:childTnLst>
+                                </p:cTn>
+                              </p:par>
+                              <p:par>
+                                <p:cTn id="11" presetID="1" presetClass="entr" presetSubtype="0" fill="hold" grpId="0" nodeType="withEffect">
+                                  <p:stCondLst>
+                                    <p:cond delay="0"/>
+                                  </p:stCondLst>
+                                  <p:childTnLst>
+                                    <p:set>
+                                      <p:cBhvr>
+                                        <p:cTn id="12" dur="1" fill="hold">
+                                          <p:stCondLst>
+                                            <p:cond delay="0"/>
+                                          </p:stCondLst>
+                                        </p:cTn>
+                                        <p:tgtEl>
+                                          <p:spTgt spid="3">
+                                            <p:txEl>
+                                              <p:pRg st="1" end="1"/>
+                                            </p:txEl>
+                                          </p:spTgt>
+                                        </p:tgtEl>
+                                        <p:attrNameLst>
+                                          <p:attrName>style.visibility</p:attrName>
+                                        </p:attrNameLst>
+                                      </p:cBhvr>
+                                      <p:to>
+                                        <p:strVal val="visible"/>
+                                      </p:to>
+                                    </p:set>
+                                  </p:childTnLst>
+                                </p:cTn>
+                              </p:par>
+                              <p:par>
+                                <p:cTn id="13" presetID="1" presetClass="entr" presetSubtype="0" fill="hold" grpId="0" nodeType="withEffect">
+                                  <p:stCondLst>
+                                    <p:cond delay="0"/>
+                                  </p:stCondLst>
+                                  <p:childTnLst>
+                                    <p:set>
+                                      <p:cBhvr>
+                                        <p:cTn id="14" dur="1" fill="hold">
+                                          <p:stCondLst>
+                                            <p:cond delay="0"/>
+                                          </p:stCondLst>
+                                        </p:cTn>
+                                        <p:tgtEl>
+                                          <p:spTgt spid="3">
+                                            <p:txEl>
+                                              <p:pRg st="2" end="2"/>
+                                            </p:txEl>
+                                          </p:spTgt>
+                                        </p:tgtEl>
+                                        <p:attrNameLst>
+                                          <p:attrName>style.visibility</p:attrName>
+                                        </p:attrNameLst>
+                                      </p:cBhvr>
+                                      <p:to>
+                                        <p:strVal val="visible"/>
+                                      </p:to>
+                                    </p:set>
+                                  </p:childTnLst>
+                                </p:cTn>
+                              </p:par>
+                              <p:par>
+                                <p:cTn id="15" presetID="1" presetClass="entr" presetSubtype="0" fill="hold" grpId="0" nodeType="withEffect">
+                                  <p:stCondLst>
+                                    <p:cond delay="0"/>
+                                  </p:stCondLst>
+                                  <p:childTnLst>
+                                    <p:set>
+                                      <p:cBhvr>
+                                        <p:cTn id="16" dur="1" fill="hold">
+                                          <p:stCondLst>
+                                            <p:cond delay="0"/>
+                                          </p:stCondLst>
+                                        </p:cTn>
+                                        <p:tgtEl>
+                                          <p:spTgt spid="3">
+                                            <p:txEl>
+                                              <p:pRg st="3" end="3"/>
+                                            </p:txEl>
+                                          </p:spTgt>
+                                        </p:tgtEl>
+                                        <p:attrNameLst>
+                                          <p:attrName>style.visibility</p:attrName>
+                                        </p:attrNameLst>
+                                      </p:cBhvr>
+                                      <p:to>
+                                        <p:strVal val="visible"/>
+                                      </p:to>
+                                    </p:set>
+                                  </p:childTnLst>
+                                </p:cTn>
+                              </p:par>
+                              <p:par>
+                                <p:cTn id="17" presetID="1" presetClass="entr" presetSubtype="0" fill="hold" grpId="0" nodeType="withEffect">
+                                  <p:stCondLst>
+                                    <p:cond delay="0"/>
+                                  </p:stCondLst>
+                                  <p:childTnLst>
+                                    <p:set>
+                                      <p:cBhvr>
+                                        <p:cTn id="18" dur="1" fill="hold">
+                                          <p:stCondLst>
+                                            <p:cond delay="0"/>
+                                          </p:stCondLst>
+                                        </p:cTn>
+                                        <p:tgtEl>
+                                          <p:spTgt spid="3">
+                                            <p:txEl>
+                                              <p:pRg st="4" end="4"/>
+                                            </p:txEl>
+                                          </p:spTgt>
+                                        </p:tgtEl>
+                                        <p:attrNameLst>
+                                          <p:attrName>style.visibility</p:attrName>
+                                        </p:attrNameLst>
+                                      </p:cBhvr>
+                                      <p:to>
+                                        <p:strVal val="visible"/>
+                                      </p:to>
+                                    </p:set>
+                                  </p:childTnLst>
+                                </p:cTn>
+                              </p:par>
+                              <p:par>
+                                <p:cTn id="19" presetID="1" presetClass="entr" presetSubtype="0" fill="hold" grpId="0" nodeType="withEffect">
+                                  <p:stCondLst>
+                                    <p:cond delay="0"/>
+                                  </p:stCondLst>
+                                  <p:childTnLst>
+                                    <p:set>
+                                      <p:cBhvr>
+                                        <p:cTn id="20" dur="1" fill="hold">
+                                          <p:stCondLst>
+                                            <p:cond delay="0"/>
+                                          </p:stCondLst>
+                                        </p:cTn>
+                                        <p:tgtEl>
+                                          <p:spTgt spid="3">
+                                            <p:txEl>
+                                              <p:pRg st="5" end="5"/>
+                                            </p:txEl>
+                                          </p:spTgt>
+                                        </p:tgtEl>
+                                        <p:attrNameLst>
+                                          <p:attrName>style.visibility</p:attrName>
+                                        </p:attrNameLst>
+                                      </p:cBhvr>
+                                      <p:to>
+                                        <p:strVal val="visible"/>
+                                      </p:to>
+                                    </p:set>
+                                  </p:childTnLst>
+                                </p:cTn>
+                              </p:par>
+                            </p:childTnLst>
+                          </p:cTn>
+                        </p:par>
+                      </p:childTnLst>
+                    </p:cTn>
+                  </p:par>
+                </p:childTnLst>
+              </p:cTn>
+              <p:prevCondLst>
+                <p:cond evt="onPrev" delay="0">
+                  <p:tgtEl>
+                    <p:sldTgt/>
+                  </p:tgtEl>
+                </p:cond>
+              </p:prevCondLst>
+              <p:nextCondLst>
+                <p:cond evt="onNext" delay="0">
+                  <p:tgtEl>
+                    <p:sldTgt/>
+                  </p:tgtEl>
+                </p:cond>
+              </p:nextCondLst>
+            </p:seq>
+          </p:childTnLst>
+        </p:cTn>
+      </p:par>
+    </p:tnLst>
+    <p:bldLst>
+      <p:bldP spid="2" grpId="0"/>
+      <p:bldP spid="3" grpId="0" build="allAtOnce"/>
+    </p:bldLst>
+  </p:timing>
 </p:sld>
 </file>
 
@@ -16464,6 +17861,289 @@
   <p:clrMapOvr>
     <a:masterClrMapping/>
   </p:clrMapOvr>
+  <p:timing>
+    <p:tnLst>
+      <p:par>
+        <p:cTn id="1" dur="indefinite" restart="never" nodeType="tmRoot">
+          <p:childTnLst>
+            <p:seq concurrent="1" nextAc="seek">
+              <p:cTn id="2" dur="indefinite" nodeType="mainSeq">
+                <p:childTnLst>
+                  <p:par>
+                    <p:cTn id="3" fill="hold">
+                      <p:stCondLst>
+                        <p:cond delay="indefinite"/>
+                      </p:stCondLst>
+                      <p:childTnLst>
+                        <p:par>
+                          <p:cTn id="4" fill="hold">
+                            <p:stCondLst>
+                              <p:cond delay="0"/>
+                            </p:stCondLst>
+                            <p:childTnLst>
+                              <p:par>
+                                <p:cTn id="5" presetID="1" presetClass="entr" presetSubtype="0" fill="hold" grpId="0" nodeType="clickEffect">
+                                  <p:stCondLst>
+                                    <p:cond delay="0"/>
+                                  </p:stCondLst>
+                                  <p:childTnLst>
+                                    <p:set>
+                                      <p:cBhvr>
+                                        <p:cTn id="6" dur="1" fill="hold">
+                                          <p:stCondLst>
+                                            <p:cond delay="0"/>
+                                          </p:stCondLst>
+                                        </p:cTn>
+                                        <p:tgtEl>
+                                          <p:spTgt spid="2"/>
+                                        </p:tgtEl>
+                                        <p:attrNameLst>
+                                          <p:attrName>style.visibility</p:attrName>
+                                        </p:attrNameLst>
+                                      </p:cBhvr>
+                                      <p:to>
+                                        <p:strVal val="visible"/>
+                                      </p:to>
+                                    </p:set>
+                                  </p:childTnLst>
+                                </p:cTn>
+                              </p:par>
+                            </p:childTnLst>
+                          </p:cTn>
+                        </p:par>
+                      </p:childTnLst>
+                    </p:cTn>
+                  </p:par>
+                  <p:par>
+                    <p:cTn id="7" fill="hold">
+                      <p:stCondLst>
+                        <p:cond delay="indefinite"/>
+                      </p:stCondLst>
+                      <p:childTnLst>
+                        <p:par>
+                          <p:cTn id="8" fill="hold">
+                            <p:stCondLst>
+                              <p:cond delay="0"/>
+                            </p:stCondLst>
+                            <p:childTnLst>
+                              <p:par>
+                                <p:cTn id="9" presetID="1" presetClass="entr" presetSubtype="0" fill="hold" grpId="0" nodeType="clickEffect">
+                                  <p:stCondLst>
+                                    <p:cond delay="0"/>
+                                  </p:stCondLst>
+                                  <p:childTnLst>
+                                    <p:set>
+                                      <p:cBhvr>
+                                        <p:cTn id="10" dur="1" fill="hold">
+                                          <p:stCondLst>
+                                            <p:cond delay="0"/>
+                                          </p:stCondLst>
+                                        </p:cTn>
+                                        <p:tgtEl>
+                                          <p:spTgt spid="3">
+                                            <p:txEl>
+                                              <p:pRg st="0" end="0"/>
+                                            </p:txEl>
+                                          </p:spTgt>
+                                        </p:tgtEl>
+                                        <p:attrNameLst>
+                                          <p:attrName>style.visibility</p:attrName>
+                                        </p:attrNameLst>
+                                      </p:cBhvr>
+                                      <p:to>
+                                        <p:strVal val="visible"/>
+                                      </p:to>
+                                    </p:set>
+                                  </p:childTnLst>
+                                </p:cTn>
+                              </p:par>
+                              <p:par>
+                                <p:cTn id="11" presetID="1" presetClass="entr" presetSubtype="0" fill="hold" grpId="0" nodeType="withEffect">
+                                  <p:stCondLst>
+                                    <p:cond delay="0"/>
+                                  </p:stCondLst>
+                                  <p:childTnLst>
+                                    <p:set>
+                                      <p:cBhvr>
+                                        <p:cTn id="12" dur="1" fill="hold">
+                                          <p:stCondLst>
+                                            <p:cond delay="0"/>
+                                          </p:stCondLst>
+                                        </p:cTn>
+                                        <p:tgtEl>
+                                          <p:spTgt spid="3">
+                                            <p:txEl>
+                                              <p:pRg st="1" end="1"/>
+                                            </p:txEl>
+                                          </p:spTgt>
+                                        </p:tgtEl>
+                                        <p:attrNameLst>
+                                          <p:attrName>style.visibility</p:attrName>
+                                        </p:attrNameLst>
+                                      </p:cBhvr>
+                                      <p:to>
+                                        <p:strVal val="visible"/>
+                                      </p:to>
+                                    </p:set>
+                                  </p:childTnLst>
+                                </p:cTn>
+                              </p:par>
+                              <p:par>
+                                <p:cTn id="13" presetID="1" presetClass="entr" presetSubtype="0" fill="hold" grpId="0" nodeType="withEffect">
+                                  <p:stCondLst>
+                                    <p:cond delay="0"/>
+                                  </p:stCondLst>
+                                  <p:childTnLst>
+                                    <p:set>
+                                      <p:cBhvr>
+                                        <p:cTn id="14" dur="1" fill="hold">
+                                          <p:stCondLst>
+                                            <p:cond delay="0"/>
+                                          </p:stCondLst>
+                                        </p:cTn>
+                                        <p:tgtEl>
+                                          <p:spTgt spid="3">
+                                            <p:txEl>
+                                              <p:pRg st="2" end="2"/>
+                                            </p:txEl>
+                                          </p:spTgt>
+                                        </p:tgtEl>
+                                        <p:attrNameLst>
+                                          <p:attrName>style.visibility</p:attrName>
+                                        </p:attrNameLst>
+                                      </p:cBhvr>
+                                      <p:to>
+                                        <p:strVal val="visible"/>
+                                      </p:to>
+                                    </p:set>
+                                  </p:childTnLst>
+                                </p:cTn>
+                              </p:par>
+                              <p:par>
+                                <p:cTn id="15" presetID="1" presetClass="entr" presetSubtype="0" fill="hold" grpId="0" nodeType="withEffect">
+                                  <p:stCondLst>
+                                    <p:cond delay="0"/>
+                                  </p:stCondLst>
+                                  <p:childTnLst>
+                                    <p:set>
+                                      <p:cBhvr>
+                                        <p:cTn id="16" dur="1" fill="hold">
+                                          <p:stCondLst>
+                                            <p:cond delay="0"/>
+                                          </p:stCondLst>
+                                        </p:cTn>
+                                        <p:tgtEl>
+                                          <p:spTgt spid="3">
+                                            <p:txEl>
+                                              <p:pRg st="3" end="3"/>
+                                            </p:txEl>
+                                          </p:spTgt>
+                                        </p:tgtEl>
+                                        <p:attrNameLst>
+                                          <p:attrName>style.visibility</p:attrName>
+                                        </p:attrNameLst>
+                                      </p:cBhvr>
+                                      <p:to>
+                                        <p:strVal val="visible"/>
+                                      </p:to>
+                                    </p:set>
+                                  </p:childTnLst>
+                                </p:cTn>
+                              </p:par>
+                              <p:par>
+                                <p:cTn id="17" presetID="1" presetClass="entr" presetSubtype="0" fill="hold" grpId="0" nodeType="withEffect">
+                                  <p:stCondLst>
+                                    <p:cond delay="0"/>
+                                  </p:stCondLst>
+                                  <p:childTnLst>
+                                    <p:set>
+                                      <p:cBhvr>
+                                        <p:cTn id="18" dur="1" fill="hold">
+                                          <p:stCondLst>
+                                            <p:cond delay="0"/>
+                                          </p:stCondLst>
+                                        </p:cTn>
+                                        <p:tgtEl>
+                                          <p:spTgt spid="3">
+                                            <p:txEl>
+                                              <p:pRg st="4" end="4"/>
+                                            </p:txEl>
+                                          </p:spTgt>
+                                        </p:tgtEl>
+                                        <p:attrNameLst>
+                                          <p:attrName>style.visibility</p:attrName>
+                                        </p:attrNameLst>
+                                      </p:cBhvr>
+                                      <p:to>
+                                        <p:strVal val="visible"/>
+                                      </p:to>
+                                    </p:set>
+                                  </p:childTnLst>
+                                </p:cTn>
+                              </p:par>
+                              <p:par>
+                                <p:cTn id="19" presetID="1" presetClass="entr" presetSubtype="0" fill="hold" grpId="0" nodeType="withEffect">
+                                  <p:stCondLst>
+                                    <p:cond delay="0"/>
+                                  </p:stCondLst>
+                                  <p:childTnLst>
+                                    <p:set>
+                                      <p:cBhvr>
+                                        <p:cTn id="20" dur="1" fill="hold">
+                                          <p:stCondLst>
+                                            <p:cond delay="0"/>
+                                          </p:stCondLst>
+                                        </p:cTn>
+                                        <p:tgtEl>
+                                          <p:spTgt spid="3">
+                                            <p:txEl>
+                                              <p:pRg st="5" end="5"/>
+                                            </p:txEl>
+                                          </p:spTgt>
+                                        </p:tgtEl>
+                                        <p:attrNameLst>
+                                          <p:attrName>style.visibility</p:attrName>
+                                        </p:attrNameLst>
+                                      </p:cBhvr>
+                                      <p:to>
+                                        <p:strVal val="visible"/>
+                                      </p:to>
+                                    </p:set>
+                                  </p:childTnLst>
+                                </p:cTn>
+                              </p:par>
+                            </p:childTnLst>
+                          </p:cTn>
+                        </p:par>
+                      </p:childTnLst>
+                    </p:cTn>
+                  </p:par>
+                </p:childTnLst>
+              </p:cTn>
+              <p:prevCondLst>
+                <p:cond evt="onPrev" delay="0">
+                  <p:tgtEl>
+                    <p:sldTgt/>
+                  </p:tgtEl>
+                </p:cond>
+              </p:prevCondLst>
+              <p:nextCondLst>
+                <p:cond evt="onNext" delay="0">
+                  <p:tgtEl>
+                    <p:sldTgt/>
+                  </p:tgtEl>
+                </p:cond>
+              </p:nextCondLst>
+            </p:seq>
+          </p:childTnLst>
+        </p:cTn>
+      </p:par>
+    </p:tnLst>
+    <p:bldLst>
+      <p:bldP spid="2" grpId="0"/>
+      <p:bldP spid="3" grpId="0" build="allAtOnce"/>
+    </p:bldLst>
+  </p:timing>
 </p:sld>
 </file>
 
@@ -16581,7 +18261,7 @@
           <a:lstStyle/>
           <a:p>
             <a:r>
-              <a:rPr lang="hu-HU" dirty="0">
+              <a:rPr lang="hu-HU">
                 <a:solidFill>
                   <a:schemeClr val="bg1"/>
                 </a:solidFill>
@@ -16589,7 +18269,7 @@
               </a:rPr>
               <a:t>Története</a:t>
             </a:r>
-            <a:endParaRPr lang="hu-HU" dirty="0">
+            <a:endParaRPr lang="hu-HU">
               <a:solidFill>
                 <a:schemeClr val="bg1"/>
               </a:solidFill>
@@ -17007,7 +18687,7 @@
             <a:pPr marL="0" indent="0">
               <a:buNone/>
             </a:pPr>
-            <a:endParaRPr lang="hu-HU" sz="2000" dirty="0">
+            <a:endParaRPr lang="hu-HU" sz="2000">
               <a:solidFill>
                 <a:schemeClr val="bg1"/>
               </a:solidFill>
@@ -17020,7 +18700,7 @@
               <a:buNone/>
             </a:pPr>
             <a:r>
-              <a:rPr lang="hu-HU" sz="2000" dirty="0">
+              <a:rPr lang="hu-HU" sz="2000">
                 <a:solidFill>
                   <a:schemeClr val="bg1"/>
                 </a:solidFill>
@@ -17040,7 +18720,7 @@
               <a:t>Blue</a:t>
             </a:r>
             <a:r>
-              <a:rPr lang="hu-HU" sz="2000" dirty="0">
+              <a:rPr lang="hu-HU" sz="2000">
                 <a:solidFill>
                   <a:schemeClr val="bg1"/>
                 </a:solidFill>
@@ -17060,7 +18740,7 @@
               <a:t>vs</a:t>
             </a:r>
             <a:r>
-              <a:rPr lang="hu-HU" sz="2000" dirty="0">
+              <a:rPr lang="hu-HU" sz="2000">
                 <a:solidFill>
                   <a:schemeClr val="bg1"/>
                 </a:solidFill>
@@ -17080,7 +18760,7 @@
               <a:t>Kaszparov</a:t>
             </a:r>
             <a:r>
-              <a:rPr lang="hu-HU" sz="2000" dirty="0">
+              <a:rPr lang="hu-HU" sz="2000">
                 <a:solidFill>
                   <a:schemeClr val="bg1"/>
                 </a:solidFill>
@@ -17089,20 +18769,13 @@
               </a:rPr>
               <a:t> – Az IBM számítógépe legyőzte a világ sakkbajnokát.</a:t>
             </a:r>
-            <a:endParaRPr lang="hu-HU" sz="2000">
-              <a:solidFill>
-                <a:schemeClr val="bg1"/>
-              </a:solidFill>
-              <a:ea typeface="Calibri"/>
-              <a:cs typeface="Calibri"/>
-            </a:endParaRPr>
           </a:p>
           <a:p>
             <a:pPr marL="0" indent="0">
               <a:buNone/>
             </a:pPr>
             <a:r>
-              <a:rPr lang="hu-HU" sz="2000" dirty="0">
+              <a:rPr lang="hu-HU" sz="2000">
                 <a:solidFill>
                   <a:schemeClr val="bg1"/>
                 </a:solidFill>
@@ -17123,7 +18796,7 @@
               <a:t>Jeopardy</a:t>
             </a:r>
             <a:r>
-              <a:rPr lang="hu-HU" sz="2000" dirty="0">
+              <a:rPr lang="hu-HU" sz="2000">
                 <a:solidFill>
                   <a:schemeClr val="bg1"/>
                 </a:solidFill>
@@ -17145,7 +18818,7 @@
               <a:buNone/>
             </a:pPr>
             <a:r>
-              <a:rPr lang="hu-HU" sz="2000" dirty="0">
+              <a:rPr lang="hu-HU" sz="2000">
                 <a:solidFill>
                   <a:schemeClr val="bg1"/>
                 </a:solidFill>
@@ -17166,7 +18839,7 @@
               <a:t>AlphaGo</a:t>
             </a:r>
             <a:r>
-              <a:rPr lang="hu-HU" sz="2000" dirty="0">
+              <a:rPr lang="hu-HU" sz="2000">
                 <a:solidFill>
                   <a:schemeClr val="bg1"/>
                 </a:solidFill>
@@ -17186,7 +18859,7 @@
               <a:t>DeepMind</a:t>
             </a:r>
             <a:r>
-              <a:rPr lang="hu-HU" sz="2000" dirty="0">
+              <a:rPr lang="hu-HU" sz="2000">
                 <a:solidFill>
                   <a:schemeClr val="bg1"/>
                 </a:solidFill>
@@ -17208,7 +18881,7 @@
               <a:buNone/>
             </a:pPr>
             <a:r>
-              <a:rPr lang="hu-HU" sz="2000" dirty="0">
+              <a:rPr lang="hu-HU" sz="2000">
                 <a:solidFill>
                   <a:schemeClr val="bg1"/>
                 </a:solidFill>
@@ -17229,7 +18902,7 @@
               <a:t>OpenAI</a:t>
             </a:r>
             <a:r>
-              <a:rPr lang="hu-HU" sz="2000" dirty="0">
+              <a:rPr lang="hu-HU" sz="2000">
                 <a:solidFill>
                   <a:schemeClr val="bg1"/>
                 </a:solidFill>
@@ -17258,6 +18931,227 @@
   <p:clrMapOvr>
     <a:masterClrMapping/>
   </p:clrMapOvr>
+  <p:timing>
+    <p:tnLst>
+      <p:par>
+        <p:cTn id="1" dur="indefinite" restart="never" nodeType="tmRoot">
+          <p:childTnLst>
+            <p:seq concurrent="1" nextAc="seek">
+              <p:cTn id="2" dur="indefinite" nodeType="mainSeq">
+                <p:childTnLst>
+                  <p:par>
+                    <p:cTn id="3" fill="hold">
+                      <p:stCondLst>
+                        <p:cond delay="indefinite"/>
+                      </p:stCondLst>
+                      <p:childTnLst>
+                        <p:par>
+                          <p:cTn id="4" fill="hold">
+                            <p:stCondLst>
+                              <p:cond delay="0"/>
+                            </p:stCondLst>
+                            <p:childTnLst>
+                              <p:par>
+                                <p:cTn id="5" presetID="1" presetClass="entr" presetSubtype="0" fill="hold" grpId="0" nodeType="clickEffect">
+                                  <p:stCondLst>
+                                    <p:cond delay="0"/>
+                                  </p:stCondLst>
+                                  <p:childTnLst>
+                                    <p:set>
+                                      <p:cBhvr>
+                                        <p:cTn id="6" dur="1" fill="hold">
+                                          <p:stCondLst>
+                                            <p:cond delay="0"/>
+                                          </p:stCondLst>
+                                        </p:cTn>
+                                        <p:tgtEl>
+                                          <p:spTgt spid="2"/>
+                                        </p:tgtEl>
+                                        <p:attrNameLst>
+                                          <p:attrName>style.visibility</p:attrName>
+                                        </p:attrNameLst>
+                                      </p:cBhvr>
+                                      <p:to>
+                                        <p:strVal val="visible"/>
+                                      </p:to>
+                                    </p:set>
+                                  </p:childTnLst>
+                                </p:cTn>
+                              </p:par>
+                            </p:childTnLst>
+                          </p:cTn>
+                        </p:par>
+                      </p:childTnLst>
+                    </p:cTn>
+                  </p:par>
+                  <p:par>
+                    <p:cTn id="7" fill="hold">
+                      <p:stCondLst>
+                        <p:cond delay="indefinite"/>
+                      </p:stCondLst>
+                      <p:childTnLst>
+                        <p:par>
+                          <p:cTn id="8" fill="hold">
+                            <p:stCondLst>
+                              <p:cond delay="0"/>
+                            </p:stCondLst>
+                            <p:childTnLst>
+                              <p:par>
+                                <p:cTn id="9" presetID="1" presetClass="entr" presetSubtype="0" fill="hold" grpId="0" nodeType="clickEffect">
+                                  <p:stCondLst>
+                                    <p:cond delay="0"/>
+                                  </p:stCondLst>
+                                  <p:childTnLst>
+                                    <p:set>
+                                      <p:cBhvr>
+                                        <p:cTn id="10" dur="1" fill="hold">
+                                          <p:stCondLst>
+                                            <p:cond delay="0"/>
+                                          </p:stCondLst>
+                                        </p:cTn>
+                                        <p:tgtEl>
+                                          <p:spTgt spid="3">
+                                            <p:txEl>
+                                              <p:pRg st="1" end="1"/>
+                                            </p:txEl>
+                                          </p:spTgt>
+                                        </p:tgtEl>
+                                        <p:attrNameLst>
+                                          <p:attrName>style.visibility</p:attrName>
+                                        </p:attrNameLst>
+                                      </p:cBhvr>
+                                      <p:to>
+                                        <p:strVal val="visible"/>
+                                      </p:to>
+                                    </p:set>
+                                  </p:childTnLst>
+                                </p:cTn>
+                              </p:par>
+                              <p:par>
+                                <p:cTn id="11" presetID="1" presetClass="entr" presetSubtype="0" fill="hold" grpId="0" nodeType="withEffect">
+                                  <p:stCondLst>
+                                    <p:cond delay="0"/>
+                                  </p:stCondLst>
+                                  <p:childTnLst>
+                                    <p:set>
+                                      <p:cBhvr>
+                                        <p:cTn id="12" dur="1" fill="hold">
+                                          <p:stCondLst>
+                                            <p:cond delay="0"/>
+                                          </p:stCondLst>
+                                        </p:cTn>
+                                        <p:tgtEl>
+                                          <p:spTgt spid="3">
+                                            <p:txEl>
+                                              <p:pRg st="2" end="2"/>
+                                            </p:txEl>
+                                          </p:spTgt>
+                                        </p:tgtEl>
+                                        <p:attrNameLst>
+                                          <p:attrName>style.visibility</p:attrName>
+                                        </p:attrNameLst>
+                                      </p:cBhvr>
+                                      <p:to>
+                                        <p:strVal val="visible"/>
+                                      </p:to>
+                                    </p:set>
+                                  </p:childTnLst>
+                                </p:cTn>
+                              </p:par>
+                              <p:par>
+                                <p:cTn id="13" presetID="1" presetClass="entr" presetSubtype="0" fill="hold" grpId="0" nodeType="withEffect">
+                                  <p:stCondLst>
+                                    <p:cond delay="0"/>
+                                  </p:stCondLst>
+                                  <p:childTnLst>
+                                    <p:set>
+                                      <p:cBhvr>
+                                        <p:cTn id="14" dur="1" fill="hold">
+                                          <p:stCondLst>
+                                            <p:cond delay="0"/>
+                                          </p:stCondLst>
+                                        </p:cTn>
+                                        <p:tgtEl>
+                                          <p:spTgt spid="3">
+                                            <p:txEl>
+                                              <p:pRg st="3" end="3"/>
+                                            </p:txEl>
+                                          </p:spTgt>
+                                        </p:tgtEl>
+                                        <p:attrNameLst>
+                                          <p:attrName>style.visibility</p:attrName>
+                                        </p:attrNameLst>
+                                      </p:cBhvr>
+                                      <p:to>
+                                        <p:strVal val="visible"/>
+                                      </p:to>
+                                    </p:set>
+                                  </p:childTnLst>
+                                </p:cTn>
+                              </p:par>
+                              <p:par>
+                                <p:cTn id="15" presetID="1" presetClass="entr" presetSubtype="0" fill="hold" grpId="0" nodeType="withEffect">
+                                  <p:stCondLst>
+                                    <p:cond delay="0"/>
+                                  </p:stCondLst>
+                                  <p:childTnLst>
+                                    <p:set>
+                                      <p:cBhvr>
+                                        <p:cTn id="16" dur="1" fill="hold">
+                                          <p:stCondLst>
+                                            <p:cond delay="0"/>
+                                          </p:stCondLst>
+                                        </p:cTn>
+                                        <p:tgtEl>
+                                          <p:spTgt spid="3">
+                                            <p:txEl>
+                                              <p:pRg st="4" end="4"/>
+                                            </p:txEl>
+                                          </p:spTgt>
+                                        </p:tgtEl>
+                                        <p:attrNameLst>
+                                          <p:attrName>style.visibility</p:attrName>
+                                        </p:attrNameLst>
+                                      </p:cBhvr>
+                                      <p:to>
+                                        <p:strVal val="visible"/>
+                                      </p:to>
+                                    </p:set>
+                                  </p:childTnLst>
+                                </p:cTn>
+                              </p:par>
+                            </p:childTnLst>
+                          </p:cTn>
+                        </p:par>
+                      </p:childTnLst>
+                    </p:cTn>
+                  </p:par>
+                </p:childTnLst>
+              </p:cTn>
+              <p:prevCondLst>
+                <p:cond evt="onPrev" delay="0">
+                  <p:tgtEl>
+                    <p:sldTgt/>
+                  </p:tgtEl>
+                </p:cond>
+              </p:prevCondLst>
+              <p:nextCondLst>
+                <p:cond evt="onNext" delay="0">
+                  <p:tgtEl>
+                    <p:sldTgt/>
+                  </p:tgtEl>
+                </p:cond>
+              </p:nextCondLst>
+            </p:seq>
+          </p:childTnLst>
+        </p:cTn>
+      </p:par>
+    </p:tnLst>
+    <p:bldLst>
+      <p:bldP spid="2" grpId="0"/>
+      <p:bldP spid="3" grpId="0" build="allAtOnce"/>
+    </p:bldLst>
+  </p:timing>
 </p:sld>
 </file>
 
@@ -17625,6 +19519,320 @@
   <p:clrMapOvr>
     <a:masterClrMapping/>
   </p:clrMapOvr>
+  <p:timing>
+    <p:tnLst>
+      <p:par>
+        <p:cTn id="1" dur="indefinite" restart="never" nodeType="tmRoot">
+          <p:childTnLst>
+            <p:seq concurrent="1" nextAc="seek">
+              <p:cTn id="2" dur="indefinite" nodeType="mainSeq">
+                <p:childTnLst>
+                  <p:par>
+                    <p:cTn id="3" fill="hold">
+                      <p:stCondLst>
+                        <p:cond delay="indefinite"/>
+                      </p:stCondLst>
+                      <p:childTnLst>
+                        <p:par>
+                          <p:cTn id="4" fill="hold">
+                            <p:stCondLst>
+                              <p:cond delay="0"/>
+                            </p:stCondLst>
+                            <p:childTnLst>
+                              <p:par>
+                                <p:cTn id="5" presetID="1" presetClass="entr" presetSubtype="0" fill="hold" grpId="0" nodeType="clickEffect">
+                                  <p:stCondLst>
+                                    <p:cond delay="0"/>
+                                  </p:stCondLst>
+                                  <p:childTnLst>
+                                    <p:set>
+                                      <p:cBhvr>
+                                        <p:cTn id="6" dur="1" fill="hold">
+                                          <p:stCondLst>
+                                            <p:cond delay="0"/>
+                                          </p:stCondLst>
+                                        </p:cTn>
+                                        <p:tgtEl>
+                                          <p:spTgt spid="2"/>
+                                        </p:tgtEl>
+                                        <p:attrNameLst>
+                                          <p:attrName>style.visibility</p:attrName>
+                                        </p:attrNameLst>
+                                      </p:cBhvr>
+                                      <p:to>
+                                        <p:strVal val="visible"/>
+                                      </p:to>
+                                    </p:set>
+                                  </p:childTnLst>
+                                </p:cTn>
+                              </p:par>
+                            </p:childTnLst>
+                          </p:cTn>
+                        </p:par>
+                      </p:childTnLst>
+                    </p:cTn>
+                  </p:par>
+                  <p:par>
+                    <p:cTn id="7" fill="hold">
+                      <p:stCondLst>
+                        <p:cond delay="indefinite"/>
+                      </p:stCondLst>
+                      <p:childTnLst>
+                        <p:par>
+                          <p:cTn id="8" fill="hold">
+                            <p:stCondLst>
+                              <p:cond delay="0"/>
+                            </p:stCondLst>
+                            <p:childTnLst>
+                              <p:par>
+                                <p:cTn id="9" presetID="1" presetClass="entr" presetSubtype="0" fill="hold" grpId="0" nodeType="clickEffect">
+                                  <p:stCondLst>
+                                    <p:cond delay="0"/>
+                                  </p:stCondLst>
+                                  <p:childTnLst>
+                                    <p:set>
+                                      <p:cBhvr>
+                                        <p:cTn id="10" dur="1" fill="hold">
+                                          <p:stCondLst>
+                                            <p:cond delay="0"/>
+                                          </p:stCondLst>
+                                        </p:cTn>
+                                        <p:tgtEl>
+                                          <p:spTgt spid="3">
+                                            <p:txEl>
+                                              <p:pRg st="0" end="0"/>
+                                            </p:txEl>
+                                          </p:spTgt>
+                                        </p:tgtEl>
+                                        <p:attrNameLst>
+                                          <p:attrName>style.visibility</p:attrName>
+                                        </p:attrNameLst>
+                                      </p:cBhvr>
+                                      <p:to>
+                                        <p:strVal val="visible"/>
+                                      </p:to>
+                                    </p:set>
+                                  </p:childTnLst>
+                                </p:cTn>
+                              </p:par>
+                              <p:par>
+                                <p:cTn id="11" presetID="1" presetClass="entr" presetSubtype="0" fill="hold" grpId="0" nodeType="withEffect">
+                                  <p:stCondLst>
+                                    <p:cond delay="0"/>
+                                  </p:stCondLst>
+                                  <p:childTnLst>
+                                    <p:set>
+                                      <p:cBhvr>
+                                        <p:cTn id="12" dur="1" fill="hold">
+                                          <p:stCondLst>
+                                            <p:cond delay="0"/>
+                                          </p:stCondLst>
+                                        </p:cTn>
+                                        <p:tgtEl>
+                                          <p:spTgt spid="3">
+                                            <p:txEl>
+                                              <p:pRg st="1" end="1"/>
+                                            </p:txEl>
+                                          </p:spTgt>
+                                        </p:tgtEl>
+                                        <p:attrNameLst>
+                                          <p:attrName>style.visibility</p:attrName>
+                                        </p:attrNameLst>
+                                      </p:cBhvr>
+                                      <p:to>
+                                        <p:strVal val="visible"/>
+                                      </p:to>
+                                    </p:set>
+                                  </p:childTnLst>
+                                </p:cTn>
+                              </p:par>
+                              <p:par>
+                                <p:cTn id="13" presetID="1" presetClass="entr" presetSubtype="0" fill="hold" grpId="0" nodeType="withEffect">
+                                  <p:stCondLst>
+                                    <p:cond delay="0"/>
+                                  </p:stCondLst>
+                                  <p:childTnLst>
+                                    <p:set>
+                                      <p:cBhvr>
+                                        <p:cTn id="14" dur="1" fill="hold">
+                                          <p:stCondLst>
+                                            <p:cond delay="0"/>
+                                          </p:stCondLst>
+                                        </p:cTn>
+                                        <p:tgtEl>
+                                          <p:spTgt spid="3">
+                                            <p:txEl>
+                                              <p:pRg st="2" end="2"/>
+                                            </p:txEl>
+                                          </p:spTgt>
+                                        </p:tgtEl>
+                                        <p:attrNameLst>
+                                          <p:attrName>style.visibility</p:attrName>
+                                        </p:attrNameLst>
+                                      </p:cBhvr>
+                                      <p:to>
+                                        <p:strVal val="visible"/>
+                                      </p:to>
+                                    </p:set>
+                                  </p:childTnLst>
+                                </p:cTn>
+                              </p:par>
+                              <p:par>
+                                <p:cTn id="15" presetID="1" presetClass="entr" presetSubtype="0" fill="hold" grpId="0" nodeType="withEffect">
+                                  <p:stCondLst>
+                                    <p:cond delay="0"/>
+                                  </p:stCondLst>
+                                  <p:childTnLst>
+                                    <p:set>
+                                      <p:cBhvr>
+                                        <p:cTn id="16" dur="1" fill="hold">
+                                          <p:stCondLst>
+                                            <p:cond delay="0"/>
+                                          </p:stCondLst>
+                                        </p:cTn>
+                                        <p:tgtEl>
+                                          <p:spTgt spid="3">
+                                            <p:txEl>
+                                              <p:pRg st="3" end="3"/>
+                                            </p:txEl>
+                                          </p:spTgt>
+                                        </p:tgtEl>
+                                        <p:attrNameLst>
+                                          <p:attrName>style.visibility</p:attrName>
+                                        </p:attrNameLst>
+                                      </p:cBhvr>
+                                      <p:to>
+                                        <p:strVal val="visible"/>
+                                      </p:to>
+                                    </p:set>
+                                  </p:childTnLst>
+                                </p:cTn>
+                              </p:par>
+                              <p:par>
+                                <p:cTn id="17" presetID="1" presetClass="entr" presetSubtype="0" fill="hold" grpId="0" nodeType="withEffect">
+                                  <p:stCondLst>
+                                    <p:cond delay="0"/>
+                                  </p:stCondLst>
+                                  <p:childTnLst>
+                                    <p:set>
+                                      <p:cBhvr>
+                                        <p:cTn id="18" dur="1" fill="hold">
+                                          <p:stCondLst>
+                                            <p:cond delay="0"/>
+                                          </p:stCondLst>
+                                        </p:cTn>
+                                        <p:tgtEl>
+                                          <p:spTgt spid="3">
+                                            <p:txEl>
+                                              <p:pRg st="4" end="4"/>
+                                            </p:txEl>
+                                          </p:spTgt>
+                                        </p:tgtEl>
+                                        <p:attrNameLst>
+                                          <p:attrName>style.visibility</p:attrName>
+                                        </p:attrNameLst>
+                                      </p:cBhvr>
+                                      <p:to>
+                                        <p:strVal val="visible"/>
+                                      </p:to>
+                                    </p:set>
+                                  </p:childTnLst>
+                                </p:cTn>
+                              </p:par>
+                              <p:par>
+                                <p:cTn id="19" presetID="1" presetClass="entr" presetSubtype="0" fill="hold" grpId="0" nodeType="withEffect">
+                                  <p:stCondLst>
+                                    <p:cond delay="0"/>
+                                  </p:stCondLst>
+                                  <p:childTnLst>
+                                    <p:set>
+                                      <p:cBhvr>
+                                        <p:cTn id="20" dur="1" fill="hold">
+                                          <p:stCondLst>
+                                            <p:cond delay="0"/>
+                                          </p:stCondLst>
+                                        </p:cTn>
+                                        <p:tgtEl>
+                                          <p:spTgt spid="3">
+                                            <p:txEl>
+                                              <p:pRg st="5" end="5"/>
+                                            </p:txEl>
+                                          </p:spTgt>
+                                        </p:tgtEl>
+                                        <p:attrNameLst>
+                                          <p:attrName>style.visibility</p:attrName>
+                                        </p:attrNameLst>
+                                      </p:cBhvr>
+                                      <p:to>
+                                        <p:strVal val="visible"/>
+                                      </p:to>
+                                    </p:set>
+                                  </p:childTnLst>
+                                </p:cTn>
+                              </p:par>
+                              <p:par>
+                                <p:cTn id="21" presetID="1" presetClass="entr" presetSubtype="0" fill="hold" grpId="0" nodeType="withEffect">
+                                  <p:stCondLst>
+                                    <p:cond delay="0"/>
+                                  </p:stCondLst>
+                                  <p:childTnLst>
+                                    <p:set>
+                                      <p:cBhvr>
+                                        <p:cTn id="22" dur="1" fill="hold">
+                                          <p:stCondLst>
+                                            <p:cond delay="0"/>
+                                          </p:stCondLst>
+                                        </p:cTn>
+                                        <p:tgtEl>
+                                          <p:spTgt spid="3">
+                                            <p:txEl>
+                                              <p:pRg st="6" end="6"/>
+                                            </p:txEl>
+                                          </p:spTgt>
+                                        </p:tgtEl>
+                                        <p:attrNameLst>
+                                          <p:attrName>style.visibility</p:attrName>
+                                        </p:attrNameLst>
+                                      </p:cBhvr>
+                                      <p:to>
+                                        <p:strVal val="visible"/>
+                                      </p:to>
+                                    </p:set>
+                                  </p:childTnLst>
+                                </p:cTn>
+                              </p:par>
+                            </p:childTnLst>
+                          </p:cTn>
+                        </p:par>
+                      </p:childTnLst>
+                    </p:cTn>
+                  </p:par>
+                </p:childTnLst>
+              </p:cTn>
+              <p:prevCondLst>
+                <p:cond evt="onPrev" delay="0">
+                  <p:tgtEl>
+                    <p:sldTgt/>
+                  </p:tgtEl>
+                </p:cond>
+              </p:prevCondLst>
+              <p:nextCondLst>
+                <p:cond evt="onNext" delay="0">
+                  <p:tgtEl>
+                    <p:sldTgt/>
+                  </p:tgtEl>
+                </p:cond>
+              </p:nextCondLst>
+            </p:seq>
+          </p:childTnLst>
+        </p:cTn>
+      </p:par>
+    </p:tnLst>
+    <p:bldLst>
+      <p:bldP spid="2" grpId="0"/>
+      <p:bldP spid="3" grpId="0" build="allAtOnce"/>
+    </p:bldLst>
+  </p:timing>
 </p:sld>
 </file>
 
@@ -17951,7 +20159,7 @@
           <a:lstStyle/>
           <a:p>
             <a:pPr algn="ctr"/>
-            <a:endParaRPr lang="en-US" dirty="0"/>
+            <a:endParaRPr lang="en-US"/>
           </a:p>
         </p:txBody>
       </p:sp>
@@ -18121,7 +20329,7 @@
           <a:lstStyle/>
           <a:p>
             <a:pPr algn="ctr"/>
-            <a:endParaRPr lang="en-US" dirty="0"/>
+            <a:endParaRPr lang="en-US"/>
           </a:p>
         </p:txBody>
       </p:sp>
@@ -18261,7 +20469,7 @@
         </p:nvSpPr>
         <p:spPr>
           <a:xfrm>
-            <a:off x="5285132" y="4572932"/>
+            <a:off x="4558991" y="4268132"/>
             <a:ext cx="2843271" cy="2387686"/>
           </a:xfrm>
           <a:prstGeom prst="rect">
@@ -18280,7 +20488,7 @@
               </a:spcAft>
             </a:pPr>
             <a:r>
-              <a:rPr lang="hu-HU" sz="2400" b="1" kern="1200" dirty="0">
+              <a:rPr lang="hu-HU" sz="2400" b="1" kern="1200">
                 <a:latin typeface="+mn-lt"/>
                 <a:ea typeface="+mn-ea"/>
                 <a:cs typeface="Calibri"/>
@@ -18300,14 +20508,14 @@
               </a:spcAft>
             </a:pPr>
             <a:r>
-              <a:rPr lang="hu-HU" sz="2400" kern="1200" dirty="0">
+              <a:rPr lang="hu-HU" sz="2400" kern="1200">
                 <a:latin typeface="+mn-lt"/>
                 <a:ea typeface="+mn-ea"/>
                 <a:cs typeface="Calibri"/>
               </a:rPr>
-              <a:t>Egy olyan robot, ami úgy gondolkodik mint egy ember,</a:t>
+              <a:t>Egy olyan robot, ami úgy gondolkodik mint egy ember</a:t>
             </a:r>
-            <a:endParaRPr lang="hu-HU" sz="2400" kern="1200" dirty="0">
+            <a:endParaRPr lang="hu-HU" sz="2400" kern="1200">
               <a:latin typeface="+mn-lt"/>
               <a:ea typeface="Calibri"/>
               <a:cs typeface="Calibri"/>
@@ -18319,7 +20527,7 @@
                 <a:spcPts val="600"/>
               </a:spcAft>
             </a:pPr>
-            <a:endParaRPr lang="hu-HU" sz="2400" dirty="0">
+            <a:endParaRPr lang="hu-HU" sz="2400">
               <a:ea typeface="Calibri"/>
               <a:cs typeface="Calibri"/>
             </a:endParaRPr>
@@ -18342,7 +20550,7 @@
         </p:nvSpPr>
         <p:spPr>
           <a:xfrm>
-            <a:off x="8399406" y="4822768"/>
+            <a:off x="8641453" y="4266956"/>
             <a:ext cx="2843271" cy="2387686"/>
           </a:xfrm>
           <a:prstGeom prst="rect">
@@ -18361,7 +20569,7 @@
               </a:spcAft>
             </a:pPr>
             <a:r>
-              <a:rPr lang="hu-HU" sz="2400" b="1" kern="1200" dirty="0">
+              <a:rPr lang="hu-HU" sz="2400" b="1" kern="1200">
                 <a:latin typeface="+mn-lt"/>
                 <a:ea typeface="+mn-ea"/>
                 <a:cs typeface="Calibri"/>
@@ -18381,14 +20589,14 @@
               </a:spcAft>
             </a:pPr>
             <a:r>
-              <a:rPr lang="hu-HU" sz="2400" kern="1200" dirty="0">
+              <a:rPr lang="hu-HU" sz="2400" kern="1200">
                 <a:latin typeface="+mn-lt"/>
                 <a:ea typeface="+mn-ea"/>
                 <a:cs typeface="Calibri"/>
               </a:rPr>
               <a:t>Egy olyan szoftver, ami csak az emberi feladatok elvégzésére képes</a:t>
             </a:r>
-            <a:endParaRPr lang="hu-HU" sz="2400" dirty="0">
+            <a:endParaRPr lang="hu-HU" sz="2400">
               <a:ea typeface="Calibri"/>
               <a:cs typeface="Calibri"/>
             </a:endParaRPr>
@@ -18435,6 +20643,176 @@
   <p:clrMapOvr>
     <a:masterClrMapping/>
   </p:clrMapOvr>
+  <p:timing>
+    <p:tnLst>
+      <p:par>
+        <p:cTn id="1" dur="indefinite" restart="never" nodeType="tmRoot">
+          <p:childTnLst>
+            <p:seq concurrent="1" nextAc="seek">
+              <p:cTn id="2" dur="indefinite" nodeType="mainSeq">
+                <p:childTnLst>
+                  <p:par>
+                    <p:cTn id="3" fill="hold">
+                      <p:stCondLst>
+                        <p:cond delay="indefinite"/>
+                      </p:stCondLst>
+                      <p:childTnLst>
+                        <p:par>
+                          <p:cTn id="4" fill="hold">
+                            <p:stCondLst>
+                              <p:cond delay="0"/>
+                            </p:stCondLst>
+                            <p:childTnLst>
+                              <p:par>
+                                <p:cTn id="5" presetID="1" presetClass="entr" presetSubtype="0" fill="hold" grpId="0" nodeType="clickEffect">
+                                  <p:stCondLst>
+                                    <p:cond delay="0"/>
+                                  </p:stCondLst>
+                                  <p:childTnLst>
+                                    <p:set>
+                                      <p:cBhvr>
+                                        <p:cTn id="6" dur="1" fill="hold">
+                                          <p:stCondLst>
+                                            <p:cond delay="0"/>
+                                          </p:stCondLst>
+                                        </p:cTn>
+                                        <p:tgtEl>
+                                          <p:spTgt spid="2"/>
+                                        </p:tgtEl>
+                                        <p:attrNameLst>
+                                          <p:attrName>style.visibility</p:attrName>
+                                        </p:attrNameLst>
+                                      </p:cBhvr>
+                                      <p:to>
+                                        <p:strVal val="visible"/>
+                                      </p:to>
+                                    </p:set>
+                                  </p:childTnLst>
+                                </p:cTn>
+                              </p:par>
+                            </p:childTnLst>
+                          </p:cTn>
+                        </p:par>
+                      </p:childTnLst>
+                    </p:cTn>
+                  </p:par>
+                  <p:par>
+                    <p:cTn id="7" fill="hold">
+                      <p:stCondLst>
+                        <p:cond delay="indefinite"/>
+                      </p:stCondLst>
+                      <p:childTnLst>
+                        <p:par>
+                          <p:cTn id="8" fill="hold">
+                            <p:stCondLst>
+                              <p:cond delay="0"/>
+                            </p:stCondLst>
+                            <p:childTnLst>
+                              <p:par>
+                                <p:cTn id="9" presetID="1" presetClass="entr" presetSubtype="0" fill="hold" grpId="0" nodeType="clickEffect">
+                                  <p:stCondLst>
+                                    <p:cond delay="0"/>
+                                  </p:stCondLst>
+                                  <p:childTnLst>
+                                    <p:set>
+                                      <p:cBhvr>
+                                        <p:cTn id="10" dur="1" fill="hold">
+                                          <p:stCondLst>
+                                            <p:cond delay="0"/>
+                                          </p:stCondLst>
+                                        </p:cTn>
+                                        <p:tgtEl>
+                                          <p:spTgt spid="3"/>
+                                        </p:tgtEl>
+                                        <p:attrNameLst>
+                                          <p:attrName>style.visibility</p:attrName>
+                                        </p:attrNameLst>
+                                      </p:cBhvr>
+                                      <p:to>
+                                        <p:strVal val="visible"/>
+                                      </p:to>
+                                    </p:set>
+                                  </p:childTnLst>
+                                </p:cTn>
+                              </p:par>
+                            </p:childTnLst>
+                          </p:cTn>
+                        </p:par>
+                      </p:childTnLst>
+                    </p:cTn>
+                  </p:par>
+                  <p:par>
+                    <p:cTn id="11" fill="hold">
+                      <p:stCondLst>
+                        <p:cond delay="indefinite"/>
+                      </p:stCondLst>
+                      <p:childTnLst>
+                        <p:par>
+                          <p:cTn id="12" fill="hold">
+                            <p:stCondLst>
+                              <p:cond delay="0"/>
+                            </p:stCondLst>
+                            <p:childTnLst>
+                              <p:par>
+                                <p:cTn id="13" presetID="1" presetClass="entr" presetSubtype="0" fill="hold" grpId="0" nodeType="clickEffect">
+                                  <p:stCondLst>
+                                    <p:cond delay="0"/>
+                                  </p:stCondLst>
+                                  <p:childTnLst>
+                                    <p:set>
+                                      <p:cBhvr>
+                                        <p:cTn id="14" dur="1" fill="hold">
+                                          <p:stCondLst>
+                                            <p:cond delay="0"/>
+                                          </p:stCondLst>
+                                        </p:cTn>
+                                        <p:tgtEl>
+                                          <p:spTgt spid="4"/>
+                                        </p:tgtEl>
+                                        <p:attrNameLst>
+                                          <p:attrName>style.visibility</p:attrName>
+                                        </p:attrNameLst>
+                                      </p:cBhvr>
+                                      <p:to>
+                                        <p:strVal val="visible"/>
+                                      </p:to>
+                                    </p:set>
+                                  </p:childTnLst>
+                                </p:cTn>
+                              </p:par>
+                            </p:childTnLst>
+                          </p:cTn>
+                        </p:par>
+                      </p:childTnLst>
+                    </p:cTn>
+                  </p:par>
+                </p:childTnLst>
+              </p:cTn>
+              <p:prevCondLst>
+                <p:cond evt="onPrev" delay="0">
+                  <p:tgtEl>
+                    <p:sldTgt/>
+                  </p:tgtEl>
+                </p:cond>
+              </p:prevCondLst>
+              <p:nextCondLst>
+                <p:cond evt="onNext" delay="0">
+                  <p:tgtEl>
+                    <p:sldTgt/>
+                  </p:tgtEl>
+                </p:cond>
+              </p:nextCondLst>
+            </p:seq>
+          </p:childTnLst>
+        </p:cTn>
+      </p:par>
+    </p:tnLst>
+    <p:bldLst>
+      <p:bldP spid="2" grpId="0"/>
+      <p:bldP spid="3" grpId="0"/>
+      <p:bldP spid="4" grpId="0"/>
+    </p:bldLst>
+  </p:timing>
 </p:sld>
 </file>
 
@@ -18819,6 +21197,289 @@
   <p:clrMapOvr>
     <a:masterClrMapping/>
   </p:clrMapOvr>
+  <p:timing>
+    <p:tnLst>
+      <p:par>
+        <p:cTn id="1" dur="indefinite" restart="never" nodeType="tmRoot">
+          <p:childTnLst>
+            <p:seq concurrent="1" nextAc="seek">
+              <p:cTn id="2" dur="indefinite" nodeType="mainSeq">
+                <p:childTnLst>
+                  <p:par>
+                    <p:cTn id="3" fill="hold">
+                      <p:stCondLst>
+                        <p:cond delay="indefinite"/>
+                      </p:stCondLst>
+                      <p:childTnLst>
+                        <p:par>
+                          <p:cTn id="4" fill="hold">
+                            <p:stCondLst>
+                              <p:cond delay="0"/>
+                            </p:stCondLst>
+                            <p:childTnLst>
+                              <p:par>
+                                <p:cTn id="5" presetID="1" presetClass="entr" presetSubtype="0" fill="hold" grpId="0" nodeType="clickEffect">
+                                  <p:stCondLst>
+                                    <p:cond delay="0"/>
+                                  </p:stCondLst>
+                                  <p:childTnLst>
+                                    <p:set>
+                                      <p:cBhvr>
+                                        <p:cTn id="6" dur="1" fill="hold">
+                                          <p:stCondLst>
+                                            <p:cond delay="0"/>
+                                          </p:stCondLst>
+                                        </p:cTn>
+                                        <p:tgtEl>
+                                          <p:spTgt spid="2"/>
+                                        </p:tgtEl>
+                                        <p:attrNameLst>
+                                          <p:attrName>style.visibility</p:attrName>
+                                        </p:attrNameLst>
+                                      </p:cBhvr>
+                                      <p:to>
+                                        <p:strVal val="visible"/>
+                                      </p:to>
+                                    </p:set>
+                                  </p:childTnLst>
+                                </p:cTn>
+                              </p:par>
+                            </p:childTnLst>
+                          </p:cTn>
+                        </p:par>
+                      </p:childTnLst>
+                    </p:cTn>
+                  </p:par>
+                  <p:par>
+                    <p:cTn id="7" fill="hold">
+                      <p:stCondLst>
+                        <p:cond delay="indefinite"/>
+                      </p:stCondLst>
+                      <p:childTnLst>
+                        <p:par>
+                          <p:cTn id="8" fill="hold">
+                            <p:stCondLst>
+                              <p:cond delay="0"/>
+                            </p:stCondLst>
+                            <p:childTnLst>
+                              <p:par>
+                                <p:cTn id="9" presetID="1" presetClass="entr" presetSubtype="0" fill="hold" grpId="0" nodeType="clickEffect">
+                                  <p:stCondLst>
+                                    <p:cond delay="0"/>
+                                  </p:stCondLst>
+                                  <p:childTnLst>
+                                    <p:set>
+                                      <p:cBhvr>
+                                        <p:cTn id="10" dur="1" fill="hold">
+                                          <p:stCondLst>
+                                            <p:cond delay="0"/>
+                                          </p:stCondLst>
+                                        </p:cTn>
+                                        <p:tgtEl>
+                                          <p:spTgt spid="3">
+                                            <p:txEl>
+                                              <p:pRg st="0" end="0"/>
+                                            </p:txEl>
+                                          </p:spTgt>
+                                        </p:tgtEl>
+                                        <p:attrNameLst>
+                                          <p:attrName>style.visibility</p:attrName>
+                                        </p:attrNameLst>
+                                      </p:cBhvr>
+                                      <p:to>
+                                        <p:strVal val="visible"/>
+                                      </p:to>
+                                    </p:set>
+                                  </p:childTnLst>
+                                </p:cTn>
+                              </p:par>
+                              <p:par>
+                                <p:cTn id="11" presetID="1" presetClass="entr" presetSubtype="0" fill="hold" grpId="0" nodeType="withEffect">
+                                  <p:stCondLst>
+                                    <p:cond delay="0"/>
+                                  </p:stCondLst>
+                                  <p:childTnLst>
+                                    <p:set>
+                                      <p:cBhvr>
+                                        <p:cTn id="12" dur="1" fill="hold">
+                                          <p:stCondLst>
+                                            <p:cond delay="0"/>
+                                          </p:stCondLst>
+                                        </p:cTn>
+                                        <p:tgtEl>
+                                          <p:spTgt spid="3">
+                                            <p:txEl>
+                                              <p:pRg st="1" end="1"/>
+                                            </p:txEl>
+                                          </p:spTgt>
+                                        </p:tgtEl>
+                                        <p:attrNameLst>
+                                          <p:attrName>style.visibility</p:attrName>
+                                        </p:attrNameLst>
+                                      </p:cBhvr>
+                                      <p:to>
+                                        <p:strVal val="visible"/>
+                                      </p:to>
+                                    </p:set>
+                                  </p:childTnLst>
+                                </p:cTn>
+                              </p:par>
+                              <p:par>
+                                <p:cTn id="13" presetID="1" presetClass="entr" presetSubtype="0" fill="hold" grpId="0" nodeType="withEffect">
+                                  <p:stCondLst>
+                                    <p:cond delay="0"/>
+                                  </p:stCondLst>
+                                  <p:childTnLst>
+                                    <p:set>
+                                      <p:cBhvr>
+                                        <p:cTn id="14" dur="1" fill="hold">
+                                          <p:stCondLst>
+                                            <p:cond delay="0"/>
+                                          </p:stCondLst>
+                                        </p:cTn>
+                                        <p:tgtEl>
+                                          <p:spTgt spid="3">
+                                            <p:txEl>
+                                              <p:pRg st="3" end="3"/>
+                                            </p:txEl>
+                                          </p:spTgt>
+                                        </p:tgtEl>
+                                        <p:attrNameLst>
+                                          <p:attrName>style.visibility</p:attrName>
+                                        </p:attrNameLst>
+                                      </p:cBhvr>
+                                      <p:to>
+                                        <p:strVal val="visible"/>
+                                      </p:to>
+                                    </p:set>
+                                  </p:childTnLst>
+                                </p:cTn>
+                              </p:par>
+                              <p:par>
+                                <p:cTn id="15" presetID="1" presetClass="entr" presetSubtype="0" fill="hold" grpId="0" nodeType="withEffect">
+                                  <p:stCondLst>
+                                    <p:cond delay="0"/>
+                                  </p:stCondLst>
+                                  <p:childTnLst>
+                                    <p:set>
+                                      <p:cBhvr>
+                                        <p:cTn id="16" dur="1" fill="hold">
+                                          <p:stCondLst>
+                                            <p:cond delay="0"/>
+                                          </p:stCondLst>
+                                        </p:cTn>
+                                        <p:tgtEl>
+                                          <p:spTgt spid="3">
+                                            <p:txEl>
+                                              <p:pRg st="4" end="4"/>
+                                            </p:txEl>
+                                          </p:spTgt>
+                                        </p:tgtEl>
+                                        <p:attrNameLst>
+                                          <p:attrName>style.visibility</p:attrName>
+                                        </p:attrNameLst>
+                                      </p:cBhvr>
+                                      <p:to>
+                                        <p:strVal val="visible"/>
+                                      </p:to>
+                                    </p:set>
+                                  </p:childTnLst>
+                                </p:cTn>
+                              </p:par>
+                              <p:par>
+                                <p:cTn id="17" presetID="1" presetClass="entr" presetSubtype="0" fill="hold" grpId="0" nodeType="withEffect">
+                                  <p:stCondLst>
+                                    <p:cond delay="0"/>
+                                  </p:stCondLst>
+                                  <p:childTnLst>
+                                    <p:set>
+                                      <p:cBhvr>
+                                        <p:cTn id="18" dur="1" fill="hold">
+                                          <p:stCondLst>
+                                            <p:cond delay="0"/>
+                                          </p:stCondLst>
+                                        </p:cTn>
+                                        <p:tgtEl>
+                                          <p:spTgt spid="3">
+                                            <p:txEl>
+                                              <p:pRg st="5" end="5"/>
+                                            </p:txEl>
+                                          </p:spTgt>
+                                        </p:tgtEl>
+                                        <p:attrNameLst>
+                                          <p:attrName>style.visibility</p:attrName>
+                                        </p:attrNameLst>
+                                      </p:cBhvr>
+                                      <p:to>
+                                        <p:strVal val="visible"/>
+                                      </p:to>
+                                    </p:set>
+                                  </p:childTnLst>
+                                </p:cTn>
+                              </p:par>
+                              <p:par>
+                                <p:cTn id="19" presetID="1" presetClass="entr" presetSubtype="0" fill="hold" grpId="0" nodeType="withEffect">
+                                  <p:stCondLst>
+                                    <p:cond delay="0"/>
+                                  </p:stCondLst>
+                                  <p:childTnLst>
+                                    <p:set>
+                                      <p:cBhvr>
+                                        <p:cTn id="20" dur="1" fill="hold">
+                                          <p:stCondLst>
+                                            <p:cond delay="0"/>
+                                          </p:stCondLst>
+                                        </p:cTn>
+                                        <p:tgtEl>
+                                          <p:spTgt spid="3">
+                                            <p:txEl>
+                                              <p:pRg st="6" end="6"/>
+                                            </p:txEl>
+                                          </p:spTgt>
+                                        </p:tgtEl>
+                                        <p:attrNameLst>
+                                          <p:attrName>style.visibility</p:attrName>
+                                        </p:attrNameLst>
+                                      </p:cBhvr>
+                                      <p:to>
+                                        <p:strVal val="visible"/>
+                                      </p:to>
+                                    </p:set>
+                                  </p:childTnLst>
+                                </p:cTn>
+                              </p:par>
+                            </p:childTnLst>
+                          </p:cTn>
+                        </p:par>
+                      </p:childTnLst>
+                    </p:cTn>
+                  </p:par>
+                </p:childTnLst>
+              </p:cTn>
+              <p:prevCondLst>
+                <p:cond evt="onPrev" delay="0">
+                  <p:tgtEl>
+                    <p:sldTgt/>
+                  </p:tgtEl>
+                </p:cond>
+              </p:prevCondLst>
+              <p:nextCondLst>
+                <p:cond evt="onNext" delay="0">
+                  <p:tgtEl>
+                    <p:sldTgt/>
+                  </p:tgtEl>
+                </p:cond>
+              </p:nextCondLst>
+            </p:seq>
+          </p:childTnLst>
+        </p:cTn>
+      </p:par>
+    </p:tnLst>
+    <p:bldLst>
+      <p:bldP spid="2" grpId="0"/>
+      <p:bldP spid="3" grpId="0" build="allAtOnce"/>
+    </p:bldLst>
+  </p:timing>
 </p:sld>
 </file>
 
@@ -19154,9 +21815,6 @@
                     <p:cTn id="3" fill="hold">
                       <p:stCondLst>
                         <p:cond delay="indefinite"/>
-                        <p:cond evt="onBegin" delay="0">
-                          <p:tn val="2"/>
-                        </p:cond>
                       </p:stCondLst>
                       <p:childTnLst>
                         <p:par>
@@ -19166,13 +21824,10 @@
                             </p:stCondLst>
                             <p:childTnLst>
                               <p:par>
-                                <p:cTn id="5" presetID="10" presetClass="entr" presetSubtype="0" fill="hold" grpId="0" nodeType="withEffect">
+                                <p:cTn id="5" presetID="1" presetClass="entr" presetSubtype="0" fill="hold" grpId="0" nodeType="clickEffect">
                                   <p:stCondLst>
-                                    <p:cond delay="1000"/>
+                                    <p:cond delay="0"/>
                                   </p:stCondLst>
-                                  <p:iterate type="lt">
-                                    <p:tmPct val="10000"/>
-                                  </p:iterate>
                                   <p:childTnLst>
                                     <p:set>
                                       <p:cBhvr>
@@ -19192,14 +21847,55 @@
                                         <p:strVal val="visible"/>
                                       </p:to>
                                     </p:set>
-                                    <p:animEffect transition="in" filter="fade">
+                                  </p:childTnLst>
+                                </p:cTn>
+                              </p:par>
+                            </p:childTnLst>
+                          </p:cTn>
+                        </p:par>
+                      </p:childTnLst>
+                    </p:cTn>
+                  </p:par>
+                  <p:par>
+                    <p:cTn id="7" fill="hold">
+                      <p:stCondLst>
+                        <p:cond delay="indefinite"/>
+                      </p:stCondLst>
+                      <p:childTnLst>
+                        <p:par>
+                          <p:cTn id="8" fill="hold">
+                            <p:stCondLst>
+                              <p:cond delay="0"/>
+                            </p:stCondLst>
+                            <p:childTnLst>
+                              <p:par>
+                                <p:cTn id="9" presetID="1" presetClass="entr" presetSubtype="0" fill="hold" grpId="0" nodeType="clickEffect">
+                                  <p:stCondLst>
+                                    <p:cond delay="0"/>
+                                  </p:stCondLst>
+                                  <p:childTnLst>
+                                    <p:set>
                                       <p:cBhvr>
-                                        <p:cTn id="7" dur="400"/>
+                                        <p:cTn id="10" dur="1" fill="hold">
+                                          <p:stCondLst>
+                                            <p:cond delay="0"/>
+                                          </p:stCondLst>
+                                        </p:cTn>
                                         <p:tgtEl>
-                                          <p:spTgt spid="2"/>
+                                          <p:spTgt spid="8">
+                                            <p:txEl>
+                                              <p:pRg st="0" end="0"/>
+                                            </p:txEl>
+                                          </p:spTgt>
                                         </p:tgtEl>
+                                        <p:attrNameLst>
+                                          <p:attrName>style.visibility</p:attrName>
+                                        </p:attrNameLst>
                                       </p:cBhvr>
-                                    </p:animEffect>
+                                      <p:to>
+                                        <p:strVal val="visible"/>
+                                      </p:to>
+                                    </p:set>
                                   </p:childTnLst>
                                 </p:cTn>
                               </p:par>
@@ -19232,6 +21928,7 @@
     </p:tnLst>
     <p:bldLst>
       <p:bldP spid="2" grpId="0"/>
+      <p:bldP spid="8" grpId="0" build="p"/>
     </p:bldLst>
   </p:timing>
 </p:sld>
@@ -19552,17 +22249,6 @@
                 <a:ea typeface="Calibri"/>
                 <a:cs typeface="Segoe UI"/>
               </a:rPr>
-              <a:t>Ügyfelek viselkedésének előrejelzése</a:t>
-            </a:r>
-          </a:p>
-          <a:p>
-            <a:pPr marL="457200" lvl="2" indent="114300"/>
-            <a:r>
-              <a:rPr lang="hu-HU">
-                <a:latin typeface="Calibri"/>
-                <a:ea typeface="Calibri"/>
-                <a:cs typeface="Segoe UI"/>
-              </a:rPr>
               <a:t>Az adatintegritás javítása</a:t>
             </a:r>
           </a:p>
@@ -19600,6 +22286,351 @@
   <p:clrMapOvr>
     <a:masterClrMapping/>
   </p:clrMapOvr>
+  <p:timing>
+    <p:tnLst>
+      <p:par>
+        <p:cTn id="1" dur="indefinite" restart="never" nodeType="tmRoot">
+          <p:childTnLst>
+            <p:seq concurrent="1" nextAc="seek">
+              <p:cTn id="2" dur="indefinite" nodeType="mainSeq">
+                <p:childTnLst>
+                  <p:par>
+                    <p:cTn id="3" fill="hold">
+                      <p:stCondLst>
+                        <p:cond delay="indefinite"/>
+                      </p:stCondLst>
+                      <p:childTnLst>
+                        <p:par>
+                          <p:cTn id="4" fill="hold">
+                            <p:stCondLst>
+                              <p:cond delay="0"/>
+                            </p:stCondLst>
+                            <p:childTnLst>
+                              <p:par>
+                                <p:cTn id="5" presetID="1" presetClass="entr" presetSubtype="0" fill="hold" grpId="0" nodeType="clickEffect">
+                                  <p:stCondLst>
+                                    <p:cond delay="0"/>
+                                  </p:stCondLst>
+                                  <p:childTnLst>
+                                    <p:set>
+                                      <p:cBhvr>
+                                        <p:cTn id="6" dur="1" fill="hold">
+                                          <p:stCondLst>
+                                            <p:cond delay="0"/>
+                                          </p:stCondLst>
+                                        </p:cTn>
+                                        <p:tgtEl>
+                                          <p:spTgt spid="2"/>
+                                        </p:tgtEl>
+                                        <p:attrNameLst>
+                                          <p:attrName>style.visibility</p:attrName>
+                                        </p:attrNameLst>
+                                      </p:cBhvr>
+                                      <p:to>
+                                        <p:strVal val="visible"/>
+                                      </p:to>
+                                    </p:set>
+                                  </p:childTnLst>
+                                </p:cTn>
+                              </p:par>
+                            </p:childTnLst>
+                          </p:cTn>
+                        </p:par>
+                      </p:childTnLst>
+                    </p:cTn>
+                  </p:par>
+                  <p:par>
+                    <p:cTn id="7" fill="hold">
+                      <p:stCondLst>
+                        <p:cond delay="indefinite"/>
+                      </p:stCondLst>
+                      <p:childTnLst>
+                        <p:par>
+                          <p:cTn id="8" fill="hold">
+                            <p:stCondLst>
+                              <p:cond delay="0"/>
+                            </p:stCondLst>
+                            <p:childTnLst>
+                              <p:par>
+                                <p:cTn id="9" presetID="1" presetClass="entr" presetSubtype="0" fill="hold" grpId="0" nodeType="clickEffect">
+                                  <p:stCondLst>
+                                    <p:cond delay="0"/>
+                                  </p:stCondLst>
+                                  <p:childTnLst>
+                                    <p:set>
+                                      <p:cBhvr>
+                                        <p:cTn id="10" dur="1" fill="hold">
+                                          <p:stCondLst>
+                                            <p:cond delay="0"/>
+                                          </p:stCondLst>
+                                        </p:cTn>
+                                        <p:tgtEl>
+                                          <p:spTgt spid="3">
+                                            <p:txEl>
+                                              <p:pRg st="0" end="0"/>
+                                            </p:txEl>
+                                          </p:spTgt>
+                                        </p:tgtEl>
+                                        <p:attrNameLst>
+                                          <p:attrName>style.visibility</p:attrName>
+                                        </p:attrNameLst>
+                                      </p:cBhvr>
+                                      <p:to>
+                                        <p:strVal val="visible"/>
+                                      </p:to>
+                                    </p:set>
+                                  </p:childTnLst>
+                                </p:cTn>
+                              </p:par>
+                              <p:par>
+                                <p:cTn id="11" presetID="1" presetClass="entr" presetSubtype="0" fill="hold" grpId="0" nodeType="withEffect">
+                                  <p:stCondLst>
+                                    <p:cond delay="0"/>
+                                  </p:stCondLst>
+                                  <p:childTnLst>
+                                    <p:set>
+                                      <p:cBhvr>
+                                        <p:cTn id="12" dur="1" fill="hold">
+                                          <p:stCondLst>
+                                            <p:cond delay="0"/>
+                                          </p:stCondLst>
+                                        </p:cTn>
+                                        <p:tgtEl>
+                                          <p:spTgt spid="3">
+                                            <p:txEl>
+                                              <p:pRg st="1" end="1"/>
+                                            </p:txEl>
+                                          </p:spTgt>
+                                        </p:tgtEl>
+                                        <p:attrNameLst>
+                                          <p:attrName>style.visibility</p:attrName>
+                                        </p:attrNameLst>
+                                      </p:cBhvr>
+                                      <p:to>
+                                        <p:strVal val="visible"/>
+                                      </p:to>
+                                    </p:set>
+                                  </p:childTnLst>
+                                </p:cTn>
+                              </p:par>
+                              <p:par>
+                                <p:cTn id="13" presetID="1" presetClass="entr" presetSubtype="0" fill="hold" grpId="0" nodeType="withEffect">
+                                  <p:stCondLst>
+                                    <p:cond delay="0"/>
+                                  </p:stCondLst>
+                                  <p:childTnLst>
+                                    <p:set>
+                                      <p:cBhvr>
+                                        <p:cTn id="14" dur="1" fill="hold">
+                                          <p:stCondLst>
+                                            <p:cond delay="0"/>
+                                          </p:stCondLst>
+                                        </p:cTn>
+                                        <p:tgtEl>
+                                          <p:spTgt spid="3">
+                                            <p:txEl>
+                                              <p:pRg st="3" end="3"/>
+                                            </p:txEl>
+                                          </p:spTgt>
+                                        </p:tgtEl>
+                                        <p:attrNameLst>
+                                          <p:attrName>style.visibility</p:attrName>
+                                        </p:attrNameLst>
+                                      </p:cBhvr>
+                                      <p:to>
+                                        <p:strVal val="visible"/>
+                                      </p:to>
+                                    </p:set>
+                                  </p:childTnLst>
+                                </p:cTn>
+                              </p:par>
+                              <p:par>
+                                <p:cTn id="15" presetID="1" presetClass="entr" presetSubtype="0" fill="hold" grpId="0" nodeType="withEffect">
+                                  <p:stCondLst>
+                                    <p:cond delay="0"/>
+                                  </p:stCondLst>
+                                  <p:childTnLst>
+                                    <p:set>
+                                      <p:cBhvr>
+                                        <p:cTn id="16" dur="1" fill="hold">
+                                          <p:stCondLst>
+                                            <p:cond delay="0"/>
+                                          </p:stCondLst>
+                                        </p:cTn>
+                                        <p:tgtEl>
+                                          <p:spTgt spid="3">
+                                            <p:txEl>
+                                              <p:pRg st="4" end="4"/>
+                                            </p:txEl>
+                                          </p:spTgt>
+                                        </p:tgtEl>
+                                        <p:attrNameLst>
+                                          <p:attrName>style.visibility</p:attrName>
+                                        </p:attrNameLst>
+                                      </p:cBhvr>
+                                      <p:to>
+                                        <p:strVal val="visible"/>
+                                      </p:to>
+                                    </p:set>
+                                  </p:childTnLst>
+                                </p:cTn>
+                              </p:par>
+                              <p:par>
+                                <p:cTn id="17" presetID="1" presetClass="entr" presetSubtype="0" fill="hold" grpId="0" nodeType="withEffect">
+                                  <p:stCondLst>
+                                    <p:cond delay="0"/>
+                                  </p:stCondLst>
+                                  <p:childTnLst>
+                                    <p:set>
+                                      <p:cBhvr>
+                                        <p:cTn id="18" dur="1" fill="hold">
+                                          <p:stCondLst>
+                                            <p:cond delay="0"/>
+                                          </p:stCondLst>
+                                        </p:cTn>
+                                        <p:tgtEl>
+                                          <p:spTgt spid="3">
+                                            <p:txEl>
+                                              <p:pRg st="5" end="5"/>
+                                            </p:txEl>
+                                          </p:spTgt>
+                                        </p:tgtEl>
+                                        <p:attrNameLst>
+                                          <p:attrName>style.visibility</p:attrName>
+                                        </p:attrNameLst>
+                                      </p:cBhvr>
+                                      <p:to>
+                                        <p:strVal val="visible"/>
+                                      </p:to>
+                                    </p:set>
+                                  </p:childTnLst>
+                                </p:cTn>
+                              </p:par>
+                              <p:par>
+                                <p:cTn id="19" presetID="1" presetClass="entr" presetSubtype="0" fill="hold" grpId="0" nodeType="withEffect">
+                                  <p:stCondLst>
+                                    <p:cond delay="0"/>
+                                  </p:stCondLst>
+                                  <p:childTnLst>
+                                    <p:set>
+                                      <p:cBhvr>
+                                        <p:cTn id="20" dur="1" fill="hold">
+                                          <p:stCondLst>
+                                            <p:cond delay="0"/>
+                                          </p:stCondLst>
+                                        </p:cTn>
+                                        <p:tgtEl>
+                                          <p:spTgt spid="3">
+                                            <p:txEl>
+                                              <p:pRg st="6" end="6"/>
+                                            </p:txEl>
+                                          </p:spTgt>
+                                        </p:tgtEl>
+                                        <p:attrNameLst>
+                                          <p:attrName>style.visibility</p:attrName>
+                                        </p:attrNameLst>
+                                      </p:cBhvr>
+                                      <p:to>
+                                        <p:strVal val="visible"/>
+                                      </p:to>
+                                    </p:set>
+                                  </p:childTnLst>
+                                </p:cTn>
+                              </p:par>
+                              <p:par>
+                                <p:cTn id="21" presetID="1" presetClass="entr" presetSubtype="0" fill="hold" grpId="0" nodeType="withEffect">
+                                  <p:stCondLst>
+                                    <p:cond delay="0"/>
+                                  </p:stCondLst>
+                                  <p:childTnLst>
+                                    <p:set>
+                                      <p:cBhvr>
+                                        <p:cTn id="22" dur="1" fill="hold">
+                                          <p:stCondLst>
+                                            <p:cond delay="0"/>
+                                          </p:stCondLst>
+                                        </p:cTn>
+                                        <p:tgtEl>
+                                          <p:spTgt spid="3">
+                                            <p:txEl>
+                                              <p:pRg st="7" end="7"/>
+                                            </p:txEl>
+                                          </p:spTgt>
+                                        </p:tgtEl>
+                                        <p:attrNameLst>
+                                          <p:attrName>style.visibility</p:attrName>
+                                        </p:attrNameLst>
+                                      </p:cBhvr>
+                                      <p:to>
+                                        <p:strVal val="visible"/>
+                                      </p:to>
+                                    </p:set>
+                                  </p:childTnLst>
+                                </p:cTn>
+                              </p:par>
+                              <p:par>
+                                <p:cTn id="23" presetID="1" presetClass="entr" presetSubtype="0" fill="hold" grpId="0" nodeType="withEffect">
+                                  <p:stCondLst>
+                                    <p:cond delay="0"/>
+                                  </p:stCondLst>
+                                  <p:childTnLst>
+                                    <p:set>
+                                      <p:cBhvr>
+                                        <p:cTn id="24" dur="1" fill="hold">
+                                          <p:stCondLst>
+                                            <p:cond delay="0"/>
+                                          </p:stCondLst>
+                                        </p:cTn>
+                                        <p:tgtEl>
+                                          <p:spTgt spid="3">
+                                            <p:txEl>
+                                              <p:pRg st="8" end="8"/>
+                                            </p:txEl>
+                                          </p:spTgt>
+                                        </p:tgtEl>
+                                        <p:attrNameLst>
+                                          <p:attrName>style.visibility</p:attrName>
+                                        </p:attrNameLst>
+                                      </p:cBhvr>
+                                      <p:to>
+                                        <p:strVal val="visible"/>
+                                      </p:to>
+                                    </p:set>
+                                  </p:childTnLst>
+                                </p:cTn>
+                              </p:par>
+                            </p:childTnLst>
+                          </p:cTn>
+                        </p:par>
+                      </p:childTnLst>
+                    </p:cTn>
+                  </p:par>
+                </p:childTnLst>
+              </p:cTn>
+              <p:prevCondLst>
+                <p:cond evt="onPrev" delay="0">
+                  <p:tgtEl>
+                    <p:sldTgt/>
+                  </p:tgtEl>
+                </p:cond>
+              </p:prevCondLst>
+              <p:nextCondLst>
+                <p:cond evt="onNext" delay="0">
+                  <p:tgtEl>
+                    <p:sldTgt/>
+                  </p:tgtEl>
+                </p:cond>
+              </p:nextCondLst>
+            </p:seq>
+          </p:childTnLst>
+        </p:cTn>
+      </p:par>
+    </p:tnLst>
+    <p:bldLst>
+      <p:bldP spid="2" grpId="0"/>
+      <p:bldP spid="3" grpId="0" build="p"/>
+    </p:bldLst>
+  </p:timing>
 </p:sld>
 </file>
 

--- a/ai ppt.pptx
+++ b/ai ppt.pptx
@@ -19,6 +19,8 @@
     <p:sldId id="265" r:id="rId13"/>
     <p:sldId id="263" r:id="rId14"/>
     <p:sldId id="264" r:id="rId15"/>
+    <p:sldId id="271" r:id="rId16"/>
+    <p:sldId id="272" r:id="rId17"/>
   </p:sldIdLst>
   <p:sldSz cx="12192000" cy="6858000"/>
   <p:notesSz cx="6858000" cy="9144000"/>
@@ -128,6 +130,7 @@
 <file path=ppt/revisionInfo.xml><?xml version="1.0" encoding="utf-8"?>
 <p1510:revInfo xmlns:a="http://schemas.openxmlformats.org/drawingml/2006/main" xmlns:r="http://schemas.openxmlformats.org/officeDocument/2006/relationships" xmlns:p1510="http://schemas.microsoft.com/office/powerpoint/2015/10/main">
   <p1510:revLst>
+    <p1510:client id="{15014A35-93DC-1884-BE42-3FC6EC9EE9B3}" v="48" dt="2023-12-07T08:11:36.760"/>
     <p1510:client id="{5111FB61-CA82-7F4E-A6FD-D584D691B186}" v="8" dt="2023-11-30T08:22:13.170"/>
     <p1510:client id="{B9CAA9D8-5A54-4910-B53E-6DE308ED206B}" v="6" dt="2023-12-06T10:10:12.700"/>
     <p1510:client id="{BF139F21-3227-4AF9-9B6F-B2DAF7BA58CD}" v="47" dt="2023-12-06T10:04:45.951"/>
@@ -264,7 +267,7 @@
           <a:p>
             <a:fld id="{F5F1901C-D33B-4565-A7E4-5DF903098DB6}" type="datetimeFigureOut">
               <a:rPr lang="hu-HU" smtClean="0"/>
-              <a:t>2023. 12. 06.</a:t>
+              <a:t>2023. 12. 07.</a:t>
             </a:fld>
             <a:endParaRPr lang="hu-HU"/>
           </a:p>
@@ -432,7 +435,7 @@
           <a:p>
             <a:fld id="{F5F1901C-D33B-4565-A7E4-5DF903098DB6}" type="datetimeFigureOut">
               <a:rPr lang="hu-HU" smtClean="0"/>
-              <a:t>2023. 12. 06.</a:t>
+              <a:t>2023. 12. 07.</a:t>
             </a:fld>
             <a:endParaRPr lang="hu-HU"/>
           </a:p>
@@ -610,7 +613,7 @@
           <a:p>
             <a:fld id="{F5F1901C-D33B-4565-A7E4-5DF903098DB6}" type="datetimeFigureOut">
               <a:rPr lang="hu-HU" smtClean="0"/>
-              <a:t>2023. 12. 06.</a:t>
+              <a:t>2023. 12. 07.</a:t>
             </a:fld>
             <a:endParaRPr lang="hu-HU"/>
           </a:p>
@@ -778,7 +781,7 @@
           <a:p>
             <a:fld id="{F5F1901C-D33B-4565-A7E4-5DF903098DB6}" type="datetimeFigureOut">
               <a:rPr lang="hu-HU" smtClean="0"/>
-              <a:t>2023. 12. 06.</a:t>
+              <a:t>2023. 12. 07.</a:t>
             </a:fld>
             <a:endParaRPr lang="hu-HU"/>
           </a:p>
@@ -1023,7 +1026,7 @@
           <a:p>
             <a:fld id="{F5F1901C-D33B-4565-A7E4-5DF903098DB6}" type="datetimeFigureOut">
               <a:rPr lang="hu-HU" smtClean="0"/>
-              <a:t>2023. 12. 06.</a:t>
+              <a:t>2023. 12. 07.</a:t>
             </a:fld>
             <a:endParaRPr lang="hu-HU"/>
           </a:p>
@@ -1252,7 +1255,7 @@
           <a:p>
             <a:fld id="{F5F1901C-D33B-4565-A7E4-5DF903098DB6}" type="datetimeFigureOut">
               <a:rPr lang="hu-HU" smtClean="0"/>
-              <a:t>2023. 12. 06.</a:t>
+              <a:t>2023. 12. 07.</a:t>
             </a:fld>
             <a:endParaRPr lang="hu-HU"/>
           </a:p>
@@ -1616,7 +1619,7 @@
           <a:p>
             <a:fld id="{F5F1901C-D33B-4565-A7E4-5DF903098DB6}" type="datetimeFigureOut">
               <a:rPr lang="hu-HU" smtClean="0"/>
-              <a:t>2023. 12. 06.</a:t>
+              <a:t>2023. 12. 07.</a:t>
             </a:fld>
             <a:endParaRPr lang="hu-HU"/>
           </a:p>
@@ -1733,7 +1736,7 @@
           <a:p>
             <a:fld id="{F5F1901C-D33B-4565-A7E4-5DF903098DB6}" type="datetimeFigureOut">
               <a:rPr lang="hu-HU" smtClean="0"/>
-              <a:t>2023. 12. 06.</a:t>
+              <a:t>2023. 12. 07.</a:t>
             </a:fld>
             <a:endParaRPr lang="hu-HU"/>
           </a:p>
@@ -1828,7 +1831,7 @@
           <a:p>
             <a:fld id="{F5F1901C-D33B-4565-A7E4-5DF903098DB6}" type="datetimeFigureOut">
               <a:rPr lang="hu-HU" smtClean="0"/>
-              <a:t>2023. 12. 06.</a:t>
+              <a:t>2023. 12. 07.</a:t>
             </a:fld>
             <a:endParaRPr lang="hu-HU"/>
           </a:p>
@@ -2103,7 +2106,7 @@
           <a:p>
             <a:fld id="{F5F1901C-D33B-4565-A7E4-5DF903098DB6}" type="datetimeFigureOut">
               <a:rPr lang="hu-HU" smtClean="0"/>
-              <a:t>2023. 12. 06.</a:t>
+              <a:t>2023. 12. 07.</a:t>
             </a:fld>
             <a:endParaRPr lang="hu-HU"/>
           </a:p>
@@ -2355,7 +2358,7 @@
           <a:p>
             <a:fld id="{F5F1901C-D33B-4565-A7E4-5DF903098DB6}" type="datetimeFigureOut">
               <a:rPr lang="hu-HU" smtClean="0"/>
-              <a:t>2023. 12. 06.</a:t>
+              <a:t>2023. 12. 07.</a:t>
             </a:fld>
             <a:endParaRPr lang="hu-HU"/>
           </a:p>
@@ -2566,7 +2569,7 @@
           <a:p>
             <a:fld id="{F5F1901C-D33B-4565-A7E4-5DF903098DB6}" type="datetimeFigureOut">
               <a:rPr lang="hu-HU" smtClean="0"/>
-              <a:t>2023. 12. 06.</a:t>
+              <a:t>2023. 12. 07.</a:t>
             </a:fld>
             <a:endParaRPr lang="hu-HU"/>
           </a:p>
@@ -16697,6 +16700,264 @@
       <p:bldP spid="3" grpId="0" build="allAtOnce"/>
     </p:bldLst>
   </p:timing>
+</p:sld>
+</file>
+
+<file path=ppt/slides/slide15.xml><?xml version="1.0" encoding="utf-8"?>
+<p:sld xmlns:a="http://schemas.openxmlformats.org/drawingml/2006/main" xmlns:r="http://schemas.openxmlformats.org/officeDocument/2006/relationships" xmlns:p="http://schemas.openxmlformats.org/presentationml/2006/main">
+  <p:cSld>
+    <p:spTree>
+      <p:nvGrpSpPr>
+        <p:cNvPr id="1" name=""/>
+        <p:cNvGrpSpPr/>
+        <p:nvPr/>
+      </p:nvGrpSpPr>
+      <p:grpSpPr>
+        <a:xfrm>
+          <a:off x="0" y="0"/>
+          <a:ext cx="0" cy="0"/>
+          <a:chOff x="0" y="0"/>
+          <a:chExt cx="0" cy="0"/>
+        </a:xfrm>
+      </p:grpSpPr>
+      <p:sp>
+        <p:nvSpPr>
+          <p:cNvPr id="2" name="Cím 1">
+            <a:extLst>
+              <a:ext uri="{FF2B5EF4-FFF2-40B4-BE49-F238E27FC236}">
+                <a16:creationId xmlns:a16="http://schemas.microsoft.com/office/drawing/2014/main" id="{D0E59FC4-CEE8-F723-224B-41232A3D3B0F}"/>
+              </a:ext>
+            </a:extLst>
+          </p:cNvPr>
+          <p:cNvSpPr>
+            <a:spLocks noGrp="1"/>
+          </p:cNvSpPr>
+          <p:nvPr>
+            <p:ph type="title"/>
+          </p:nvPr>
+        </p:nvSpPr>
+        <p:spPr/>
+        <p:txBody>
+          <a:bodyPr/>
+          <a:lstStyle/>
+          <a:p>
+            <a:r>
+              <a:rPr lang="hu-HU" dirty="0">
+                <a:cs typeface="Calibri Light"/>
+              </a:rPr>
+              <a:t>Források</a:t>
+            </a:r>
+            <a:endParaRPr lang="hu-HU" dirty="0"/>
+          </a:p>
+        </p:txBody>
+      </p:sp>
+      <p:sp>
+        <p:nvSpPr>
+          <p:cNvPr id="3" name="Tartalom helye 2">
+            <a:extLst>
+              <a:ext uri="{FF2B5EF4-FFF2-40B4-BE49-F238E27FC236}">
+                <a16:creationId xmlns:a16="http://schemas.microsoft.com/office/drawing/2014/main" id="{10800A0F-9CF4-0075-FE30-438DB87BD2F2}"/>
+              </a:ext>
+            </a:extLst>
+          </p:cNvPr>
+          <p:cNvSpPr>
+            <a:spLocks noGrp="1"/>
+          </p:cNvSpPr>
+          <p:nvPr>
+            <p:ph idx="1"/>
+          </p:nvPr>
+        </p:nvSpPr>
+        <p:spPr/>
+        <p:txBody>
+          <a:bodyPr vert="horz" lIns="91440" tIns="45720" rIns="91440" bIns="45720" rtlCol="0" anchor="t">
+            <a:normAutofit/>
+          </a:bodyPr>
+          <a:lstStyle/>
+          <a:p>
+            <a:r>
+              <a:rPr lang="hu-HU" sz="1400" u="sng" dirty="0">
+                <a:cs typeface="Calibri"/>
+                <a:hlinkClick r:id="rId2"/>
+              </a:rPr>
+              <a:t>https://www.portfolio.hu/short/20230123/veszelyt-jelent-rank-a-mesterseges-intelligencia-es-ezt-o-is-tudja-592304</a:t>
+            </a:r>
+            <a:endParaRPr lang="hu-HU" sz="1400">
+              <a:solidFill>
+                <a:srgbClr val="1A2521"/>
+              </a:solidFill>
+              <a:cs typeface="Calibri"/>
+            </a:endParaRPr>
+          </a:p>
+          <a:p>
+            <a:r>
+              <a:rPr lang="hu-HU" sz="1400" u="sng" dirty="0">
+                <a:cs typeface="Calibri"/>
+                <a:hlinkClick r:id="rId3"/>
+              </a:rPr>
+              <a:t>https://www.europarl.europa.eu/news/hu/headlines/society/20200827STO85804/mi-az-a-mesterseges-intelligencia-es-mire-hasznaljak</a:t>
+            </a:r>
+            <a:endParaRPr lang="hu-HU" sz="1400">
+              <a:solidFill>
+                <a:srgbClr val="1A2521"/>
+              </a:solidFill>
+              <a:cs typeface="Calibri"/>
+            </a:endParaRPr>
+          </a:p>
+          <a:p>
+            <a:r>
+              <a:rPr lang="hu-HU" sz="1400" u="sng" dirty="0">
+                <a:cs typeface="Calibri"/>
+                <a:hlinkClick r:id="rId4"/>
+              </a:rPr>
+              <a:t>https://techforum.hvg.hu/2021/12/mesterseges-agyak-a-gepben-mire-jok-a-neuralis-halozatok/</a:t>
+            </a:r>
+            <a:endParaRPr lang="hu-HU" sz="1400">
+              <a:cs typeface="Calibri"/>
+            </a:endParaRPr>
+          </a:p>
+          <a:p>
+            <a:r>
+              <a:rPr lang="hu-HU" sz="1400" u="sng" dirty="0">
+                <a:cs typeface="Calibri"/>
+                <a:hlinkClick r:id="rId5"/>
+              </a:rPr>
+              <a:t>https://azure.microsoft.com/hu-hu/resources/cloud-computing-dictionary/what-is-artificial-intelligence#%C3%B6nvezet%C5%91-aut%C3%B3k</a:t>
+            </a:r>
+            <a:endParaRPr lang="hu-HU" sz="1400">
+              <a:cs typeface="Calibri"/>
+            </a:endParaRPr>
+          </a:p>
+          <a:p>
+            <a:r>
+              <a:rPr lang="hu-HU" sz="1400" u="sng" dirty="0">
+                <a:cs typeface="Calibri"/>
+                <a:hlinkClick r:id="rId6"/>
+              </a:rPr>
+              <a:t>https://hu.wikipedia.org/wiki/Szoftver%C3%A1gens</a:t>
+            </a:r>
+            <a:endParaRPr lang="hu-HU" sz="1400">
+              <a:cs typeface="Calibri"/>
+            </a:endParaRPr>
+          </a:p>
+          <a:p>
+            <a:r>
+              <a:rPr lang="hu-HU" sz="1400" u="sng" dirty="0">
+                <a:cs typeface="Calibri"/>
+                <a:hlinkClick r:id="rId7"/>
+              </a:rPr>
+              <a:t>https://azure.microsoft.com/hu-hu/resources/cloud-computing-dictionary/what-is-machine-learning-platform</a:t>
+            </a:r>
+            <a:endParaRPr lang="hu-HU" sz="1400">
+              <a:cs typeface="Calibri"/>
+            </a:endParaRPr>
+          </a:p>
+          <a:p>
+            <a:endParaRPr lang="hu-HU" dirty="0">
+              <a:cs typeface="Calibri"/>
+            </a:endParaRPr>
+          </a:p>
+        </p:txBody>
+      </p:sp>
+    </p:spTree>
+    <p:extLst>
+      <p:ext uri="{BB962C8B-B14F-4D97-AF65-F5344CB8AC3E}">
+        <p14:creationId xmlns:p14="http://schemas.microsoft.com/office/powerpoint/2010/main" val="2234656103"/>
+      </p:ext>
+    </p:extLst>
+  </p:cSld>
+  <p:clrMapOvr>
+    <a:masterClrMapping/>
+  </p:clrMapOvr>
+</p:sld>
+</file>
+
+<file path=ppt/slides/slide16.xml><?xml version="1.0" encoding="utf-8"?>
+<p:sld xmlns:a="http://schemas.openxmlformats.org/drawingml/2006/main" xmlns:r="http://schemas.openxmlformats.org/officeDocument/2006/relationships" xmlns:p="http://schemas.openxmlformats.org/presentationml/2006/main">
+  <p:cSld>
+    <p:spTree>
+      <p:nvGrpSpPr>
+        <p:cNvPr id="1" name=""/>
+        <p:cNvGrpSpPr/>
+        <p:nvPr/>
+      </p:nvGrpSpPr>
+      <p:grpSpPr>
+        <a:xfrm>
+          <a:off x="0" y="0"/>
+          <a:ext cx="0" cy="0"/>
+          <a:chOff x="0" y="0"/>
+          <a:chExt cx="0" cy="0"/>
+        </a:xfrm>
+      </p:grpSpPr>
+      <p:sp>
+        <p:nvSpPr>
+          <p:cNvPr id="2" name="Cím 1">
+            <a:extLst>
+              <a:ext uri="{FF2B5EF4-FFF2-40B4-BE49-F238E27FC236}">
+                <a16:creationId xmlns:a16="http://schemas.microsoft.com/office/drawing/2014/main" id="{E63BB05D-7A24-F8B3-05E2-2FC0F77E113A}"/>
+              </a:ext>
+            </a:extLst>
+          </p:cNvPr>
+          <p:cNvSpPr>
+            <a:spLocks noGrp="1"/>
+          </p:cNvSpPr>
+          <p:nvPr>
+            <p:ph type="ctrTitle"/>
+          </p:nvPr>
+        </p:nvSpPr>
+        <p:spPr>
+          <a:xfrm>
+            <a:off x="1524000" y="2229420"/>
+            <a:ext cx="9144000" cy="2387600"/>
+          </a:xfrm>
+        </p:spPr>
+        <p:txBody>
+          <a:bodyPr>
+            <a:normAutofit fontScale="90000"/>
+          </a:bodyPr>
+          <a:lstStyle/>
+          <a:p>
+            <a:r>
+              <a:rPr lang="hu-HU" dirty="0">
+                <a:cs typeface="Calibri Light"/>
+              </a:rPr>
+              <a:t>    K Ö S Z Ö N J Ü K    </a:t>
+            </a:r>
+            <a:br>
+              <a:rPr lang="hu-HU" dirty="0">
+                <a:cs typeface="Calibri Light"/>
+              </a:rPr>
+            </a:br>
+            <a:r>
+              <a:rPr lang="hu-HU" dirty="0">
+                <a:cs typeface="Calibri Light"/>
+              </a:rPr>
+              <a:t>    A    </a:t>
+            </a:r>
+            <a:br>
+              <a:rPr lang="hu-HU" dirty="0">
+                <a:cs typeface="Calibri Light"/>
+              </a:rPr>
+            </a:br>
+            <a:r>
+              <a:rPr lang="hu-HU" dirty="0">
+                <a:cs typeface="Calibri Light"/>
+              </a:rPr>
+              <a:t>F I G Y E L M E T</a:t>
+            </a:r>
+            <a:endParaRPr lang="hu-HU" dirty="0"/>
+          </a:p>
+        </p:txBody>
+      </p:sp>
+    </p:spTree>
+    <p:extLst>
+      <p:ext uri="{BB962C8B-B14F-4D97-AF65-F5344CB8AC3E}">
+        <p14:creationId xmlns:p14="http://schemas.microsoft.com/office/powerpoint/2010/main" val="450413939"/>
+      </p:ext>
+    </p:extLst>
+  </p:cSld>
+  <p:clrMapOvr>
+    <a:masterClrMapping/>
+  </p:clrMapOvr>
 </p:sld>
 </file>
 

--- a/ai ppt.pptx
+++ b/ai ppt.pptx
@@ -134,6 +134,7 @@
     <p1510:client id="{5111FB61-CA82-7F4E-A6FD-D584D691B186}" v="8" dt="2023-11-30T08:22:13.170"/>
     <p1510:client id="{B9CAA9D8-5A54-4910-B53E-6DE308ED206B}" v="6" dt="2023-12-06T10:10:12.700"/>
     <p1510:client id="{BF139F21-3227-4AF9-9B6F-B2DAF7BA58CD}" v="47" dt="2023-12-06T10:04:45.951"/>
+    <p1510:client id="{FFB2C464-75CF-41A9-9825-04E4243B65E8}" v="10" dt="2023-12-08T11:18:01.233"/>
   </p1510:revLst>
 </p1510:revInfo>
 </file>
@@ -267,7 +268,7 @@
           <a:p>
             <a:fld id="{F5F1901C-D33B-4565-A7E4-5DF903098DB6}" type="datetimeFigureOut">
               <a:rPr lang="hu-HU" smtClean="0"/>
-              <a:t>2023. 12. 07.</a:t>
+              <a:t>2023. 12. 08.</a:t>
             </a:fld>
             <a:endParaRPr lang="hu-HU"/>
           </a:p>
@@ -435,7 +436,7 @@
           <a:p>
             <a:fld id="{F5F1901C-D33B-4565-A7E4-5DF903098DB6}" type="datetimeFigureOut">
               <a:rPr lang="hu-HU" smtClean="0"/>
-              <a:t>2023. 12. 07.</a:t>
+              <a:t>2023. 12. 08.</a:t>
             </a:fld>
             <a:endParaRPr lang="hu-HU"/>
           </a:p>
@@ -613,7 +614,7 @@
           <a:p>
             <a:fld id="{F5F1901C-D33B-4565-A7E4-5DF903098DB6}" type="datetimeFigureOut">
               <a:rPr lang="hu-HU" smtClean="0"/>
-              <a:t>2023. 12. 07.</a:t>
+              <a:t>2023. 12. 08.</a:t>
             </a:fld>
             <a:endParaRPr lang="hu-HU"/>
           </a:p>
@@ -781,7 +782,7 @@
           <a:p>
             <a:fld id="{F5F1901C-D33B-4565-A7E4-5DF903098DB6}" type="datetimeFigureOut">
               <a:rPr lang="hu-HU" smtClean="0"/>
-              <a:t>2023. 12. 07.</a:t>
+              <a:t>2023. 12. 08.</a:t>
             </a:fld>
             <a:endParaRPr lang="hu-HU"/>
           </a:p>
@@ -1026,7 +1027,7 @@
           <a:p>
             <a:fld id="{F5F1901C-D33B-4565-A7E4-5DF903098DB6}" type="datetimeFigureOut">
               <a:rPr lang="hu-HU" smtClean="0"/>
-              <a:t>2023. 12. 07.</a:t>
+              <a:t>2023. 12. 08.</a:t>
             </a:fld>
             <a:endParaRPr lang="hu-HU"/>
           </a:p>
@@ -1255,7 +1256,7 @@
           <a:p>
             <a:fld id="{F5F1901C-D33B-4565-A7E4-5DF903098DB6}" type="datetimeFigureOut">
               <a:rPr lang="hu-HU" smtClean="0"/>
-              <a:t>2023. 12. 07.</a:t>
+              <a:t>2023. 12. 08.</a:t>
             </a:fld>
             <a:endParaRPr lang="hu-HU"/>
           </a:p>
@@ -1619,7 +1620,7 @@
           <a:p>
             <a:fld id="{F5F1901C-D33B-4565-A7E4-5DF903098DB6}" type="datetimeFigureOut">
               <a:rPr lang="hu-HU" smtClean="0"/>
-              <a:t>2023. 12. 07.</a:t>
+              <a:t>2023. 12. 08.</a:t>
             </a:fld>
             <a:endParaRPr lang="hu-HU"/>
           </a:p>
@@ -1736,7 +1737,7 @@
           <a:p>
             <a:fld id="{F5F1901C-D33B-4565-A7E4-5DF903098DB6}" type="datetimeFigureOut">
               <a:rPr lang="hu-HU" smtClean="0"/>
-              <a:t>2023. 12. 07.</a:t>
+              <a:t>2023. 12. 08.</a:t>
             </a:fld>
             <a:endParaRPr lang="hu-HU"/>
           </a:p>
@@ -1831,7 +1832,7 @@
           <a:p>
             <a:fld id="{F5F1901C-D33B-4565-A7E4-5DF903098DB6}" type="datetimeFigureOut">
               <a:rPr lang="hu-HU" smtClean="0"/>
-              <a:t>2023. 12. 07.</a:t>
+              <a:t>2023. 12. 08.</a:t>
             </a:fld>
             <a:endParaRPr lang="hu-HU"/>
           </a:p>
@@ -2106,7 +2107,7 @@
           <a:p>
             <a:fld id="{F5F1901C-D33B-4565-A7E4-5DF903098DB6}" type="datetimeFigureOut">
               <a:rPr lang="hu-HU" smtClean="0"/>
-              <a:t>2023. 12. 07.</a:t>
+              <a:t>2023. 12. 08.</a:t>
             </a:fld>
             <a:endParaRPr lang="hu-HU"/>
           </a:p>
@@ -2358,7 +2359,7 @@
           <a:p>
             <a:fld id="{F5F1901C-D33B-4565-A7E4-5DF903098DB6}" type="datetimeFigureOut">
               <a:rPr lang="hu-HU" smtClean="0"/>
-              <a:t>2023. 12. 07.</a:t>
+              <a:t>2023. 12. 08.</a:t>
             </a:fld>
             <a:endParaRPr lang="hu-HU"/>
           </a:p>
@@ -2569,7 +2570,7 @@
           <a:p>
             <a:fld id="{F5F1901C-D33B-4565-A7E4-5DF903098DB6}" type="datetimeFigureOut">
               <a:rPr lang="hu-HU" smtClean="0"/>
-              <a:t>2023. 12. 07.</a:t>
+              <a:t>2023. 12. 08.</a:t>
             </a:fld>
             <a:endParaRPr lang="hu-HU"/>
           </a:p>
@@ -17994,16 +17995,16 @@
           <a:lstStyle/>
           <a:p>
             <a:r>
-              <a:rPr lang="hu-HU" sz="1700">
+              <a:rPr lang="hu-HU" sz="1700" dirty="0">
                 <a:solidFill>
                   <a:schemeClr val="bg1"/>
                 </a:solidFill>
                 <a:ea typeface="Calibri"/>
                 <a:cs typeface="Calibri"/>
               </a:rPr>
-              <a:t>John McCarthy</a:t>
+              <a:t>John McCarthy (28)</a:t>
             </a:r>
-            <a:endParaRPr lang="hu-HU">
+            <a:endParaRPr lang="hu-HU" dirty="0">
               <a:solidFill>
                 <a:schemeClr val="bg1"/>
               </a:solidFill>
@@ -18013,19 +18014,19 @@
           </a:p>
           <a:p>
             <a:r>
-              <a:rPr lang="hu-HU" sz="1700">
+              <a:rPr lang="hu-HU" sz="1700" dirty="0">
                 <a:solidFill>
                   <a:schemeClr val="bg1"/>
                 </a:solidFill>
                 <a:ea typeface="Calibri"/>
                 <a:cs typeface="Calibri"/>
               </a:rPr>
-              <a:t>1950-es évek</a:t>
+              <a:t>1955</a:t>
             </a:r>
           </a:p>
           <a:p>
             <a:r>
-              <a:rPr lang="hu-HU" sz="1700" err="1">
+              <a:rPr lang="hu-HU" sz="1700" dirty="0" err="1">
                 <a:solidFill>
                   <a:schemeClr val="bg1"/>
                 </a:solidFill>
@@ -18035,7 +18036,7 @@
               <a:t>Darmonth</a:t>
             </a:r>
             <a:r>
-              <a:rPr lang="hu-HU" sz="1700">
+              <a:rPr lang="hu-HU" sz="1700" dirty="0">
                 <a:solidFill>
                   <a:schemeClr val="bg1"/>
                 </a:solidFill>
@@ -18047,7 +18048,7 @@
           </a:p>
           <a:p>
             <a:r>
-              <a:rPr lang="hu-HU" sz="1700">
+              <a:rPr lang="hu-HU" sz="1700" dirty="0">
                 <a:solidFill>
                   <a:schemeClr val="bg1"/>
                 </a:solidFill>
@@ -18057,7 +18058,7 @@
               <a:t>"</a:t>
             </a:r>
             <a:r>
-              <a:rPr lang="hu-HU" sz="1700" err="1">
+              <a:rPr lang="hu-HU" sz="1700" dirty="0" err="1">
                 <a:solidFill>
                   <a:schemeClr val="bg1"/>
                 </a:solidFill>
@@ -18067,7 +18068,7 @@
               <a:t>Father</a:t>
             </a:r>
             <a:r>
-              <a:rPr lang="hu-HU" sz="1700">
+              <a:rPr lang="hu-HU" sz="1700" dirty="0">
                 <a:solidFill>
                   <a:schemeClr val="bg1"/>
                 </a:solidFill>
@@ -18079,7 +18080,7 @@
           </a:p>
           <a:p>
             <a:r>
-              <a:rPr lang="hu-HU" sz="1700">
+              <a:rPr lang="hu-HU" sz="1700" dirty="0">
                 <a:solidFill>
                   <a:schemeClr val="bg1"/>
                 </a:solidFill>
@@ -18091,7 +18092,7 @@
           </a:p>
           <a:p>
             <a:r>
-              <a:rPr lang="hu-HU" sz="1700">
+              <a:rPr lang="hu-HU" sz="1700" dirty="0">
                 <a:solidFill>
                   <a:schemeClr val="bg1"/>
                 </a:solidFill>
